--- a/WebEx/SD1/Review_01/review_02.pptx
+++ b/WebEx/SD1/Review_01/review_02.pptx
@@ -5,7 +5,7 @@
     <p:sldMasterId id="2147483717" r:id="rId1"/>
   </p:sldMasterIdLst>
   <p:notesMasterIdLst>
-    <p:notesMasterId r:id="rId20"/>
+    <p:notesMasterId r:id="rId22"/>
   </p:notesMasterIdLst>
   <p:sldIdLst>
     <p:sldId id="256" r:id="rId2"/>
@@ -24,8 +24,10 @@
     <p:sldId id="264" r:id="rId15"/>
     <p:sldId id="272" r:id="rId16"/>
     <p:sldId id="273" r:id="rId17"/>
-    <p:sldId id="274" r:id="rId18"/>
-    <p:sldId id="277" r:id="rId19"/>
+    <p:sldId id="278" r:id="rId18"/>
+    <p:sldId id="274" r:id="rId19"/>
+    <p:sldId id="277" r:id="rId20"/>
+    <p:sldId id="279" r:id="rId21"/>
   </p:sldIdLst>
   <p:sldSz cx="12192000" cy="6858000"/>
   <p:notesSz cx="6858000" cy="9144000"/>
@@ -526,6 +528,196 @@
           <a:bodyPr/>
           <a:lstStyle/>
           <a:p>
+            <a:endParaRPr lang="en-US" dirty="0"/>
+          </a:p>
+        </p:txBody>
+      </p:sp>
+      <p:sp>
+        <p:nvSpPr>
+          <p:cNvPr id="4" name="Slide Number Placeholder 3"/>
+          <p:cNvSpPr>
+            <a:spLocks noGrp="1"/>
+          </p:cNvSpPr>
+          <p:nvPr>
+            <p:ph type="sldNum" sz="quarter" idx="10"/>
+          </p:nvPr>
+        </p:nvSpPr>
+        <p:spPr/>
+        <p:txBody>
+          <a:bodyPr/>
+          <a:lstStyle/>
+          <a:p>
+            <a:fld id="{82BF0421-3AEA-4756-939B-E9649189A007}" type="slidenum">
+              <a:rPr lang="en-US" smtClean="0"/>
+              <a:t>1</a:t>
+            </a:fld>
+            <a:endParaRPr lang="en-US"/>
+          </a:p>
+        </p:txBody>
+      </p:sp>
+    </p:spTree>
+    <p:extLst>
+      <p:ext uri="{BB962C8B-B14F-4D97-AF65-F5344CB8AC3E}">
+        <p14:creationId xmlns:p14="http://schemas.microsoft.com/office/powerpoint/2010/main" val="4064658891"/>
+      </p:ext>
+    </p:extLst>
+  </p:cSld>
+  <p:clrMapOvr>
+    <a:masterClrMapping/>
+  </p:clrMapOvr>
+</p:notes>
+</file>
+
+<file path=ppt/notesSlides/notesSlide10.xml><?xml version="1.0" encoding="utf-8"?>
+<p:notes xmlns:a="http://schemas.openxmlformats.org/drawingml/2006/main" xmlns:r="http://schemas.openxmlformats.org/officeDocument/2006/relationships" xmlns:p="http://schemas.openxmlformats.org/presentationml/2006/main">
+  <p:cSld>
+    <p:spTree>
+      <p:nvGrpSpPr>
+        <p:cNvPr id="1" name=""/>
+        <p:cNvGrpSpPr/>
+        <p:nvPr/>
+      </p:nvGrpSpPr>
+      <p:grpSpPr>
+        <a:xfrm>
+          <a:off x="0" y="0"/>
+          <a:ext cx="0" cy="0"/>
+          <a:chOff x="0" y="0"/>
+          <a:chExt cx="0" cy="0"/>
+        </a:xfrm>
+      </p:grpSpPr>
+      <p:sp>
+        <p:nvSpPr>
+          <p:cNvPr id="2" name="Slide Image Placeholder 1"/>
+          <p:cNvSpPr>
+            <a:spLocks noGrp="1" noRot="1" noChangeAspect="1"/>
+          </p:cNvSpPr>
+          <p:nvPr>
+            <p:ph type="sldImg"/>
+          </p:nvPr>
+        </p:nvSpPr>
+        <p:spPr/>
+      </p:sp>
+      <p:sp>
+        <p:nvSpPr>
+          <p:cNvPr id="3" name="Notes Placeholder 2"/>
+          <p:cNvSpPr>
+            <a:spLocks noGrp="1"/>
+          </p:cNvSpPr>
+          <p:nvPr>
+            <p:ph type="body" idx="1"/>
+          </p:nvPr>
+        </p:nvSpPr>
+        <p:spPr/>
+        <p:txBody>
+          <a:bodyPr/>
+          <a:lstStyle/>
+          <a:p>
+            <a:r>
+              <a:rPr lang="en-US" dirty="0" smtClean="0"/>
+              <a:t>The following equations described</a:t>
+            </a:r>
+            <a:r>
+              <a:rPr lang="en-US" baseline="0" dirty="0" smtClean="0"/>
+              <a:t> the </a:t>
+            </a:r>
+            <a:r>
+              <a:rPr lang="en-US" baseline="0" dirty="0" err="1" smtClean="0"/>
+              <a:t>costas</a:t>
+            </a:r>
+            <a:r>
+              <a:rPr lang="en-US" baseline="0" dirty="0" smtClean="0"/>
+              <a:t> loop as follow</a:t>
+            </a:r>
+            <a:endParaRPr lang="en-US" dirty="0"/>
+          </a:p>
+        </p:txBody>
+      </p:sp>
+      <p:sp>
+        <p:nvSpPr>
+          <p:cNvPr id="4" name="Slide Number Placeholder 3"/>
+          <p:cNvSpPr>
+            <a:spLocks noGrp="1"/>
+          </p:cNvSpPr>
+          <p:nvPr>
+            <p:ph type="sldNum" sz="quarter" idx="10"/>
+          </p:nvPr>
+        </p:nvSpPr>
+        <p:spPr/>
+        <p:txBody>
+          <a:bodyPr/>
+          <a:lstStyle/>
+          <a:p>
+            <a:fld id="{82BF0421-3AEA-4756-939B-E9649189A007}" type="slidenum">
+              <a:rPr lang="en-US" smtClean="0"/>
+              <a:t>16</a:t>
+            </a:fld>
+            <a:endParaRPr lang="en-US"/>
+          </a:p>
+        </p:txBody>
+      </p:sp>
+    </p:spTree>
+    <p:extLst>
+      <p:ext uri="{BB962C8B-B14F-4D97-AF65-F5344CB8AC3E}">
+        <p14:creationId xmlns:p14="http://schemas.microsoft.com/office/powerpoint/2010/main" val="601056854"/>
+      </p:ext>
+    </p:extLst>
+  </p:cSld>
+  <p:clrMapOvr>
+    <a:masterClrMapping/>
+  </p:clrMapOvr>
+</p:notes>
+</file>
+
+<file path=ppt/notesSlides/notesSlide11.xml><?xml version="1.0" encoding="utf-8"?>
+<p:notes xmlns:a="http://schemas.openxmlformats.org/drawingml/2006/main" xmlns:r="http://schemas.openxmlformats.org/officeDocument/2006/relationships" xmlns:p="http://schemas.openxmlformats.org/presentationml/2006/main">
+  <p:cSld>
+    <p:spTree>
+      <p:nvGrpSpPr>
+        <p:cNvPr id="1" name=""/>
+        <p:cNvGrpSpPr/>
+        <p:nvPr/>
+      </p:nvGrpSpPr>
+      <p:grpSpPr>
+        <a:xfrm>
+          <a:off x="0" y="0"/>
+          <a:ext cx="0" cy="0"/>
+          <a:chOff x="0" y="0"/>
+          <a:chExt cx="0" cy="0"/>
+        </a:xfrm>
+      </p:grpSpPr>
+      <p:sp>
+        <p:nvSpPr>
+          <p:cNvPr id="2" name="Slide Image Placeholder 1"/>
+          <p:cNvSpPr>
+            <a:spLocks noGrp="1" noRot="1" noChangeAspect="1"/>
+          </p:cNvSpPr>
+          <p:nvPr>
+            <p:ph type="sldImg"/>
+          </p:nvPr>
+        </p:nvSpPr>
+        <p:spPr/>
+      </p:sp>
+      <p:sp>
+        <p:nvSpPr>
+          <p:cNvPr id="3" name="Notes Placeholder 2"/>
+          <p:cNvSpPr>
+            <a:spLocks noGrp="1"/>
+          </p:cNvSpPr>
+          <p:nvPr>
+            <p:ph type="body" idx="1"/>
+          </p:nvPr>
+        </p:nvSpPr>
+        <p:spPr/>
+        <p:txBody>
+          <a:bodyPr/>
+          <a:lstStyle/>
+          <a:p>
+            <a:r>
+              <a:rPr lang="en-US" baseline="0" dirty="0" smtClean="0"/>
+              <a:t>The two signals s1(t) and s2(t) are the output of the VCO, which is driven by the error between the carrier frequency and the VCO’s frequency</a:t>
+            </a:r>
+          </a:p>
+          <a:p>
             <a:pPr marL="0" marR="0" indent="0" algn="l" defTabSz="914400" rtl="0" eaLnBrk="1" fontAlgn="auto" latinLnBrk="0" hangingPunct="1">
               <a:lnSpc>
                 <a:spcPct val="100000"/>
@@ -544,16 +736,42 @@
               <a:defRPr/>
             </a:pPr>
             <a:r>
-              <a:rPr lang="en-US" dirty="0" smtClean="0"/>
-              <a:t>Just like we showed in the last report our model of the KD2BD modem has successfully been recreated in Simulink,</a:t>
-            </a:r>
-            <a:r>
               <a:rPr lang="en-US" baseline="0" dirty="0" smtClean="0"/>
-              <a:t> to assess the modem, we implemented a AWGN channel and a BER calculator</a:t>
-            </a:r>
-            <a:endParaRPr lang="en-US" dirty="0" smtClean="0"/>
-          </a:p>
-          <a:p>
+              <a:t>Two states can be seen for the </a:t>
+            </a:r>
+            <a:r>
+              <a:rPr lang="en-US" baseline="0" dirty="0" err="1" smtClean="0"/>
+              <a:t>costas</a:t>
+            </a:r>
+            <a:r>
+              <a:rPr lang="en-US" baseline="0" dirty="0" smtClean="0"/>
+              <a:t> loop Tracking and locked</a:t>
+            </a:r>
+            <a:endParaRPr lang="en-US" baseline="0" dirty="0" smtClean="0"/>
+          </a:p>
+          <a:p>
+            <a:r>
+              <a:rPr lang="en-US" baseline="0" dirty="0" smtClean="0"/>
+              <a:t>Tracking: </a:t>
+            </a:r>
+          </a:p>
+          <a:p>
+            <a:r>
+              <a:rPr lang="en-US" baseline="0" dirty="0" smtClean="0"/>
+              <a:t>When tracking, the error is a function of the carrier frequency subtracted by the VCO’s</a:t>
+            </a:r>
+          </a:p>
+          <a:p>
+            <a:r>
+              <a:rPr lang="en-US" baseline="0" dirty="0" smtClean="0"/>
+              <a:t>Locked: </a:t>
+            </a:r>
+          </a:p>
+          <a:p>
+            <a:r>
+              <a:rPr lang="en-US" baseline="0" dirty="0" smtClean="0"/>
+              <a:t>When locked, the signal I2 is observed contains the data scaled by the amplitude</a:t>
+            </a:r>
             <a:endParaRPr lang="en-US" dirty="0"/>
           </a:p>
         </p:txBody>
@@ -575,7 +793,7 @@
           <a:p>
             <a:fld id="{82BF0421-3AEA-4756-939B-E9649189A007}" type="slidenum">
               <a:rPr lang="en-US" smtClean="0"/>
-              <a:t>10</a:t>
+              <a:t>17</a:t>
             </a:fld>
             <a:endParaRPr lang="en-US"/>
           </a:p>
@@ -584,7 +802,202 @@
     </p:spTree>
     <p:extLst>
       <p:ext uri="{BB962C8B-B14F-4D97-AF65-F5344CB8AC3E}">
-        <p14:creationId xmlns:p14="http://schemas.microsoft.com/office/powerpoint/2010/main" val="1464239550"/>
+        <p14:creationId xmlns:p14="http://schemas.microsoft.com/office/powerpoint/2010/main" val="660927436"/>
+      </p:ext>
+    </p:extLst>
+  </p:cSld>
+  <p:clrMapOvr>
+    <a:masterClrMapping/>
+  </p:clrMapOvr>
+</p:notes>
+</file>
+
+<file path=ppt/notesSlides/notesSlide12.xml><?xml version="1.0" encoding="utf-8"?>
+<p:notes xmlns:a="http://schemas.openxmlformats.org/drawingml/2006/main" xmlns:r="http://schemas.openxmlformats.org/officeDocument/2006/relationships" xmlns:p="http://schemas.openxmlformats.org/presentationml/2006/main">
+  <p:cSld>
+    <p:spTree>
+      <p:nvGrpSpPr>
+        <p:cNvPr id="1" name=""/>
+        <p:cNvGrpSpPr/>
+        <p:nvPr/>
+      </p:nvGrpSpPr>
+      <p:grpSpPr>
+        <a:xfrm>
+          <a:off x="0" y="0"/>
+          <a:ext cx="0" cy="0"/>
+          <a:chOff x="0" y="0"/>
+          <a:chExt cx="0" cy="0"/>
+        </a:xfrm>
+      </p:grpSpPr>
+      <p:sp>
+        <p:nvSpPr>
+          <p:cNvPr id="2" name="Slide Image Placeholder 1"/>
+          <p:cNvSpPr>
+            <a:spLocks noGrp="1" noRot="1" noChangeAspect="1"/>
+          </p:cNvSpPr>
+          <p:nvPr>
+            <p:ph type="sldImg"/>
+          </p:nvPr>
+        </p:nvSpPr>
+        <p:spPr/>
+      </p:sp>
+      <p:sp>
+        <p:nvSpPr>
+          <p:cNvPr id="3" name="Notes Placeholder 2"/>
+          <p:cNvSpPr>
+            <a:spLocks noGrp="1"/>
+          </p:cNvSpPr>
+          <p:nvPr>
+            <p:ph type="body" idx="1"/>
+          </p:nvPr>
+        </p:nvSpPr>
+        <p:spPr/>
+        <p:txBody>
+          <a:bodyPr/>
+          <a:lstStyle/>
+          <a:p>
+            <a:r>
+              <a:rPr lang="en-US" dirty="0" err="1" smtClean="0"/>
+              <a:t>Simulnk</a:t>
+            </a:r>
+            <a:r>
+              <a:rPr lang="en-US" baseline="0" dirty="0" smtClean="0"/>
+              <a:t> the </a:t>
+            </a:r>
+            <a:r>
+              <a:rPr lang="en-US" baseline="0" dirty="0" err="1" smtClean="0"/>
+              <a:t>costas</a:t>
+            </a:r>
+            <a:r>
+              <a:rPr lang="en-US" baseline="0" dirty="0" smtClean="0"/>
+              <a:t> in Simulink yield the following results</a:t>
+            </a:r>
+            <a:endParaRPr lang="en-US" dirty="0" smtClean="0"/>
+          </a:p>
+          <a:p>
+            <a:endParaRPr lang="en-US" dirty="0"/>
+          </a:p>
+        </p:txBody>
+      </p:sp>
+      <p:sp>
+        <p:nvSpPr>
+          <p:cNvPr id="4" name="Slide Number Placeholder 3"/>
+          <p:cNvSpPr>
+            <a:spLocks noGrp="1"/>
+          </p:cNvSpPr>
+          <p:nvPr>
+            <p:ph type="sldNum" sz="quarter" idx="10"/>
+          </p:nvPr>
+        </p:nvSpPr>
+        <p:spPr/>
+        <p:txBody>
+          <a:bodyPr/>
+          <a:lstStyle/>
+          <a:p>
+            <a:fld id="{82BF0421-3AEA-4756-939B-E9649189A007}" type="slidenum">
+              <a:rPr lang="en-US" smtClean="0"/>
+              <a:t>18</a:t>
+            </a:fld>
+            <a:endParaRPr lang="en-US"/>
+          </a:p>
+        </p:txBody>
+      </p:sp>
+    </p:spTree>
+    <p:extLst>
+      <p:ext uri="{BB962C8B-B14F-4D97-AF65-F5344CB8AC3E}">
+        <p14:creationId xmlns:p14="http://schemas.microsoft.com/office/powerpoint/2010/main" val="4280413789"/>
+      </p:ext>
+    </p:extLst>
+  </p:cSld>
+  <p:clrMapOvr>
+    <a:masterClrMapping/>
+  </p:clrMapOvr>
+</p:notes>
+</file>
+
+<file path=ppt/notesSlides/notesSlide13.xml><?xml version="1.0" encoding="utf-8"?>
+<p:notes xmlns:a="http://schemas.openxmlformats.org/drawingml/2006/main" xmlns:r="http://schemas.openxmlformats.org/officeDocument/2006/relationships" xmlns:p="http://schemas.openxmlformats.org/presentationml/2006/main">
+  <p:cSld>
+    <p:spTree>
+      <p:nvGrpSpPr>
+        <p:cNvPr id="1" name=""/>
+        <p:cNvGrpSpPr/>
+        <p:nvPr/>
+      </p:nvGrpSpPr>
+      <p:grpSpPr>
+        <a:xfrm>
+          <a:off x="0" y="0"/>
+          <a:ext cx="0" cy="0"/>
+          <a:chOff x="0" y="0"/>
+          <a:chExt cx="0" cy="0"/>
+        </a:xfrm>
+      </p:grpSpPr>
+      <p:sp>
+        <p:nvSpPr>
+          <p:cNvPr id="2" name="Slide Image Placeholder 1"/>
+          <p:cNvSpPr>
+            <a:spLocks noGrp="1" noRot="1" noChangeAspect="1"/>
+          </p:cNvSpPr>
+          <p:nvPr>
+            <p:ph type="sldImg"/>
+          </p:nvPr>
+        </p:nvSpPr>
+        <p:spPr/>
+      </p:sp>
+      <p:sp>
+        <p:nvSpPr>
+          <p:cNvPr id="3" name="Notes Placeholder 2"/>
+          <p:cNvSpPr>
+            <a:spLocks noGrp="1"/>
+          </p:cNvSpPr>
+          <p:nvPr>
+            <p:ph type="body" idx="1"/>
+          </p:nvPr>
+        </p:nvSpPr>
+        <p:spPr/>
+        <p:txBody>
+          <a:bodyPr/>
+          <a:lstStyle/>
+          <a:p>
+            <a:r>
+              <a:rPr lang="en-US" dirty="0" smtClean="0"/>
+              <a:t>This</a:t>
+            </a:r>
+            <a:r>
+              <a:rPr lang="en-US" baseline="0" dirty="0" smtClean="0"/>
+              <a:t> it for this week’s report and thank your time.</a:t>
+            </a:r>
+            <a:endParaRPr lang="en-US" dirty="0"/>
+          </a:p>
+        </p:txBody>
+      </p:sp>
+      <p:sp>
+        <p:nvSpPr>
+          <p:cNvPr id="4" name="Slide Number Placeholder 3"/>
+          <p:cNvSpPr>
+            <a:spLocks noGrp="1"/>
+          </p:cNvSpPr>
+          <p:nvPr>
+            <p:ph type="sldNum" sz="quarter" idx="10"/>
+          </p:nvPr>
+        </p:nvSpPr>
+        <p:spPr/>
+        <p:txBody>
+          <a:bodyPr/>
+          <a:lstStyle/>
+          <a:p>
+            <a:fld id="{82BF0421-3AEA-4756-939B-E9649189A007}" type="slidenum">
+              <a:rPr lang="en-US" smtClean="0"/>
+              <a:t>20</a:t>
+            </a:fld>
+            <a:endParaRPr lang="en-US"/>
+          </a:p>
+        </p:txBody>
+      </p:sp>
+    </p:spTree>
+    <p:extLst>
+      <p:ext uri="{BB962C8B-B14F-4D97-AF65-F5344CB8AC3E}">
+        <p14:creationId xmlns:p14="http://schemas.microsoft.com/office/powerpoint/2010/main" val="501533131"/>
       </p:ext>
     </p:extLst>
   </p:cSld>
@@ -638,17 +1051,48 @@
           <a:bodyPr/>
           <a:lstStyle/>
           <a:p>
+            <a:pPr marL="0" marR="0" indent="0" algn="l" defTabSz="914400" rtl="0" eaLnBrk="1" fontAlgn="auto" latinLnBrk="0" hangingPunct="1">
+              <a:lnSpc>
+                <a:spcPct val="100000"/>
+              </a:lnSpc>
+              <a:spcBef>
+                <a:spcPts val="0"/>
+              </a:spcBef>
+              <a:spcAft>
+                <a:spcPts val="0"/>
+              </a:spcAft>
+              <a:buClrTx/>
+              <a:buSzTx/>
+              <a:buFontTx/>
+              <a:buNone/>
+              <a:tabLst/>
+              <a:defRPr/>
+            </a:pPr>
             <a:r>
               <a:rPr lang="en-US" dirty="0" smtClean="0"/>
-              <a:t>Demodulation</a:t>
-            </a:r>
-          </a:p>
-          <a:p>
-            <a:pPr lvl="1"/>
-            <a:r>
-              <a:rPr lang="en-US" dirty="0" smtClean="0"/>
-              <a:t>Implementation of the Costas Loop was simulated using Simulink to demodulate</a:t>
-            </a:r>
+              <a:t>Hello</a:t>
+            </a:r>
+            <a:r>
+              <a:rPr lang="en-US" baseline="0" dirty="0" smtClean="0"/>
+              <a:t> everyone this is </a:t>
+            </a:r>
+            <a:r>
+              <a:rPr lang="en-US" baseline="0" dirty="0" err="1" smtClean="0"/>
+              <a:t>cedric</a:t>
+            </a:r>
+            <a:r>
+              <a:rPr lang="en-US" baseline="0" dirty="0" smtClean="0"/>
+              <a:t> </a:t>
+            </a:r>
+            <a:r>
+              <a:rPr lang="en-US" baseline="0" dirty="0" err="1" smtClean="0"/>
+              <a:t>destin</a:t>
+            </a:r>
+            <a:r>
+              <a:rPr lang="en-US" baseline="0" dirty="0" smtClean="0"/>
+              <a:t> from PCG and I would like report our bi-weekly progress for our SD project</a:t>
+            </a:r>
+            <a:endParaRPr lang="en-US" dirty="0" smtClean="0"/>
           </a:p>
           <a:p>
             <a:endParaRPr lang="en-US" dirty="0" smtClean="0"/>
@@ -675,7 +1119,7 @@
           <a:p>
             <a:fld id="{82BF0421-3AEA-4756-939B-E9649189A007}" type="slidenum">
               <a:rPr lang="en-US" smtClean="0"/>
-              <a:t>17</a:t>
+              <a:t>8</a:t>
             </a:fld>
             <a:endParaRPr lang="en-US"/>
           </a:p>
@@ -684,7 +1128,808 @@
     </p:spTree>
     <p:extLst>
       <p:ext uri="{BB962C8B-B14F-4D97-AF65-F5344CB8AC3E}">
-        <p14:creationId xmlns:p14="http://schemas.microsoft.com/office/powerpoint/2010/main" val="4280413789"/>
+        <p14:creationId xmlns:p14="http://schemas.microsoft.com/office/powerpoint/2010/main" val="455001400"/>
+      </p:ext>
+    </p:extLst>
+  </p:cSld>
+  <p:clrMapOvr>
+    <a:masterClrMapping/>
+  </p:clrMapOvr>
+</p:notes>
+</file>
+
+<file path=ppt/notesSlides/notesSlide3.xml><?xml version="1.0" encoding="utf-8"?>
+<p:notes xmlns:a="http://schemas.openxmlformats.org/drawingml/2006/main" xmlns:r="http://schemas.openxmlformats.org/officeDocument/2006/relationships" xmlns:p="http://schemas.openxmlformats.org/presentationml/2006/main">
+  <p:cSld>
+    <p:spTree>
+      <p:nvGrpSpPr>
+        <p:cNvPr id="1" name=""/>
+        <p:cNvGrpSpPr/>
+        <p:nvPr/>
+      </p:nvGrpSpPr>
+      <p:grpSpPr>
+        <a:xfrm>
+          <a:off x="0" y="0"/>
+          <a:ext cx="0" cy="0"/>
+          <a:chOff x="0" y="0"/>
+          <a:chExt cx="0" cy="0"/>
+        </a:xfrm>
+      </p:grpSpPr>
+      <p:sp>
+        <p:nvSpPr>
+          <p:cNvPr id="2" name="Slide Image Placeholder 1"/>
+          <p:cNvSpPr>
+            <a:spLocks noGrp="1" noRot="1" noChangeAspect="1"/>
+          </p:cNvSpPr>
+          <p:nvPr>
+            <p:ph type="sldImg"/>
+          </p:nvPr>
+        </p:nvSpPr>
+        <p:spPr/>
+      </p:sp>
+      <p:sp>
+        <p:nvSpPr>
+          <p:cNvPr id="3" name="Notes Placeholder 2"/>
+          <p:cNvSpPr>
+            <a:spLocks noGrp="1"/>
+          </p:cNvSpPr>
+          <p:nvPr>
+            <p:ph type="body" idx="1"/>
+          </p:nvPr>
+        </p:nvSpPr>
+        <p:spPr/>
+        <p:txBody>
+          <a:bodyPr/>
+          <a:lstStyle/>
+          <a:p>
+            <a:pPr marL="0" marR="0" indent="0" algn="l" defTabSz="914400" rtl="0" eaLnBrk="1" fontAlgn="auto" latinLnBrk="0" hangingPunct="1">
+              <a:lnSpc>
+                <a:spcPct val="100000"/>
+              </a:lnSpc>
+              <a:spcBef>
+                <a:spcPts val="0"/>
+              </a:spcBef>
+              <a:spcAft>
+                <a:spcPts val="0"/>
+              </a:spcAft>
+              <a:buClrTx/>
+              <a:buSzTx/>
+              <a:buFontTx/>
+              <a:buNone/>
+              <a:tabLst/>
+              <a:defRPr/>
+            </a:pPr>
+            <a:r>
+              <a:rPr lang="en-US" dirty="0" smtClean="0"/>
+              <a:t>Hello</a:t>
+            </a:r>
+            <a:r>
+              <a:rPr lang="en-US" baseline="0" dirty="0" smtClean="0"/>
+              <a:t> everyone this is </a:t>
+            </a:r>
+            <a:r>
+              <a:rPr lang="en-US" baseline="0" dirty="0" err="1" smtClean="0"/>
+              <a:t>cedric</a:t>
+            </a:r>
+            <a:r>
+              <a:rPr lang="en-US" baseline="0" dirty="0" smtClean="0"/>
+              <a:t> </a:t>
+            </a:r>
+            <a:r>
+              <a:rPr lang="en-US" baseline="0" dirty="0" err="1" smtClean="0"/>
+              <a:t>destin</a:t>
+            </a:r>
+            <a:r>
+              <a:rPr lang="en-US" baseline="0" dirty="0" smtClean="0"/>
+              <a:t> from PCG and I would like report our bi-weekly progress for our SD project</a:t>
+            </a:r>
+            <a:endParaRPr lang="en-US" dirty="0" smtClean="0"/>
+          </a:p>
+          <a:p>
+            <a:endParaRPr lang="en-US" dirty="0" smtClean="0"/>
+          </a:p>
+          <a:p>
+            <a:endParaRPr lang="en-US" dirty="0"/>
+          </a:p>
+        </p:txBody>
+      </p:sp>
+      <p:sp>
+        <p:nvSpPr>
+          <p:cNvPr id="4" name="Slide Number Placeholder 3"/>
+          <p:cNvSpPr>
+            <a:spLocks noGrp="1"/>
+          </p:cNvSpPr>
+          <p:nvPr>
+            <p:ph type="sldNum" sz="quarter" idx="10"/>
+          </p:nvPr>
+        </p:nvSpPr>
+        <p:spPr/>
+        <p:txBody>
+          <a:bodyPr/>
+          <a:lstStyle/>
+          <a:p>
+            <a:fld id="{82BF0421-3AEA-4756-939B-E9649189A007}" type="slidenum">
+              <a:rPr lang="en-US" smtClean="0"/>
+              <a:t>9</a:t>
+            </a:fld>
+            <a:endParaRPr lang="en-US"/>
+          </a:p>
+        </p:txBody>
+      </p:sp>
+    </p:spTree>
+    <p:extLst>
+      <p:ext uri="{BB962C8B-B14F-4D97-AF65-F5344CB8AC3E}">
+        <p14:creationId xmlns:p14="http://schemas.microsoft.com/office/powerpoint/2010/main" val="639352867"/>
+      </p:ext>
+    </p:extLst>
+  </p:cSld>
+  <p:clrMapOvr>
+    <a:masterClrMapping/>
+  </p:clrMapOvr>
+</p:notes>
+</file>
+
+<file path=ppt/notesSlides/notesSlide4.xml><?xml version="1.0" encoding="utf-8"?>
+<p:notes xmlns:a="http://schemas.openxmlformats.org/drawingml/2006/main" xmlns:r="http://schemas.openxmlformats.org/officeDocument/2006/relationships" xmlns:p="http://schemas.openxmlformats.org/presentationml/2006/main">
+  <p:cSld>
+    <p:spTree>
+      <p:nvGrpSpPr>
+        <p:cNvPr id="1" name=""/>
+        <p:cNvGrpSpPr/>
+        <p:nvPr/>
+      </p:nvGrpSpPr>
+      <p:grpSpPr>
+        <a:xfrm>
+          <a:off x="0" y="0"/>
+          <a:ext cx="0" cy="0"/>
+          <a:chOff x="0" y="0"/>
+          <a:chExt cx="0" cy="0"/>
+        </a:xfrm>
+      </p:grpSpPr>
+      <p:sp>
+        <p:nvSpPr>
+          <p:cNvPr id="2" name="Slide Image Placeholder 1"/>
+          <p:cNvSpPr>
+            <a:spLocks noGrp="1" noRot="1" noChangeAspect="1"/>
+          </p:cNvSpPr>
+          <p:nvPr>
+            <p:ph type="sldImg"/>
+          </p:nvPr>
+        </p:nvSpPr>
+        <p:spPr/>
+      </p:sp>
+      <p:sp>
+        <p:nvSpPr>
+          <p:cNvPr id="3" name="Notes Placeholder 2"/>
+          <p:cNvSpPr>
+            <a:spLocks noGrp="1"/>
+          </p:cNvSpPr>
+          <p:nvPr>
+            <p:ph type="body" idx="1"/>
+          </p:nvPr>
+        </p:nvSpPr>
+        <p:spPr/>
+        <p:txBody>
+          <a:bodyPr/>
+          <a:lstStyle/>
+          <a:p>
+            <a:pPr marL="0" marR="0" indent="0" algn="l" defTabSz="914400" rtl="0" eaLnBrk="1" fontAlgn="auto" latinLnBrk="0" hangingPunct="1">
+              <a:lnSpc>
+                <a:spcPct val="100000"/>
+              </a:lnSpc>
+              <a:spcBef>
+                <a:spcPts val="0"/>
+              </a:spcBef>
+              <a:spcAft>
+                <a:spcPts val="0"/>
+              </a:spcAft>
+              <a:buClrTx/>
+              <a:buSzTx/>
+              <a:buFontTx/>
+              <a:buNone/>
+              <a:tabLst/>
+              <a:defRPr/>
+            </a:pPr>
+            <a:r>
+              <a:rPr lang="en-US" dirty="0" smtClean="0"/>
+              <a:t>Our team leader previously</a:t>
+            </a:r>
+            <a:r>
+              <a:rPr lang="en-US" baseline="0" dirty="0" smtClean="0"/>
+              <a:t> introduced the </a:t>
+            </a:r>
+            <a:r>
+              <a:rPr lang="en-US" baseline="0" dirty="0" err="1" smtClean="0"/>
+              <a:t>pacsat</a:t>
+            </a:r>
+            <a:r>
+              <a:rPr lang="en-US" baseline="0" dirty="0" smtClean="0"/>
+              <a:t> modem by John </a:t>
+            </a:r>
+            <a:r>
+              <a:rPr lang="en-US" baseline="0" dirty="0" err="1" smtClean="0"/>
+              <a:t>Magliacane</a:t>
+            </a:r>
+            <a:r>
+              <a:rPr lang="en-US" baseline="0" dirty="0" smtClean="0"/>
+              <a:t>, and a simulation implemented in Simulink.</a:t>
+            </a:r>
+          </a:p>
+          <a:p>
+            <a:pPr marL="0" marR="0" indent="0" algn="l" defTabSz="914400" rtl="0" eaLnBrk="1" fontAlgn="auto" latinLnBrk="0" hangingPunct="1">
+              <a:lnSpc>
+                <a:spcPct val="100000"/>
+              </a:lnSpc>
+              <a:spcBef>
+                <a:spcPts val="0"/>
+              </a:spcBef>
+              <a:spcAft>
+                <a:spcPts val="0"/>
+              </a:spcAft>
+              <a:buClrTx/>
+              <a:buSzTx/>
+              <a:buFontTx/>
+              <a:buNone/>
+              <a:tabLst/>
+              <a:defRPr/>
+            </a:pPr>
+            <a:r>
+              <a:rPr lang="en-US" baseline="0" dirty="0" smtClean="0"/>
+              <a:t> To evaluate the </a:t>
+            </a:r>
+            <a:r>
+              <a:rPr lang="en-US" baseline="0" dirty="0" smtClean="0"/>
+              <a:t>modem, we implemented </a:t>
+            </a:r>
+            <a:r>
+              <a:rPr lang="en-US" baseline="0" dirty="0" smtClean="0"/>
+              <a:t>an AWGN </a:t>
+            </a:r>
+            <a:r>
+              <a:rPr lang="en-US" baseline="0" dirty="0" smtClean="0"/>
+              <a:t>channel and </a:t>
+            </a:r>
+            <a:r>
+              <a:rPr lang="en-US" baseline="0" dirty="0" smtClean="0"/>
+              <a:t>as well as a </a:t>
+            </a:r>
+            <a:r>
+              <a:rPr lang="en-US" baseline="0" dirty="0" smtClean="0"/>
+              <a:t>BER calculator</a:t>
+            </a:r>
+            <a:endParaRPr lang="en-US" dirty="0" smtClean="0"/>
+          </a:p>
+          <a:p>
+            <a:endParaRPr lang="en-US" dirty="0"/>
+          </a:p>
+        </p:txBody>
+      </p:sp>
+      <p:sp>
+        <p:nvSpPr>
+          <p:cNvPr id="4" name="Slide Number Placeholder 3"/>
+          <p:cNvSpPr>
+            <a:spLocks noGrp="1"/>
+          </p:cNvSpPr>
+          <p:nvPr>
+            <p:ph type="sldNum" sz="quarter" idx="10"/>
+          </p:nvPr>
+        </p:nvSpPr>
+        <p:spPr/>
+        <p:txBody>
+          <a:bodyPr/>
+          <a:lstStyle/>
+          <a:p>
+            <a:fld id="{82BF0421-3AEA-4756-939B-E9649189A007}" type="slidenum">
+              <a:rPr lang="en-US" smtClean="0"/>
+              <a:t>10</a:t>
+            </a:fld>
+            <a:endParaRPr lang="en-US"/>
+          </a:p>
+        </p:txBody>
+      </p:sp>
+    </p:spTree>
+    <p:extLst>
+      <p:ext uri="{BB962C8B-B14F-4D97-AF65-F5344CB8AC3E}">
+        <p14:creationId xmlns:p14="http://schemas.microsoft.com/office/powerpoint/2010/main" val="1464239550"/>
+      </p:ext>
+    </p:extLst>
+  </p:cSld>
+  <p:clrMapOvr>
+    <a:masterClrMapping/>
+  </p:clrMapOvr>
+</p:notes>
+</file>
+
+<file path=ppt/notesSlides/notesSlide5.xml><?xml version="1.0" encoding="utf-8"?>
+<p:notes xmlns:a="http://schemas.openxmlformats.org/drawingml/2006/main" xmlns:r="http://schemas.openxmlformats.org/officeDocument/2006/relationships" xmlns:p="http://schemas.openxmlformats.org/presentationml/2006/main">
+  <p:cSld>
+    <p:spTree>
+      <p:nvGrpSpPr>
+        <p:cNvPr id="1" name=""/>
+        <p:cNvGrpSpPr/>
+        <p:nvPr/>
+      </p:nvGrpSpPr>
+      <p:grpSpPr>
+        <a:xfrm>
+          <a:off x="0" y="0"/>
+          <a:ext cx="0" cy="0"/>
+          <a:chOff x="0" y="0"/>
+          <a:chExt cx="0" cy="0"/>
+        </a:xfrm>
+      </p:grpSpPr>
+      <p:sp>
+        <p:nvSpPr>
+          <p:cNvPr id="2" name="Slide Image Placeholder 1"/>
+          <p:cNvSpPr>
+            <a:spLocks noGrp="1" noRot="1" noChangeAspect="1"/>
+          </p:cNvSpPr>
+          <p:nvPr>
+            <p:ph type="sldImg"/>
+          </p:nvPr>
+        </p:nvSpPr>
+        <p:spPr/>
+      </p:sp>
+      <p:sp>
+        <p:nvSpPr>
+          <p:cNvPr id="3" name="Notes Placeholder 2"/>
+          <p:cNvSpPr>
+            <a:spLocks noGrp="1"/>
+          </p:cNvSpPr>
+          <p:nvPr>
+            <p:ph type="body" idx="1"/>
+          </p:nvPr>
+        </p:nvSpPr>
+        <p:spPr/>
+        <p:txBody>
+          <a:bodyPr/>
+          <a:lstStyle/>
+          <a:p>
+            <a:r>
+              <a:rPr lang="en-US" dirty="0" smtClean="0"/>
+              <a:t>The modem operates unde</a:t>
+            </a:r>
+            <a:r>
+              <a:rPr lang="en-US" baseline="0" dirty="0" smtClean="0"/>
+              <a:t>r following conditions</a:t>
+            </a:r>
+            <a:endParaRPr lang="en-US" dirty="0"/>
+          </a:p>
+        </p:txBody>
+      </p:sp>
+      <p:sp>
+        <p:nvSpPr>
+          <p:cNvPr id="4" name="Slide Number Placeholder 3"/>
+          <p:cNvSpPr>
+            <a:spLocks noGrp="1"/>
+          </p:cNvSpPr>
+          <p:nvPr>
+            <p:ph type="sldNum" sz="quarter" idx="10"/>
+          </p:nvPr>
+        </p:nvSpPr>
+        <p:spPr/>
+        <p:txBody>
+          <a:bodyPr/>
+          <a:lstStyle/>
+          <a:p>
+            <a:fld id="{82BF0421-3AEA-4756-939B-E9649189A007}" type="slidenum">
+              <a:rPr lang="en-US" smtClean="0"/>
+              <a:t>11</a:t>
+            </a:fld>
+            <a:endParaRPr lang="en-US"/>
+          </a:p>
+        </p:txBody>
+      </p:sp>
+    </p:spTree>
+    <p:extLst>
+      <p:ext uri="{BB962C8B-B14F-4D97-AF65-F5344CB8AC3E}">
+        <p14:creationId xmlns:p14="http://schemas.microsoft.com/office/powerpoint/2010/main" val="2609581460"/>
+      </p:ext>
+    </p:extLst>
+  </p:cSld>
+  <p:clrMapOvr>
+    <a:masterClrMapping/>
+  </p:clrMapOvr>
+</p:notes>
+</file>
+
+<file path=ppt/notesSlides/notesSlide6.xml><?xml version="1.0" encoding="utf-8"?>
+<p:notes xmlns:a="http://schemas.openxmlformats.org/drawingml/2006/main" xmlns:r="http://schemas.openxmlformats.org/officeDocument/2006/relationships" xmlns:p="http://schemas.openxmlformats.org/presentationml/2006/main">
+  <p:cSld>
+    <p:spTree>
+      <p:nvGrpSpPr>
+        <p:cNvPr id="1" name=""/>
+        <p:cNvGrpSpPr/>
+        <p:nvPr/>
+      </p:nvGrpSpPr>
+      <p:grpSpPr>
+        <a:xfrm>
+          <a:off x="0" y="0"/>
+          <a:ext cx="0" cy="0"/>
+          <a:chOff x="0" y="0"/>
+          <a:chExt cx="0" cy="0"/>
+        </a:xfrm>
+      </p:grpSpPr>
+      <p:sp>
+        <p:nvSpPr>
+          <p:cNvPr id="2" name="Slide Image Placeholder 1"/>
+          <p:cNvSpPr>
+            <a:spLocks noGrp="1" noRot="1" noChangeAspect="1"/>
+          </p:cNvSpPr>
+          <p:nvPr>
+            <p:ph type="sldImg"/>
+          </p:nvPr>
+        </p:nvSpPr>
+        <p:spPr/>
+      </p:sp>
+      <p:sp>
+        <p:nvSpPr>
+          <p:cNvPr id="3" name="Notes Placeholder 2"/>
+          <p:cNvSpPr>
+            <a:spLocks noGrp="1"/>
+          </p:cNvSpPr>
+          <p:nvPr>
+            <p:ph type="body" idx="1"/>
+          </p:nvPr>
+        </p:nvSpPr>
+        <p:spPr/>
+        <p:txBody>
+          <a:bodyPr/>
+          <a:lstStyle/>
+          <a:p>
+            <a:r>
+              <a:rPr lang="en-US" dirty="0" smtClean="0"/>
+              <a:t>Analyzing</a:t>
+            </a:r>
+            <a:r>
+              <a:rPr lang="en-US" baseline="0" dirty="0" smtClean="0"/>
+              <a:t> the system with following SNR yield the suitable BER.</a:t>
+            </a:r>
+          </a:p>
+          <a:p>
+            <a:r>
+              <a:rPr lang="en-US" baseline="0" dirty="0" smtClean="0"/>
+              <a:t>As illustrated the modem is able to demodulate under very low SNR</a:t>
+            </a:r>
+            <a:endParaRPr lang="en-US" dirty="0"/>
+          </a:p>
+        </p:txBody>
+      </p:sp>
+      <p:sp>
+        <p:nvSpPr>
+          <p:cNvPr id="4" name="Slide Number Placeholder 3"/>
+          <p:cNvSpPr>
+            <a:spLocks noGrp="1"/>
+          </p:cNvSpPr>
+          <p:nvPr>
+            <p:ph type="sldNum" sz="quarter" idx="10"/>
+          </p:nvPr>
+        </p:nvSpPr>
+        <p:spPr/>
+        <p:txBody>
+          <a:bodyPr/>
+          <a:lstStyle/>
+          <a:p>
+            <a:fld id="{82BF0421-3AEA-4756-939B-E9649189A007}" type="slidenum">
+              <a:rPr lang="en-US" smtClean="0"/>
+              <a:t>12</a:t>
+            </a:fld>
+            <a:endParaRPr lang="en-US"/>
+          </a:p>
+        </p:txBody>
+      </p:sp>
+    </p:spTree>
+    <p:extLst>
+      <p:ext uri="{BB962C8B-B14F-4D97-AF65-F5344CB8AC3E}">
+        <p14:creationId xmlns:p14="http://schemas.microsoft.com/office/powerpoint/2010/main" val="1905482895"/>
+      </p:ext>
+    </p:extLst>
+  </p:cSld>
+  <p:clrMapOvr>
+    <a:masterClrMapping/>
+  </p:clrMapOvr>
+</p:notes>
+</file>
+
+<file path=ppt/notesSlides/notesSlide7.xml><?xml version="1.0" encoding="utf-8"?>
+<p:notes xmlns:a="http://schemas.openxmlformats.org/drawingml/2006/main" xmlns:r="http://schemas.openxmlformats.org/officeDocument/2006/relationships" xmlns:p="http://schemas.openxmlformats.org/presentationml/2006/main">
+  <p:cSld>
+    <p:spTree>
+      <p:nvGrpSpPr>
+        <p:cNvPr id="1" name=""/>
+        <p:cNvGrpSpPr/>
+        <p:nvPr/>
+      </p:nvGrpSpPr>
+      <p:grpSpPr>
+        <a:xfrm>
+          <a:off x="0" y="0"/>
+          <a:ext cx="0" cy="0"/>
+          <a:chOff x="0" y="0"/>
+          <a:chExt cx="0" cy="0"/>
+        </a:xfrm>
+      </p:grpSpPr>
+      <p:sp>
+        <p:nvSpPr>
+          <p:cNvPr id="2" name="Slide Image Placeholder 1"/>
+          <p:cNvSpPr>
+            <a:spLocks noGrp="1" noRot="1" noChangeAspect="1"/>
+          </p:cNvSpPr>
+          <p:nvPr>
+            <p:ph type="sldImg"/>
+          </p:nvPr>
+        </p:nvSpPr>
+        <p:spPr/>
+      </p:sp>
+      <p:sp>
+        <p:nvSpPr>
+          <p:cNvPr id="3" name="Notes Placeholder 2"/>
+          <p:cNvSpPr>
+            <a:spLocks noGrp="1"/>
+          </p:cNvSpPr>
+          <p:nvPr>
+            <p:ph type="body" idx="1"/>
+          </p:nvPr>
+        </p:nvSpPr>
+        <p:spPr/>
+        <p:txBody>
+          <a:bodyPr/>
+          <a:lstStyle/>
+          <a:p>
+            <a:r>
+              <a:rPr lang="en-US" sz="1100" i="1" dirty="0" smtClean="0"/>
+              <a:t>The modem operates using Square and Divide by 2  to demodulate</a:t>
+            </a:r>
+            <a:endParaRPr lang="en-US" dirty="0" smtClean="0"/>
+          </a:p>
+          <a:p>
+            <a:r>
+              <a:rPr lang="en-US" dirty="0" smtClean="0"/>
+              <a:t>Which needs a noise</a:t>
+            </a:r>
+            <a:r>
+              <a:rPr lang="en-US" baseline="0" dirty="0" smtClean="0"/>
+              <a:t> free signal, and therefore requires very narrow filters</a:t>
+            </a:r>
+            <a:endParaRPr lang="en-US" dirty="0" smtClean="0"/>
+          </a:p>
+          <a:p>
+            <a:r>
+              <a:rPr lang="en-US" dirty="0" smtClean="0"/>
+              <a:t>Components such as the Voltage</a:t>
+            </a:r>
+            <a:r>
+              <a:rPr lang="en-US" baseline="0" dirty="0" smtClean="0"/>
+              <a:t> controlled oscillator requires to be manually tuned</a:t>
+            </a:r>
+            <a:endParaRPr lang="en-US" dirty="0" smtClean="0"/>
+          </a:p>
+          <a:p>
+            <a:endParaRPr lang="en-US" dirty="0"/>
+          </a:p>
+        </p:txBody>
+      </p:sp>
+      <p:sp>
+        <p:nvSpPr>
+          <p:cNvPr id="4" name="Slide Number Placeholder 3"/>
+          <p:cNvSpPr>
+            <a:spLocks noGrp="1"/>
+          </p:cNvSpPr>
+          <p:nvPr>
+            <p:ph type="sldNum" sz="quarter" idx="10"/>
+          </p:nvPr>
+        </p:nvSpPr>
+        <p:spPr/>
+        <p:txBody>
+          <a:bodyPr/>
+          <a:lstStyle/>
+          <a:p>
+            <a:fld id="{82BF0421-3AEA-4756-939B-E9649189A007}" type="slidenum">
+              <a:rPr lang="en-US" smtClean="0"/>
+              <a:t>13</a:t>
+            </a:fld>
+            <a:endParaRPr lang="en-US"/>
+          </a:p>
+        </p:txBody>
+      </p:sp>
+    </p:spTree>
+    <p:extLst>
+      <p:ext uri="{BB962C8B-B14F-4D97-AF65-F5344CB8AC3E}">
+        <p14:creationId xmlns:p14="http://schemas.microsoft.com/office/powerpoint/2010/main" val="3538581671"/>
+      </p:ext>
+    </p:extLst>
+  </p:cSld>
+  <p:clrMapOvr>
+    <a:masterClrMapping/>
+  </p:clrMapOvr>
+</p:notes>
+</file>
+
+<file path=ppt/notesSlides/notesSlide8.xml><?xml version="1.0" encoding="utf-8"?>
+<p:notes xmlns:a="http://schemas.openxmlformats.org/drawingml/2006/main" xmlns:r="http://schemas.openxmlformats.org/officeDocument/2006/relationships" xmlns:p="http://schemas.openxmlformats.org/presentationml/2006/main">
+  <p:cSld>
+    <p:spTree>
+      <p:nvGrpSpPr>
+        <p:cNvPr id="1" name=""/>
+        <p:cNvGrpSpPr/>
+        <p:nvPr/>
+      </p:nvGrpSpPr>
+      <p:grpSpPr>
+        <a:xfrm>
+          <a:off x="0" y="0"/>
+          <a:ext cx="0" cy="0"/>
+          <a:chOff x="0" y="0"/>
+          <a:chExt cx="0" cy="0"/>
+        </a:xfrm>
+      </p:grpSpPr>
+      <p:sp>
+        <p:nvSpPr>
+          <p:cNvPr id="2" name="Slide Image Placeholder 1"/>
+          <p:cNvSpPr>
+            <a:spLocks noGrp="1" noRot="1" noChangeAspect="1"/>
+          </p:cNvSpPr>
+          <p:nvPr>
+            <p:ph type="sldImg"/>
+          </p:nvPr>
+        </p:nvSpPr>
+        <p:spPr/>
+      </p:sp>
+      <p:sp>
+        <p:nvSpPr>
+          <p:cNvPr id="3" name="Notes Placeholder 2"/>
+          <p:cNvSpPr>
+            <a:spLocks noGrp="1"/>
+          </p:cNvSpPr>
+          <p:nvPr>
+            <p:ph type="body" idx="1"/>
+          </p:nvPr>
+        </p:nvSpPr>
+        <p:spPr/>
+        <p:txBody>
+          <a:bodyPr/>
+          <a:lstStyle/>
+          <a:p>
+            <a:r>
+              <a:rPr lang="en-US" dirty="0" smtClean="0"/>
+              <a:t>Over</a:t>
+            </a:r>
+            <a:r>
+              <a:rPr lang="en-US" baseline="0" dirty="0" smtClean="0"/>
+              <a:t> the past two weeks, the </a:t>
+            </a:r>
+            <a:r>
+              <a:rPr lang="en-US" baseline="0" dirty="0" err="1" smtClean="0"/>
+              <a:t>costas</a:t>
+            </a:r>
+            <a:r>
+              <a:rPr lang="en-US" baseline="0" dirty="0" smtClean="0"/>
+              <a:t> loop has been considered for demodulation of our BPSK signals</a:t>
+            </a:r>
+            <a:endParaRPr lang="en-US" dirty="0"/>
+          </a:p>
+        </p:txBody>
+      </p:sp>
+      <p:sp>
+        <p:nvSpPr>
+          <p:cNvPr id="4" name="Slide Number Placeholder 3"/>
+          <p:cNvSpPr>
+            <a:spLocks noGrp="1"/>
+          </p:cNvSpPr>
+          <p:nvPr>
+            <p:ph type="sldNum" sz="quarter" idx="10"/>
+          </p:nvPr>
+        </p:nvSpPr>
+        <p:spPr/>
+        <p:txBody>
+          <a:bodyPr/>
+          <a:lstStyle/>
+          <a:p>
+            <a:fld id="{82BF0421-3AEA-4756-939B-E9649189A007}" type="slidenum">
+              <a:rPr lang="en-US" smtClean="0"/>
+              <a:t>14</a:t>
+            </a:fld>
+            <a:endParaRPr lang="en-US"/>
+          </a:p>
+        </p:txBody>
+      </p:sp>
+    </p:spTree>
+    <p:extLst>
+      <p:ext uri="{BB962C8B-B14F-4D97-AF65-F5344CB8AC3E}">
+        <p14:creationId xmlns:p14="http://schemas.microsoft.com/office/powerpoint/2010/main" val="1599291884"/>
+      </p:ext>
+    </p:extLst>
+  </p:cSld>
+  <p:clrMapOvr>
+    <a:masterClrMapping/>
+  </p:clrMapOvr>
+</p:notes>
+</file>
+
+<file path=ppt/notesSlides/notesSlide9.xml><?xml version="1.0" encoding="utf-8"?>
+<p:notes xmlns:a="http://schemas.openxmlformats.org/drawingml/2006/main" xmlns:r="http://schemas.openxmlformats.org/officeDocument/2006/relationships" xmlns:p="http://schemas.openxmlformats.org/presentationml/2006/main">
+  <p:cSld>
+    <p:spTree>
+      <p:nvGrpSpPr>
+        <p:cNvPr id="1" name=""/>
+        <p:cNvGrpSpPr/>
+        <p:nvPr/>
+      </p:nvGrpSpPr>
+      <p:grpSpPr>
+        <a:xfrm>
+          <a:off x="0" y="0"/>
+          <a:ext cx="0" cy="0"/>
+          <a:chOff x="0" y="0"/>
+          <a:chExt cx="0" cy="0"/>
+        </a:xfrm>
+      </p:grpSpPr>
+      <p:sp>
+        <p:nvSpPr>
+          <p:cNvPr id="2" name="Slide Image Placeholder 1"/>
+          <p:cNvSpPr>
+            <a:spLocks noGrp="1" noRot="1" noChangeAspect="1"/>
+          </p:cNvSpPr>
+          <p:nvPr>
+            <p:ph type="sldImg"/>
+          </p:nvPr>
+        </p:nvSpPr>
+        <p:spPr/>
+      </p:sp>
+      <p:sp>
+        <p:nvSpPr>
+          <p:cNvPr id="3" name="Notes Placeholder 2"/>
+          <p:cNvSpPr>
+            <a:spLocks noGrp="1"/>
+          </p:cNvSpPr>
+          <p:nvPr>
+            <p:ph type="body" idx="1"/>
+          </p:nvPr>
+        </p:nvSpPr>
+        <p:spPr/>
+        <p:txBody>
+          <a:bodyPr/>
+          <a:lstStyle/>
+          <a:p>
+            <a:r>
+              <a:rPr lang="en-US" dirty="0" smtClean="0"/>
+              <a:t>The </a:t>
+            </a:r>
+            <a:r>
+              <a:rPr lang="en-US" dirty="0" err="1" smtClean="0"/>
+              <a:t>costas</a:t>
+            </a:r>
+            <a:r>
+              <a:rPr lang="en-US" baseline="0" dirty="0" smtClean="0"/>
+              <a:t> loop is represented as illustrated in the figure, where r(t) is the received BPSK signal</a:t>
+            </a:r>
+            <a:endParaRPr lang="en-US" dirty="0"/>
+          </a:p>
+        </p:txBody>
+      </p:sp>
+      <p:sp>
+        <p:nvSpPr>
+          <p:cNvPr id="4" name="Slide Number Placeholder 3"/>
+          <p:cNvSpPr>
+            <a:spLocks noGrp="1"/>
+          </p:cNvSpPr>
+          <p:nvPr>
+            <p:ph type="sldNum" sz="quarter" idx="10"/>
+          </p:nvPr>
+        </p:nvSpPr>
+        <p:spPr/>
+        <p:txBody>
+          <a:bodyPr/>
+          <a:lstStyle/>
+          <a:p>
+            <a:fld id="{82BF0421-3AEA-4756-939B-E9649189A007}" type="slidenum">
+              <a:rPr lang="en-US" smtClean="0"/>
+              <a:t>15</a:t>
+            </a:fld>
+            <a:endParaRPr lang="en-US"/>
+          </a:p>
+        </p:txBody>
+      </p:sp>
+    </p:spTree>
+    <p:extLst>
+      <p:ext uri="{BB962C8B-B14F-4D97-AF65-F5344CB8AC3E}">
+        <p14:creationId xmlns:p14="http://schemas.microsoft.com/office/powerpoint/2010/main" val="2186297270"/>
       </p:ext>
     </p:extLst>
   </p:cSld>
@@ -7115,15 +8360,7 @@
                   <a:srgbClr val="FFFF00"/>
                 </a:solidFill>
               </a:rPr>
-              <a:t>Analyze </a:t>
-            </a:r>
-            <a:r>
-              <a:rPr lang="en-US" dirty="0" smtClean="0">
-                <a:solidFill>
-                  <a:srgbClr val="FFFF00"/>
-                </a:solidFill>
-              </a:rPr>
-              <a:t>System</a:t>
+              <a:t>Analyze System</a:t>
             </a:r>
             <a:r>
               <a:rPr lang="en-US" sz="2400" dirty="0" smtClean="0">
@@ -7173,6 +8410,13 @@
   <p:clrMapOvr>
     <a:masterClrMapping/>
   </p:clrMapOvr>
+  <p:timing>
+    <p:tnLst>
+      <p:par>
+        <p:cTn id="1" dur="indefinite" restart="never" nodeType="tmRoot"/>
+      </p:par>
+    </p:tnLst>
+  </p:timing>
 </p:sld>
 </file>
 
@@ -7240,14 +8484,14 @@
               <p:nvPr>
                 <p:extLst>
                   <p:ext uri="{D42A27DB-BD31-4B8C-83A1-F6EECF244321}">
-                    <p14:modId xmlns:p14="http://schemas.microsoft.com/office/powerpoint/2010/main" val="1714389335"/>
+                    <p14:modId xmlns:p14="http://schemas.microsoft.com/office/powerpoint/2010/main" val="872173237"/>
                   </p:ext>
                 </p:extLst>
               </p:nvPr>
             </p:nvGraphicFramePr>
             <p:xfrm>
-              <a:off x="2655536" y="2486295"/>
-              <a:ext cx="6122704" cy="1902826"/>
+              <a:off x="1865121" y="2579284"/>
+              <a:ext cx="7650838" cy="1902826"/>
             </p:xfrm>
             <a:graphic>
               <a:graphicData uri="http://schemas.openxmlformats.org/drawingml/2006/table">
@@ -7256,9 +8500,10 @@
                     <a:tableStyleId>{00A15C55-8517-42AA-B614-E9B94910E393}</a:tableStyleId>
                   </a:tblPr>
                   <a:tblGrid>
-                    <a:gridCol w="1439642"/>
-                    <a:gridCol w="3247379"/>
-                    <a:gridCol w="1435683"/>
+                    <a:gridCol w="1175493"/>
+                    <a:gridCol w="2651542"/>
+                    <a:gridCol w="2651542"/>
+                    <a:gridCol w="1172261"/>
                   </a:tblGrid>
                   <a:tr h="712864">
                     <a:tc>
@@ -7320,6 +8565,68 @@
                             </m:oMathPara>
                           </a14:m>
                           <a:endParaRPr lang="en-US" dirty="0"/>
+                        </a:p>
+                      </a:txBody>
+                      <a:tcPr/>
+                    </a:tc>
+                    <a:tc>
+                      <a:txBody>
+                        <a:bodyPr/>
+                        <a:lstStyle/>
+                        <a:p>
+                          <a:pPr algn="ctr"/>
+                          <a14:m>
+                            <m:oMath xmlns:m="http://schemas.openxmlformats.org/officeDocument/2006/math">
+                              <m:sSub>
+                                <m:sSubPr>
+                                  <m:ctrlPr>
+                                    <a:rPr lang="en-US" i="1" dirty="0" smtClean="0">
+                                      <a:latin typeface="Cambria Math" panose="02040503050406030204" pitchFamily="18" charset="0"/>
+                                    </a:rPr>
+                                  </m:ctrlPr>
+                                </m:sSubPr>
+                                <m:e>
+                                  <m:r>
+                                    <a:rPr lang="en-US" b="1" i="1" dirty="0" smtClean="0">
+                                      <a:latin typeface="Cambria Math" panose="02040503050406030204" pitchFamily="18" charset="0"/>
+                                    </a:rPr>
+                                    <m:t>𝒇</m:t>
+                                  </m:r>
+                                </m:e>
+                                <m:sub>
+                                  <m:r>
+                                    <a:rPr lang="en-US" b="1" i="1" dirty="0" smtClean="0">
+                                      <a:latin typeface="Cambria Math" panose="02040503050406030204" pitchFamily="18" charset="0"/>
+                                    </a:rPr>
+                                    <m:t>𝒄</m:t>
+                                  </m:r>
+                                </m:sub>
+                              </m:sSub>
+                              <m:r>
+                                <a:rPr lang="en-US" b="1" i="1" dirty="0" smtClean="0">
+                                  <a:latin typeface="Cambria Math" panose="02040503050406030204" pitchFamily="18" charset="0"/>
+                                </a:rPr>
+                                <m:t> (</m:t>
+                              </m:r>
+                              <m:r>
+                                <a:rPr lang="en-US" b="1" i="1" dirty="0" smtClean="0">
+                                  <a:latin typeface="Cambria Math" panose="02040503050406030204" pitchFamily="18" charset="0"/>
+                                </a:rPr>
+                                <m:t>𝑯𝒛</m:t>
+                              </m:r>
+                              <m:r>
+                                <a:rPr lang="en-US" b="1" i="1" dirty="0" smtClean="0">
+                                  <a:latin typeface="Cambria Math" panose="02040503050406030204" pitchFamily="18" charset="0"/>
+                                </a:rPr>
+                                <m:t>)</m:t>
+                              </m:r>
+                            </m:oMath>
+                          </a14:m>
+                          <a:r>
+                            <a:rPr lang="en-US" i="1" dirty="0" smtClean="0"/>
+                            <a:t> </a:t>
+                          </a:r>
+                          <a:endParaRPr lang="en-US" i="1" dirty="0"/>
                         </a:p>
                       </a:txBody>
                       <a:tcPr/>
@@ -7429,6 +8736,21 @@
                           <a:pPr algn="ctr"/>
                           <a:r>
                             <a:rPr lang="en-US" dirty="0" smtClean="0"/>
+                            <a:t>1200</a:t>
+                          </a:r>
+                          <a:endParaRPr lang="en-US" dirty="0"/>
+                        </a:p>
+                      </a:txBody>
+                      <a:tcPr/>
+                    </a:tc>
+                    <a:tc>
+                      <a:txBody>
+                        <a:bodyPr/>
+                        <a:lstStyle/>
+                        <a:p>
+                          <a:pPr algn="ctr"/>
+                          <a:r>
+                            <a:rPr lang="en-US" dirty="0" smtClean="0"/>
                             <a:t>5</a:t>
                           </a:r>
                           <a:endParaRPr lang="en-US" dirty="0"/>
@@ -7497,14 +8819,14 @@
               <p:nvPr>
                 <p:extLst>
                   <p:ext uri="{D42A27DB-BD31-4B8C-83A1-F6EECF244321}">
-                    <p14:modId xmlns:p14="http://schemas.microsoft.com/office/powerpoint/2010/main" val="1714389335"/>
+                    <p14:modId xmlns:p14="http://schemas.microsoft.com/office/powerpoint/2010/main" val="872173237"/>
                   </p:ext>
                 </p:extLst>
               </p:nvPr>
             </p:nvGraphicFramePr>
             <p:xfrm>
-              <a:off x="2655536" y="2486295"/>
-              <a:ext cx="6122704" cy="1902826"/>
+              <a:off x="1865121" y="2579284"/>
+              <a:ext cx="7650838" cy="1902826"/>
             </p:xfrm>
             <a:graphic>
               <a:graphicData uri="http://schemas.openxmlformats.org/drawingml/2006/table">
@@ -7513,9 +8835,10 @@
                     <a:tableStyleId>{00A15C55-8517-42AA-B614-E9B94910E393}</a:tableStyleId>
                   </a:tblPr>
                   <a:tblGrid>
-                    <a:gridCol w="1439642"/>
-                    <a:gridCol w="3247379"/>
-                    <a:gridCol w="1435683"/>
+                    <a:gridCol w="1175493"/>
+                    <a:gridCol w="2651542"/>
+                    <a:gridCol w="2651542"/>
+                    <a:gridCol w="1172261"/>
                   </a:tblGrid>
                   <a:tr h="712864">
                     <a:tc>
@@ -7528,9 +8851,26 @@
                       </a:txBody>
                       <a:tcPr>
                         <a:blipFill rotWithShape="0">
-                          <a:blip r:embed="rId2"/>
+                          <a:blip r:embed="rId3"/>
                           <a:stretch>
-                            <a:fillRect l="-424" t="-4237" r="-327966" b="-167797"/>
+                            <a:fillRect l="-518" t="-4274" r="-553368" b="-169231"/>
+                          </a:stretch>
+                        </a:blipFill>
+                      </a:tcPr>
+                    </a:tc>
+                    <a:tc>
+                      <a:txBody>
+                        <a:bodyPr/>
+                        <a:lstStyle/>
+                        <a:p>
+                          <a:endParaRPr lang="en-US"/>
+                        </a:p>
+                      </a:txBody>
+                      <a:tcPr>
+                        <a:blipFill rotWithShape="0">
+                          <a:blip r:embed="rId3"/>
+                          <a:stretch>
+                            <a:fillRect l="-44495" t="-4274" r="-144954" b="-169231"/>
                           </a:stretch>
                         </a:blipFill>
                       </a:tcPr>
@@ -7581,12 +8921,27 @@
                       </a:txBody>
                       <a:tcPr>
                         <a:blipFill rotWithShape="0">
-                          <a:blip r:embed="rId2"/>
+                          <a:blip r:embed="rId3"/>
                           <a:stretch>
-                            <a:fillRect l="-424" t="-62755" r="-327966" b="-1020"/>
+                            <a:fillRect l="-518" t="-62245" r="-553368" b="-1020"/>
                           </a:stretch>
                         </a:blipFill>
                       </a:tcPr>
+                    </a:tc>
+                    <a:tc>
+                      <a:txBody>
+                        <a:bodyPr/>
+                        <a:lstStyle/>
+                        <a:p>
+                          <a:pPr algn="ctr"/>
+                          <a:r>
+                            <a:rPr lang="en-US" dirty="0" smtClean="0"/>
+                            <a:t>1200</a:t>
+                          </a:r>
+                          <a:endParaRPr lang="en-US" dirty="0"/>
+                        </a:p>
+                      </a:txBody>
+                      <a:tcPr/>
                     </a:tc>
                     <a:tc>
                       <a:txBody>
@@ -7613,9 +8968,9 @@
                       </a:txBody>
                       <a:tcPr>
                         <a:blipFill rotWithShape="0">
-                          <a:blip r:embed="rId2"/>
+                          <a:blip r:embed="rId3"/>
                           <a:stretch>
-                            <a:fillRect l="-326271" t="-62755" r="-2119" b="-1020"/>
+                            <a:fillRect l="-551813" t="-62245" r="-2073" b="-1020"/>
                           </a:stretch>
                         </a:blipFill>
                       </a:tcPr>
@@ -7637,6 +8992,13 @@
   <p:clrMapOvr>
     <a:masterClrMapping/>
   </p:clrMapOvr>
+  <p:timing>
+    <p:tnLst>
+      <p:par>
+        <p:cTn id="1" dur="indefinite" restart="never" nodeType="tmRoot"/>
+      </p:par>
+    </p:tnLst>
+  </p:timing>
 </p:sld>
 </file>
 
@@ -7679,15 +9041,7 @@
                   <a:srgbClr val="FFFF00"/>
                 </a:solidFill>
               </a:rPr>
-              <a:t>Analyze </a:t>
-            </a:r>
-            <a:r>
-              <a:rPr lang="en-US" dirty="0" smtClean="0">
-                <a:solidFill>
-                  <a:srgbClr val="FFFF00"/>
-                </a:solidFill>
-              </a:rPr>
-              <a:t>System</a:t>
+              <a:t>Analyze System</a:t>
             </a:r>
             <a:r>
               <a:rPr lang="en-US" sz="2800" dirty="0" smtClean="0">
@@ -7703,40 +9057,6 @@
       </p:sp>
       <p:sp>
         <p:nvSpPr>
-          <p:cNvPr id="6" name="TextBox 5"/>
-          <p:cNvSpPr txBox="1"/>
-          <p:nvPr/>
-        </p:nvSpPr>
-        <p:spPr>
-          <a:xfrm>
-            <a:off x="1669983" y="1442434"/>
-            <a:ext cx="8130840" cy="646331"/>
-          </a:xfrm>
-          <a:prstGeom prst="rect">
-            <a:avLst/>
-          </a:prstGeom>
-          <a:noFill/>
-        </p:spPr>
-        <p:txBody>
-          <a:bodyPr wrap="square" rtlCol="0">
-            <a:spAutoFit/>
-          </a:bodyPr>
-          <a:lstStyle/>
-          <a:p>
-            <a:r>
-              <a:rPr lang="en-US" dirty="0" smtClean="0"/>
-              <a:t>Just like we showed in the last report our system the modem has successfully been recreated in </a:t>
-            </a:r>
-            <a:r>
-              <a:rPr lang="en-US" dirty="0" err="1" smtClean="0"/>
-              <a:t>Simulnk</a:t>
-            </a:r>
-            <a:endParaRPr lang="en-US" dirty="0"/>
-          </a:p>
-        </p:txBody>
-      </p:sp>
-      <p:sp>
-        <p:nvSpPr>
           <p:cNvPr id="3" name="Content Placeholder 2"/>
           <p:cNvSpPr>
             <a:spLocks noGrp="1"/>
@@ -7778,13 +9098,13 @@
           <p:nvPr>
             <p:extLst>
               <p:ext uri="{D42A27DB-BD31-4B8C-83A1-F6EECF244321}">
-                <p14:modId xmlns:p14="http://schemas.microsoft.com/office/powerpoint/2010/main" val="1010095881"/>
+                <p14:modId xmlns:p14="http://schemas.microsoft.com/office/powerpoint/2010/main" val="1746315452"/>
               </p:ext>
             </p:extLst>
           </p:nvPr>
         </p:nvGraphicFramePr>
         <p:xfrm>
-          <a:off x="1491088" y="2936382"/>
+          <a:off x="1491088" y="2951880"/>
           <a:ext cx="8128000" cy="3703320"/>
         </p:xfrm>
         <a:graphic>
@@ -8233,6 +9553,13 @@
   <p:clrMapOvr>
     <a:masterClrMapping/>
   </p:clrMapOvr>
+  <p:timing>
+    <p:tnLst>
+      <p:par>
+        <p:cTn id="1" dur="indefinite" restart="never" nodeType="tmRoot"/>
+      </p:par>
+    </p:tnLst>
+  </p:timing>
 </p:sld>
 </file>
 
@@ -8275,15 +9602,7 @@
                   <a:srgbClr val="FFFF00"/>
                 </a:solidFill>
               </a:rPr>
-              <a:t>Analyze </a:t>
-            </a:r>
-            <a:r>
-              <a:rPr lang="en-US" dirty="0" smtClean="0">
-                <a:solidFill>
-                  <a:srgbClr val="FFFF00"/>
-                </a:solidFill>
-              </a:rPr>
-              <a:t>System</a:t>
+              <a:t>Analyze System</a:t>
             </a:r>
             <a:r>
               <a:rPr lang="en-US" sz="2400" dirty="0" smtClean="0">
@@ -8342,7 +9661,11 @@
           <a:p>
             <a:r>
               <a:rPr lang="en-US" dirty="0" smtClean="0"/>
-              <a:t>And must be tuned manually to obtain optimum performance</a:t>
+              <a:t>Must </a:t>
+            </a:r>
+            <a:r>
+              <a:rPr lang="en-US" dirty="0" smtClean="0"/>
+              <a:t>be tuned manually to obtain optimum performance</a:t>
             </a:r>
             <a:endParaRPr lang="en-US" dirty="0"/>
           </a:p>
@@ -8400,7 +9723,7 @@
           <p:nvPr/>
         </p:nvPicPr>
         <p:blipFill>
-          <a:blip r:embed="rId2"/>
+          <a:blip r:embed="rId3"/>
           <a:stretch>
             <a:fillRect/>
           </a:stretch>
@@ -8463,6 +9786,13 @@
   <p:clrMapOvr>
     <a:masterClrMapping/>
   </p:clrMapOvr>
+  <p:timing>
+    <p:tnLst>
+      <p:par>
+        <p:cTn id="1" dur="indefinite" restart="never" nodeType="tmRoot"/>
+      </p:par>
+    </p:tnLst>
+  </p:timing>
 </p:sld>
 </file>
 
@@ -8538,7 +9868,7 @@
           </p:nvPr>
         </p:nvPicPr>
         <p:blipFill>
-          <a:blip r:embed="rId2">
+          <a:blip r:embed="rId3">
             <a:extLst>
               <a:ext uri="{28A0092B-C50C-407E-A947-70E740481C1C}">
                 <a14:useLocalDpi xmlns:a14="http://schemas.microsoft.com/office/drawing/2010/main" val="0"/>
@@ -8581,6 +9911,13 @@
   <p:clrMapOvr>
     <a:masterClrMapping/>
   </p:clrMapOvr>
+  <p:timing>
+    <p:tnLst>
+      <p:par>
+        <p:cTn id="1" dur="indefinite" restart="never" nodeType="tmRoot"/>
+      </p:par>
+    </p:tnLst>
+  </p:timing>
 </p:sld>
 </file>
 
@@ -9016,8 +10353,8 @@
             </a:p>
           </p:txBody>
         </p:sp>
-        <mc:AlternateContent xmlns:mc="http://schemas.openxmlformats.org/markup-compatibility/2006">
-          <mc:Choice xmlns:a14="http://schemas.microsoft.com/office/drawing/2010/main" Requires="a14">
+        <mc:AlternateContent xmlns:mc="http://schemas.openxmlformats.org/markup-compatibility/2006" xmlns:a14="http://schemas.microsoft.com/office/drawing/2010/main">
+          <mc:Choice Requires="a14">
             <p:sp>
               <p:nvSpPr>
                 <p:cNvPr id="94" name="TextBox 93"/>
@@ -9098,7 +10435,7 @@
               </p:txBody>
             </p:sp>
           </mc:Choice>
-          <mc:Fallback>
+          <mc:Fallback xmlns="">
             <p:sp>
               <p:nvSpPr>
                 <p:cNvPr id="94" name="TextBox 93"/>
@@ -9116,7 +10453,7 @@
                   <a:avLst/>
                 </a:prstGeom>
                 <a:blipFill rotWithShape="0">
-                  <a:blip r:embed="rId2"/>
+                  <a:blip r:embed="rId3"/>
                   <a:stretch>
                     <a:fillRect b="-2667"/>
                   </a:stretch>
@@ -9156,21 +10493,18 @@
             <a:avLst/>
           </a:prstGeom>
           <a:ln>
-            <a:solidFill>
-              <a:schemeClr val="tx1"/>
-            </a:solidFill>
             <a:tailEnd type="triangle"/>
           </a:ln>
         </p:spPr>
         <p:style>
-          <a:lnRef idx="1">
-            <a:schemeClr val="accent1"/>
+          <a:lnRef idx="2">
+            <a:schemeClr val="dk1"/>
           </a:lnRef>
           <a:fillRef idx="0">
-            <a:schemeClr val="accent1"/>
+            <a:schemeClr val="dk1"/>
           </a:fillRef>
-          <a:effectRef idx="0">
-            <a:schemeClr val="accent1"/>
+          <a:effectRef idx="1">
+            <a:schemeClr val="dk1"/>
           </a:effectRef>
           <a:fontRef idx="minor">
             <a:schemeClr val="tx1"/>
@@ -9719,8 +11053,8 @@
           </a:fontRef>
         </p:style>
       </p:cxnSp>
-      <mc:AlternateContent xmlns:mc="http://schemas.openxmlformats.org/markup-compatibility/2006">
-        <mc:Choice xmlns:a14="http://schemas.microsoft.com/office/drawing/2010/main" Requires="a14">
+      <mc:AlternateContent xmlns:mc="http://schemas.openxmlformats.org/markup-compatibility/2006" xmlns:a14="http://schemas.microsoft.com/office/drawing/2010/main">
+        <mc:Choice Requires="a14">
           <p:sp>
             <p:nvSpPr>
               <p:cNvPr id="111" name="Rectangle 110"/>
@@ -9794,7 +11128,7 @@
             </p:txBody>
           </p:sp>
         </mc:Choice>
-        <mc:Fallback>
+        <mc:Fallback xmlns="">
           <p:sp>
             <p:nvSpPr>
               <p:cNvPr id="111" name="Rectangle 110"/>
@@ -9812,7 +11146,7 @@
                 <a:avLst/>
               </a:prstGeom>
               <a:blipFill rotWithShape="0">
-                <a:blip r:embed="rId3"/>
+                <a:blip r:embed="rId4"/>
                 <a:stretch>
                   <a:fillRect/>
                 </a:stretch>
@@ -9833,8 +11167,8 @@
           </p:sp>
         </mc:Fallback>
       </mc:AlternateContent>
-      <mc:AlternateContent xmlns:mc="http://schemas.openxmlformats.org/markup-compatibility/2006">
-        <mc:Choice xmlns:a14="http://schemas.microsoft.com/office/drawing/2010/main" Requires="a14">
+      <mc:AlternateContent xmlns:mc="http://schemas.openxmlformats.org/markup-compatibility/2006" xmlns:a14="http://schemas.microsoft.com/office/drawing/2010/main">
+        <mc:Choice Requires="a14">
           <p:sp>
             <p:nvSpPr>
               <p:cNvPr id="112" name="Rectangle 111"/>
@@ -9925,7 +11259,7 @@
             </p:txBody>
           </p:sp>
         </mc:Choice>
-        <mc:Fallback>
+        <mc:Fallback xmlns="">
           <p:sp>
             <p:nvSpPr>
               <p:cNvPr id="112" name="Rectangle 111"/>
@@ -9943,7 +11277,7 @@
                 <a:avLst/>
               </a:prstGeom>
               <a:blipFill rotWithShape="0">
-                <a:blip r:embed="rId4"/>
+                <a:blip r:embed="rId5"/>
                 <a:stretch>
                   <a:fillRect/>
                 </a:stretch>
@@ -9964,8 +11298,8 @@
           </p:sp>
         </mc:Fallback>
       </mc:AlternateContent>
-      <mc:AlternateContent xmlns:mc="http://schemas.openxmlformats.org/markup-compatibility/2006">
-        <mc:Choice xmlns:a14="http://schemas.microsoft.com/office/drawing/2010/main" Requires="a14">
+      <mc:AlternateContent xmlns:mc="http://schemas.openxmlformats.org/markup-compatibility/2006" xmlns:a14="http://schemas.microsoft.com/office/drawing/2010/main">
+        <mc:Choice Requires="a14">
           <p:sp>
             <p:nvSpPr>
               <p:cNvPr id="113" name="Rectangle 112"/>
@@ -10044,7 +11378,7 @@
             </p:txBody>
           </p:sp>
         </mc:Choice>
-        <mc:Fallback>
+        <mc:Fallback xmlns="">
           <p:sp>
             <p:nvSpPr>
               <p:cNvPr id="113" name="Rectangle 112"/>
@@ -10062,7 +11396,7 @@
                 <a:avLst/>
               </a:prstGeom>
               <a:blipFill rotWithShape="0">
-                <a:blip r:embed="rId5"/>
+                <a:blip r:embed="rId6"/>
                 <a:stretch>
                   <a:fillRect b="-3333"/>
                 </a:stretch>
@@ -10161,8 +11495,8 @@
           </a:fontRef>
         </p:style>
       </p:cxnSp>
-      <mc:AlternateContent xmlns:mc="http://schemas.openxmlformats.org/markup-compatibility/2006">
-        <mc:Choice xmlns:a14="http://schemas.microsoft.com/office/drawing/2010/main" Requires="a14">
+      <mc:AlternateContent xmlns:mc="http://schemas.openxmlformats.org/markup-compatibility/2006" xmlns:a14="http://schemas.microsoft.com/office/drawing/2010/main">
+        <mc:Choice Requires="a14">
           <p:sp>
             <p:nvSpPr>
               <p:cNvPr id="116" name="Rectangle 115"/>
@@ -10255,7 +11589,7 @@
             </p:txBody>
           </p:sp>
         </mc:Choice>
-        <mc:Fallback>
+        <mc:Fallback xmlns="">
           <p:sp>
             <p:nvSpPr>
               <p:cNvPr id="116" name="Rectangle 115"/>
@@ -10273,7 +11607,7 @@
                 <a:avLst/>
               </a:prstGeom>
               <a:blipFill rotWithShape="0">
-                <a:blip r:embed="rId6"/>
+                <a:blip r:embed="rId7"/>
                 <a:stretch>
                   <a:fillRect/>
                 </a:stretch>
@@ -10294,8 +11628,8 @@
           </p:sp>
         </mc:Fallback>
       </mc:AlternateContent>
-      <mc:AlternateContent xmlns:mc="http://schemas.openxmlformats.org/markup-compatibility/2006">
-        <mc:Choice xmlns:a14="http://schemas.microsoft.com/office/drawing/2010/main" Requires="a14">
+      <mc:AlternateContent xmlns:mc="http://schemas.openxmlformats.org/markup-compatibility/2006" xmlns:a14="http://schemas.microsoft.com/office/drawing/2010/main">
+        <mc:Choice Requires="a14">
           <p:sp>
             <p:nvSpPr>
               <p:cNvPr id="117" name="Rectangle 116"/>
@@ -10388,7 +11722,7 @@
             </p:txBody>
           </p:sp>
         </mc:Choice>
-        <mc:Fallback>
+        <mc:Fallback xmlns="">
           <p:sp>
             <p:nvSpPr>
               <p:cNvPr id="117" name="Rectangle 116"/>
@@ -10406,7 +11740,7 @@
                 <a:avLst/>
               </a:prstGeom>
               <a:blipFill rotWithShape="0">
-                <a:blip r:embed="rId7"/>
+                <a:blip r:embed="rId8"/>
                 <a:stretch>
                   <a:fillRect b="-7813"/>
                 </a:stretch>
@@ -10427,8 +11761,8 @@
           </p:sp>
         </mc:Fallback>
       </mc:AlternateContent>
-      <mc:AlternateContent xmlns:mc="http://schemas.openxmlformats.org/markup-compatibility/2006">
-        <mc:Choice xmlns:a14="http://schemas.microsoft.com/office/drawing/2010/main" Requires="a14">
+      <mc:AlternateContent xmlns:mc="http://schemas.openxmlformats.org/markup-compatibility/2006" xmlns:a14="http://schemas.microsoft.com/office/drawing/2010/main">
+        <mc:Choice Requires="a14">
           <p:sp>
             <p:nvSpPr>
               <p:cNvPr id="118" name="Rectangle 117"/>
@@ -10502,7 +11836,7 @@
             </p:txBody>
           </p:sp>
         </mc:Choice>
-        <mc:Fallback>
+        <mc:Fallback xmlns="">
           <p:sp>
             <p:nvSpPr>
               <p:cNvPr id="118" name="Rectangle 117"/>
@@ -10520,7 +11854,7 @@
                 <a:avLst/>
               </a:prstGeom>
               <a:blipFill rotWithShape="0">
-                <a:blip r:embed="rId8"/>
+                <a:blip r:embed="rId9"/>
                 <a:stretch>
                   <a:fillRect/>
                 </a:stretch>
@@ -10541,8 +11875,8 @@
           </p:sp>
         </mc:Fallback>
       </mc:AlternateContent>
-      <mc:AlternateContent xmlns:mc="http://schemas.openxmlformats.org/markup-compatibility/2006">
-        <mc:Choice xmlns:a14="http://schemas.microsoft.com/office/drawing/2010/main" Requires="a14">
+      <mc:AlternateContent xmlns:mc="http://schemas.openxmlformats.org/markup-compatibility/2006" xmlns:a14="http://schemas.microsoft.com/office/drawing/2010/main">
+        <mc:Choice Requires="a14">
           <p:sp>
             <p:nvSpPr>
               <p:cNvPr id="119" name="Rectangle 118"/>
@@ -10635,7 +11969,7 @@
             </p:txBody>
           </p:sp>
         </mc:Choice>
-        <mc:Fallback>
+        <mc:Fallback xmlns="">
           <p:sp>
             <p:nvSpPr>
               <p:cNvPr id="119" name="Rectangle 118"/>
@@ -10653,7 +11987,7 @@
                 <a:avLst/>
               </a:prstGeom>
               <a:blipFill rotWithShape="0">
-                <a:blip r:embed="rId9"/>
+                <a:blip r:embed="rId10"/>
                 <a:stretch>
                   <a:fillRect b="-7813"/>
                 </a:stretch>
@@ -10674,8 +12008,8 @@
           </p:sp>
         </mc:Fallback>
       </mc:AlternateContent>
-      <mc:AlternateContent xmlns:mc="http://schemas.openxmlformats.org/markup-compatibility/2006">
-        <mc:Choice xmlns:a14="http://schemas.microsoft.com/office/drawing/2010/main" Requires="a14">
+      <mc:AlternateContent xmlns:mc="http://schemas.openxmlformats.org/markup-compatibility/2006" xmlns:a14="http://schemas.microsoft.com/office/drawing/2010/main">
+        <mc:Choice Requires="a14">
           <p:sp>
             <p:nvSpPr>
               <p:cNvPr id="120" name="Rectangle 119"/>
@@ -10768,7 +12102,7 @@
             </p:txBody>
           </p:sp>
         </mc:Choice>
-        <mc:Fallback>
+        <mc:Fallback xmlns="">
           <p:sp>
             <p:nvSpPr>
               <p:cNvPr id="120" name="Rectangle 119"/>
@@ -10786,7 +12120,7 @@
                 <a:avLst/>
               </a:prstGeom>
               <a:blipFill rotWithShape="0">
-                <a:blip r:embed="rId10"/>
+                <a:blip r:embed="rId11"/>
                 <a:stretch>
                   <a:fillRect/>
                 </a:stretch>
@@ -10922,6 +12256,137 @@
           </a:p>
         </p:txBody>
       </p:sp>
+      <mc:AlternateContent xmlns:mc="http://schemas.openxmlformats.org/markup-compatibility/2006">
+        <mc:Choice xmlns:a14="http://schemas.microsoft.com/office/drawing/2010/main" Requires="a14">
+          <p:sp>
+            <p:nvSpPr>
+              <p:cNvPr id="45" name="Rectangle 44"/>
+              <p:cNvSpPr/>
+              <p:nvPr/>
+            </p:nvSpPr>
+            <p:spPr>
+              <a:xfrm>
+                <a:off x="4311612" y="5093430"/>
+                <a:ext cx="746486" cy="369332"/>
+              </a:xfrm>
+              <a:prstGeom prst="rect">
+                <a:avLst/>
+              </a:prstGeom>
+            </p:spPr>
+            <p:style>
+              <a:lnRef idx="2">
+                <a:schemeClr val="dk1"/>
+              </a:lnRef>
+              <a:fillRef idx="1">
+                <a:schemeClr val="lt1"/>
+              </a:fillRef>
+              <a:effectRef idx="0">
+                <a:schemeClr val="dk1"/>
+              </a:effectRef>
+              <a:fontRef idx="minor">
+                <a:schemeClr val="dk1"/>
+              </a:fontRef>
+            </p:style>
+            <p:txBody>
+              <a:bodyPr wrap="none">
+                <a:spAutoFit/>
+              </a:bodyPr>
+              <a:lstStyle/>
+              <a:p>
+                <a14:m>
+                  <m:oMath xmlns:m="http://schemas.openxmlformats.org/officeDocument/2006/math">
+                    <m:sSub>
+                      <m:sSubPr>
+                        <m:ctrlPr>
+                          <a:rPr lang="en-US" i="1" smtClean="0">
+                            <a:latin typeface="Cambria Math" panose="02040503050406030204" pitchFamily="18" charset="0"/>
+                          </a:rPr>
+                        </m:ctrlPr>
+                      </m:sSubPr>
+                      <m:e>
+                        <m:r>
+                          <a:rPr lang="en-US" i="1">
+                            <a:latin typeface="Cambria Math" panose="02040503050406030204" pitchFamily="18" charset="0"/>
+                          </a:rPr>
+                          <m:t>𝑠</m:t>
+                        </m:r>
+                      </m:e>
+                      <m:sub>
+                        <m:r>
+                          <a:rPr lang="en-US" b="0" i="0" smtClean="0">
+                            <a:latin typeface="Cambria Math" panose="02040503050406030204" pitchFamily="18" charset="0"/>
+                          </a:rPr>
+                          <m:t>2</m:t>
+                        </m:r>
+                      </m:sub>
+                    </m:sSub>
+                    <m:d>
+                      <m:dPr>
+                        <m:ctrlPr>
+                          <a:rPr lang="en-US" i="1">
+                            <a:latin typeface="Cambria Math" panose="02040503050406030204" pitchFamily="18" charset="0"/>
+                          </a:rPr>
+                        </m:ctrlPr>
+                      </m:dPr>
+                      <m:e>
+                        <m:r>
+                          <a:rPr lang="en-US" i="1">
+                            <a:latin typeface="Cambria Math" panose="02040503050406030204" pitchFamily="18" charset="0"/>
+                          </a:rPr>
+                          <m:t>𝑡</m:t>
+                        </m:r>
+                      </m:e>
+                    </m:d>
+                  </m:oMath>
+                </a14:m>
+                <a:r>
+                  <a:rPr lang="en-US" dirty="0" smtClean="0"/>
+                  <a:t> </a:t>
+                </a:r>
+                <a:endParaRPr lang="en-US" dirty="0"/>
+              </a:p>
+            </p:txBody>
+          </p:sp>
+        </mc:Choice>
+        <mc:Fallback>
+          <p:sp>
+            <p:nvSpPr>
+              <p:cNvPr id="45" name="Rectangle 44"/>
+              <p:cNvSpPr>
+                <a:spLocks noRot="1" noChangeAspect="1" noMove="1" noResize="1" noEditPoints="1" noAdjustHandles="1" noChangeArrowheads="1" noChangeShapeType="1" noTextEdit="1"/>
+              </p:cNvSpPr>
+              <p:nvPr/>
+            </p:nvSpPr>
+            <p:spPr>
+              <a:xfrm>
+                <a:off x="4311612" y="5093430"/>
+                <a:ext cx="746486" cy="369332"/>
+              </a:xfrm>
+              <a:prstGeom prst="rect">
+                <a:avLst/>
+              </a:prstGeom>
+              <a:blipFill rotWithShape="0">
+                <a:blip r:embed="rId12"/>
+                <a:stretch>
+                  <a:fillRect/>
+                </a:stretch>
+              </a:blipFill>
+            </p:spPr>
+            <p:txBody>
+              <a:bodyPr/>
+              <a:lstStyle/>
+              <a:p>
+                <a:r>
+                  <a:rPr lang="en-US">
+                    <a:noFill/>
+                  </a:rPr>
+                  <a:t> </a:t>
+                </a:r>
+              </a:p>
+            </p:txBody>
+          </p:sp>
+        </mc:Fallback>
+      </mc:AlternateContent>
     </p:spTree>
     <p:extLst>
       <p:ext uri="{BB962C8B-B14F-4D97-AF65-F5344CB8AC3E}">
@@ -10932,6 +12397,13 @@
   <p:clrMapOvr>
     <a:masterClrMapping/>
   </p:clrMapOvr>
+  <p:timing>
+    <p:tnLst>
+      <p:par>
+        <p:cTn id="1" dur="indefinite" restart="never" nodeType="tmRoot"/>
+      </p:par>
+    </p:tnLst>
+  </p:timing>
 </p:sld>
 </file>
 
@@ -11063,7 +12535,7 @@
             <p:spPr>
               <a:xfrm>
                 <a:off x="1301732" y="1531349"/>
-                <a:ext cx="9158068" cy="4874348"/>
+                <a:ext cx="9158068" cy="3905108"/>
               </a:xfrm>
               <a:prstGeom prst="rect">
                 <a:avLst/>
@@ -11075,6 +12547,503 @@
                 <a:spAutoFit/>
               </a:bodyPr>
               <a:lstStyle/>
+              <a:p>
+                <a14:m>
+                  <m:oMath xmlns:m="http://schemas.openxmlformats.org/officeDocument/2006/math">
+                    <m:r>
+                      <a:rPr lang="en-US" i="1">
+                        <a:solidFill>
+                          <a:schemeClr val="bg1"/>
+                        </a:solidFill>
+                        <a:latin typeface="Cambria Math" panose="02040503050406030204" pitchFamily="18" charset="0"/>
+                      </a:rPr>
+                      <m:t>𝑟</m:t>
+                    </m:r>
+                    <m:d>
+                      <m:dPr>
+                        <m:ctrlPr>
+                          <a:rPr lang="en-US" i="1">
+                            <a:solidFill>
+                              <a:schemeClr val="bg1"/>
+                            </a:solidFill>
+                            <a:latin typeface="Cambria Math" panose="02040503050406030204" pitchFamily="18" charset="0"/>
+                          </a:rPr>
+                        </m:ctrlPr>
+                      </m:dPr>
+                      <m:e>
+                        <m:r>
+                          <a:rPr lang="en-US" i="1">
+                            <a:solidFill>
+                              <a:schemeClr val="bg1"/>
+                            </a:solidFill>
+                            <a:latin typeface="Cambria Math" panose="02040503050406030204" pitchFamily="18" charset="0"/>
+                          </a:rPr>
+                          <m:t>𝑡</m:t>
+                        </m:r>
+                      </m:e>
+                    </m:d>
+                    <m:r>
+                      <a:rPr lang="en-US" i="1">
+                        <a:solidFill>
+                          <a:schemeClr val="bg1"/>
+                        </a:solidFill>
+                        <a:latin typeface="Cambria Math" panose="02040503050406030204" pitchFamily="18" charset="0"/>
+                      </a:rPr>
+                      <m:t>=</m:t>
+                    </m:r>
+                    <m:r>
+                      <a:rPr lang="en-US" i="1">
+                        <a:solidFill>
+                          <a:schemeClr val="bg1"/>
+                        </a:solidFill>
+                        <a:latin typeface="Cambria Math" panose="02040503050406030204" pitchFamily="18" charset="0"/>
+                      </a:rPr>
+                      <m:t>𝑚</m:t>
+                    </m:r>
+                    <m:d>
+                      <m:dPr>
+                        <m:ctrlPr>
+                          <a:rPr lang="en-US" i="1">
+                            <a:solidFill>
+                              <a:schemeClr val="bg1"/>
+                            </a:solidFill>
+                            <a:latin typeface="Cambria Math" panose="02040503050406030204" pitchFamily="18" charset="0"/>
+                          </a:rPr>
+                        </m:ctrlPr>
+                      </m:dPr>
+                      <m:e>
+                        <m:r>
+                          <a:rPr lang="en-US" i="1">
+                            <a:solidFill>
+                              <a:schemeClr val="bg1"/>
+                            </a:solidFill>
+                            <a:latin typeface="Cambria Math" panose="02040503050406030204" pitchFamily="18" charset="0"/>
+                          </a:rPr>
+                          <m:t>𝑡</m:t>
+                        </m:r>
+                      </m:e>
+                    </m:d>
+                    <m:r>
+                      <a:rPr lang="en-US" i="1">
+                        <a:solidFill>
+                          <a:schemeClr val="bg1"/>
+                        </a:solidFill>
+                        <a:latin typeface="Cambria Math" panose="02040503050406030204" pitchFamily="18" charset="0"/>
+                      </a:rPr>
+                      <m:t>𝐴</m:t>
+                    </m:r>
+                    <m:func>
+                      <m:funcPr>
+                        <m:ctrlPr>
+                          <a:rPr lang="en-US" i="1">
+                            <a:solidFill>
+                              <a:schemeClr val="bg1"/>
+                            </a:solidFill>
+                            <a:latin typeface="Cambria Math" panose="02040503050406030204" pitchFamily="18" charset="0"/>
+                          </a:rPr>
+                        </m:ctrlPr>
+                      </m:funcPr>
+                      <m:fName>
+                        <m:r>
+                          <m:rPr>
+                            <m:sty m:val="p"/>
+                          </m:rPr>
+                          <a:rPr lang="en-US">
+                            <a:solidFill>
+                              <a:schemeClr val="bg1"/>
+                            </a:solidFill>
+                            <a:latin typeface="Cambria Math" panose="02040503050406030204" pitchFamily="18" charset="0"/>
+                          </a:rPr>
+                          <m:t>cos</m:t>
+                        </m:r>
+                      </m:fName>
+                      <m:e>
+                        <m:d>
+                          <m:dPr>
+                            <m:ctrlPr>
+                              <a:rPr lang="en-US" i="1">
+                                <a:solidFill>
+                                  <a:schemeClr val="bg1"/>
+                                </a:solidFill>
+                                <a:latin typeface="Cambria Math" panose="02040503050406030204" pitchFamily="18" charset="0"/>
+                              </a:rPr>
+                            </m:ctrlPr>
+                          </m:dPr>
+                          <m:e>
+                            <m:r>
+                              <a:rPr lang="en-US" i="1">
+                                <a:solidFill>
+                                  <a:schemeClr val="bg1"/>
+                                </a:solidFill>
+                                <a:latin typeface="Cambria Math" panose="02040503050406030204" pitchFamily="18" charset="0"/>
+                              </a:rPr>
+                              <m:t>𝜔</m:t>
+                            </m:r>
+                            <m:r>
+                              <a:rPr lang="en-US" i="1">
+                                <a:solidFill>
+                                  <a:schemeClr val="bg1"/>
+                                </a:solidFill>
+                                <a:latin typeface="Cambria Math" panose="02040503050406030204" pitchFamily="18" charset="0"/>
+                              </a:rPr>
+                              <m:t>𝑡</m:t>
+                            </m:r>
+                          </m:e>
+                        </m:d>
+                      </m:e>
+                    </m:func>
+                    <m:r>
+                      <a:rPr lang="en-US" i="1">
+                        <a:solidFill>
+                          <a:schemeClr val="bg1"/>
+                        </a:solidFill>
+                        <a:latin typeface="Cambria Math" panose="02040503050406030204" pitchFamily="18" charset="0"/>
+                      </a:rPr>
+                      <m:t>,              </m:t>
+                    </m:r>
+                    <m:r>
+                      <a:rPr lang="en-US" i="1">
+                        <a:solidFill>
+                          <a:schemeClr val="bg1"/>
+                        </a:solidFill>
+                        <a:latin typeface="Cambria Math" panose="02040503050406030204" pitchFamily="18" charset="0"/>
+                      </a:rPr>
+                      <m:t>𝑚</m:t>
+                    </m:r>
+                    <m:d>
+                      <m:dPr>
+                        <m:ctrlPr>
+                          <a:rPr lang="en-US" i="1">
+                            <a:solidFill>
+                              <a:schemeClr val="bg1"/>
+                            </a:solidFill>
+                            <a:latin typeface="Cambria Math" panose="02040503050406030204" pitchFamily="18" charset="0"/>
+                          </a:rPr>
+                        </m:ctrlPr>
+                      </m:dPr>
+                      <m:e>
+                        <m:r>
+                          <a:rPr lang="en-US" i="1">
+                            <a:solidFill>
+                              <a:schemeClr val="bg1"/>
+                            </a:solidFill>
+                            <a:latin typeface="Cambria Math" panose="02040503050406030204" pitchFamily="18" charset="0"/>
+                          </a:rPr>
+                          <m:t>𝑡</m:t>
+                        </m:r>
+                      </m:e>
+                    </m:d>
+                    <m:r>
+                      <a:rPr lang="en-US" i="1">
+                        <a:solidFill>
+                          <a:schemeClr val="bg1"/>
+                        </a:solidFill>
+                        <a:latin typeface="Cambria Math" panose="02040503050406030204" pitchFamily="18" charset="0"/>
+                      </a:rPr>
+                      <m:t>=±1</m:t>
+                    </m:r>
+                  </m:oMath>
+                </a14:m>
+                <a:r>
+                  <a:rPr lang="en-US" dirty="0">
+                    <a:solidFill>
+                      <a:schemeClr val="bg1"/>
+                    </a:solidFill>
+                  </a:rPr>
+                  <a:t>  </a:t>
+                </a:r>
+                <a:r>
+                  <a:rPr lang="en-US" dirty="0">
+                    <a:solidFill>
+                      <a:schemeClr val="bg1"/>
+                    </a:solidFill>
+                  </a:rPr>
+                  <a:t>	</a:t>
+                </a:r>
+                <a:r>
+                  <a:rPr lang="en-US" dirty="0" smtClean="0">
+                    <a:solidFill>
+                      <a:schemeClr val="bg1"/>
+                    </a:solidFill>
+                  </a:rPr>
+                  <a:t>(1)</a:t>
+                </a:r>
+                <a:endParaRPr lang="en-US" dirty="0">
+                  <a:solidFill>
+                    <a:schemeClr val="bg1"/>
+                  </a:solidFill>
+                </a:endParaRPr>
+              </a:p>
+              <a:p>
+                <a:pPr lvl="0"/>
+                <a14:m>
+                  <m:oMath xmlns:m="http://schemas.openxmlformats.org/officeDocument/2006/math">
+                    <m:sSub>
+                      <m:sSubPr>
+                        <m:ctrlPr>
+                          <a:rPr lang="en-US" i="1">
+                            <a:solidFill>
+                              <a:schemeClr val="bg1"/>
+                            </a:solidFill>
+                            <a:latin typeface="Cambria Math" panose="02040503050406030204" pitchFamily="18" charset="0"/>
+                          </a:rPr>
+                        </m:ctrlPr>
+                      </m:sSubPr>
+                      <m:e>
+                        <m:r>
+                          <a:rPr lang="en-US" i="1">
+                            <a:solidFill>
+                              <a:schemeClr val="bg1"/>
+                            </a:solidFill>
+                            <a:latin typeface="Cambria Math" panose="02040503050406030204" pitchFamily="18" charset="0"/>
+                          </a:rPr>
+                          <m:t>𝑠</m:t>
+                        </m:r>
+                      </m:e>
+                      <m:sub>
+                        <m:r>
+                          <a:rPr lang="en-US" i="1">
+                            <a:solidFill>
+                              <a:schemeClr val="bg1"/>
+                            </a:solidFill>
+                            <a:latin typeface="Cambria Math" panose="02040503050406030204" pitchFamily="18" charset="0"/>
+                          </a:rPr>
+                          <m:t>1</m:t>
+                        </m:r>
+                      </m:sub>
+                    </m:sSub>
+                    <m:d>
+                      <m:dPr>
+                        <m:ctrlPr>
+                          <a:rPr lang="en-US" i="1">
+                            <a:solidFill>
+                              <a:schemeClr val="bg1"/>
+                            </a:solidFill>
+                            <a:latin typeface="Cambria Math" panose="02040503050406030204" pitchFamily="18" charset="0"/>
+                          </a:rPr>
+                        </m:ctrlPr>
+                      </m:dPr>
+                      <m:e>
+                        <m:r>
+                          <a:rPr lang="en-US" i="1">
+                            <a:solidFill>
+                              <a:schemeClr val="bg1"/>
+                            </a:solidFill>
+                            <a:latin typeface="Cambria Math" panose="02040503050406030204" pitchFamily="18" charset="0"/>
+                          </a:rPr>
+                          <m:t>𝑡</m:t>
+                        </m:r>
+                      </m:e>
+                    </m:d>
+                    <m:r>
+                      <a:rPr lang="en-US" i="1">
+                        <a:solidFill>
+                          <a:schemeClr val="bg1"/>
+                        </a:solidFill>
+                        <a:latin typeface="Cambria Math" panose="02040503050406030204" pitchFamily="18" charset="0"/>
+                      </a:rPr>
+                      <m:t>=</m:t>
+                    </m:r>
+                    <m:r>
+                      <a:rPr lang="en-US" i="1">
+                        <a:solidFill>
+                          <a:schemeClr val="bg1"/>
+                        </a:solidFill>
+                        <a:latin typeface="Cambria Math" panose="02040503050406030204" pitchFamily="18" charset="0"/>
+                      </a:rPr>
+                      <m:t>𝐴𝑐𝑜𝑠</m:t>
+                    </m:r>
+                    <m:d>
+                      <m:dPr>
+                        <m:ctrlPr>
+                          <a:rPr lang="en-US" i="1">
+                            <a:solidFill>
+                              <a:schemeClr val="bg1"/>
+                            </a:solidFill>
+                            <a:latin typeface="Cambria Math" panose="02040503050406030204" pitchFamily="18" charset="0"/>
+                          </a:rPr>
+                        </m:ctrlPr>
+                      </m:dPr>
+                      <m:e>
+                        <m:r>
+                          <a:rPr lang="en-US" i="1">
+                            <a:solidFill>
+                              <a:schemeClr val="bg1"/>
+                            </a:solidFill>
+                            <a:latin typeface="Cambria Math" panose="02040503050406030204" pitchFamily="18" charset="0"/>
+                          </a:rPr>
+                          <m:t>𝜔</m:t>
+                        </m:r>
+                        <m:r>
+                          <a:rPr lang="en-US" i="1">
+                            <a:solidFill>
+                              <a:schemeClr val="bg1"/>
+                            </a:solidFill>
+                            <a:latin typeface="Cambria Math" panose="02040503050406030204" pitchFamily="18" charset="0"/>
+                          </a:rPr>
+                          <m:t>𝑡</m:t>
+                        </m:r>
+                      </m:e>
+                    </m:d>
+                  </m:oMath>
+                </a14:m>
+                <a:r>
+                  <a:rPr lang="en-US" dirty="0">
+                    <a:solidFill>
+                      <a:schemeClr val="bg1"/>
+                    </a:solidFill>
+                  </a:rPr>
+                  <a:t> 							</a:t>
+                </a:r>
+                <a:r>
+                  <a:rPr lang="en-US" dirty="0" smtClean="0">
+                    <a:solidFill>
+                      <a:schemeClr val="bg1"/>
+                    </a:solidFill>
+                  </a:rPr>
+                  <a:t>(2)</a:t>
+                </a:r>
+                <a:endParaRPr lang="en-US" dirty="0">
+                  <a:solidFill>
+                    <a:schemeClr val="bg1"/>
+                  </a:solidFill>
+                </a:endParaRPr>
+              </a:p>
+              <a:p>
+                <a:pPr lvl="0"/>
+                <a14:m>
+                  <m:oMath xmlns:m="http://schemas.openxmlformats.org/officeDocument/2006/math">
+                    <m:sSub>
+                      <m:sSubPr>
+                        <m:ctrlPr>
+                          <a:rPr lang="en-US" i="1">
+                            <a:solidFill>
+                              <a:schemeClr val="bg1"/>
+                            </a:solidFill>
+                            <a:latin typeface="Cambria Math" panose="02040503050406030204" pitchFamily="18" charset="0"/>
+                          </a:rPr>
+                        </m:ctrlPr>
+                      </m:sSubPr>
+                      <m:e>
+                        <m:r>
+                          <a:rPr lang="en-US" i="1">
+                            <a:solidFill>
+                              <a:schemeClr val="bg1"/>
+                            </a:solidFill>
+                            <a:latin typeface="Cambria Math" panose="02040503050406030204" pitchFamily="18" charset="0"/>
+                          </a:rPr>
+                          <m:t>𝑠</m:t>
+                        </m:r>
+                      </m:e>
+                      <m:sub>
+                        <m:r>
+                          <a:rPr lang="en-US" i="1">
+                            <a:solidFill>
+                              <a:schemeClr val="bg1"/>
+                            </a:solidFill>
+                            <a:latin typeface="Cambria Math" panose="02040503050406030204" pitchFamily="18" charset="0"/>
+                          </a:rPr>
+                          <m:t>2</m:t>
+                        </m:r>
+                      </m:sub>
+                    </m:sSub>
+                    <m:d>
+                      <m:dPr>
+                        <m:ctrlPr>
+                          <a:rPr lang="en-US" i="1">
+                            <a:solidFill>
+                              <a:schemeClr val="bg1"/>
+                            </a:solidFill>
+                            <a:latin typeface="Cambria Math" panose="02040503050406030204" pitchFamily="18" charset="0"/>
+                          </a:rPr>
+                        </m:ctrlPr>
+                      </m:dPr>
+                      <m:e>
+                        <m:r>
+                          <a:rPr lang="en-US" i="1">
+                            <a:solidFill>
+                              <a:schemeClr val="bg1"/>
+                            </a:solidFill>
+                            <a:latin typeface="Cambria Math" panose="02040503050406030204" pitchFamily="18" charset="0"/>
+                          </a:rPr>
+                          <m:t>𝑡</m:t>
+                        </m:r>
+                      </m:e>
+                    </m:d>
+                    <m:r>
+                      <a:rPr lang="en-US" i="1">
+                        <a:solidFill>
+                          <a:schemeClr val="bg1"/>
+                        </a:solidFill>
+                        <a:latin typeface="Cambria Math" panose="02040503050406030204" pitchFamily="18" charset="0"/>
+                      </a:rPr>
+                      <m:t>=</m:t>
+                    </m:r>
+                    <m:r>
+                      <a:rPr lang="en-US" i="1">
+                        <a:solidFill>
+                          <a:schemeClr val="bg1"/>
+                        </a:solidFill>
+                        <a:latin typeface="Cambria Math" panose="02040503050406030204" pitchFamily="18" charset="0"/>
+                      </a:rPr>
+                      <m:t>𝐴𝑠𝑖𝑛</m:t>
+                    </m:r>
+                    <m:d>
+                      <m:dPr>
+                        <m:ctrlPr>
+                          <a:rPr lang="en-US" i="1">
+                            <a:solidFill>
+                              <a:schemeClr val="bg1"/>
+                            </a:solidFill>
+                            <a:latin typeface="Cambria Math" panose="02040503050406030204" pitchFamily="18" charset="0"/>
+                          </a:rPr>
+                        </m:ctrlPr>
+                      </m:dPr>
+                      <m:e>
+                        <m:r>
+                          <a:rPr lang="en-US" i="1">
+                            <a:solidFill>
+                              <a:schemeClr val="bg1"/>
+                            </a:solidFill>
+                            <a:latin typeface="Cambria Math" panose="02040503050406030204" pitchFamily="18" charset="0"/>
+                          </a:rPr>
+                          <m:t>𝜔</m:t>
+                        </m:r>
+                        <m:r>
+                          <a:rPr lang="en-US" i="1">
+                            <a:solidFill>
+                              <a:schemeClr val="bg1"/>
+                            </a:solidFill>
+                            <a:latin typeface="Cambria Math" panose="02040503050406030204" pitchFamily="18" charset="0"/>
+                          </a:rPr>
+                          <m:t>𝑡</m:t>
+                        </m:r>
+                      </m:e>
+                    </m:d>
+                  </m:oMath>
+                </a14:m>
+                <a:r>
+                  <a:rPr lang="en-US" dirty="0">
+                    <a:solidFill>
+                      <a:schemeClr val="bg1"/>
+                    </a:solidFill>
+                  </a:rPr>
+                  <a:t>  						</a:t>
+                </a:r>
+                <a:r>
+                  <a:rPr lang="en-US" dirty="0" smtClean="0">
+                    <a:solidFill>
+                      <a:schemeClr val="bg1"/>
+                    </a:solidFill>
+                  </a:rPr>
+                  <a:t>(3)</a:t>
+                </a:r>
+                <a:endParaRPr lang="en-US" dirty="0" smtClean="0">
+                  <a:solidFill>
+                    <a:schemeClr val="bg1"/>
+                  </a:solidFill>
+                </a:endParaRPr>
+              </a:p>
               <a:p>
                 <a:pPr algn="ctr"/>
                 <a:r>
@@ -11111,323 +13080,340 @@
               <a:p>
                 <a:pPr lvl="0"/>
                 <a14:m>
-                  <m:oMathPara xmlns:m="http://schemas.openxmlformats.org/officeDocument/2006/math">
-                    <m:oMathParaPr>
-                      <m:jc m:val="left"/>
-                    </m:oMathParaPr>
-                    <m:oMath xmlns:m="http://schemas.openxmlformats.org/officeDocument/2006/math">
-                      <m:sSub>
-                        <m:sSubPr>
-                          <m:ctrlPr>
-                            <a:rPr lang="en-US" i="1">
-                              <a:solidFill>
-                                <a:schemeClr val="bg1"/>
-                              </a:solidFill>
-                              <a:latin typeface="Cambria Math" panose="02040503050406030204" pitchFamily="18" charset="0"/>
-                            </a:rPr>
-                          </m:ctrlPr>
-                        </m:sSubPr>
-                        <m:e>
-                          <m:r>
-                            <a:rPr lang="en-US" i="1">
-                              <a:solidFill>
-                                <a:schemeClr val="bg1"/>
-                              </a:solidFill>
-                              <a:latin typeface="Cambria Math" panose="02040503050406030204" pitchFamily="18" charset="0"/>
-                            </a:rPr>
-                            <m:t>𝐼</m:t>
-                          </m:r>
-                        </m:e>
-                        <m:sub>
-                          <m:r>
-                            <a:rPr lang="en-US" i="1">
-                              <a:solidFill>
-                                <a:schemeClr val="bg1"/>
-                              </a:solidFill>
-                              <a:latin typeface="Cambria Math" panose="02040503050406030204" pitchFamily="18" charset="0"/>
-                            </a:rPr>
-                            <m:t>2</m:t>
-                          </m:r>
-                        </m:sub>
-                      </m:sSub>
-                      <m:d>
-                        <m:dPr>
-                          <m:ctrlPr>
-                            <a:rPr lang="en-US" i="1">
-                              <a:solidFill>
-                                <a:schemeClr val="bg1"/>
-                              </a:solidFill>
-                              <a:latin typeface="Cambria Math" panose="02040503050406030204" pitchFamily="18" charset="0"/>
-                            </a:rPr>
-                          </m:ctrlPr>
-                        </m:dPr>
-                        <m:e>
-                          <m:r>
-                            <a:rPr lang="en-US" i="1">
-                              <a:solidFill>
-                                <a:schemeClr val="bg1"/>
-                              </a:solidFill>
-                              <a:latin typeface="Cambria Math" panose="02040503050406030204" pitchFamily="18" charset="0"/>
-                            </a:rPr>
-                            <m:t>𝑡</m:t>
-                          </m:r>
-                        </m:e>
-                      </m:d>
-                      <m:r>
-                        <a:rPr lang="en-US" i="1">
-                          <a:solidFill>
-                            <a:schemeClr val="bg1"/>
-                          </a:solidFill>
-                          <a:latin typeface="Cambria Math" panose="02040503050406030204" pitchFamily="18" charset="0"/>
-                        </a:rPr>
-                        <m:t>=</m:t>
-                      </m:r>
-                      <m:f>
-                        <m:fPr>
-                          <m:ctrlPr>
-                            <a:rPr lang="en-US" i="1">
-                              <a:solidFill>
-                                <a:schemeClr val="bg1"/>
-                              </a:solidFill>
-                              <a:latin typeface="Cambria Math" panose="02040503050406030204" pitchFamily="18" charset="0"/>
-                            </a:rPr>
-                          </m:ctrlPr>
-                        </m:fPr>
-                        <m:num>
-                          <m:sSup>
-                            <m:sSupPr>
-                              <m:ctrlPr>
-                                <a:rPr lang="en-US" i="1">
-                                  <a:solidFill>
-                                    <a:schemeClr val="bg1"/>
-                                  </a:solidFill>
-                                  <a:latin typeface="Cambria Math" panose="02040503050406030204" pitchFamily="18" charset="0"/>
-                                </a:rPr>
-                              </m:ctrlPr>
-                            </m:sSupPr>
-                            <m:e>
-                              <m:r>
-                                <a:rPr lang="en-US" i="1">
-                                  <a:solidFill>
-                                    <a:schemeClr val="bg1"/>
-                                  </a:solidFill>
-                                  <a:latin typeface="Cambria Math" panose="02040503050406030204" pitchFamily="18" charset="0"/>
-                                </a:rPr>
-                                <m:t>𝐴</m:t>
-                              </m:r>
-                            </m:e>
-                            <m:sup>
-                              <m:r>
-                                <a:rPr lang="en-US" i="1">
-                                  <a:solidFill>
-                                    <a:schemeClr val="bg1"/>
-                                  </a:solidFill>
-                                  <a:latin typeface="Cambria Math" panose="02040503050406030204" pitchFamily="18" charset="0"/>
-                                </a:rPr>
-                                <m:t>2</m:t>
-                              </m:r>
-                            </m:sup>
-                          </m:sSup>
-                        </m:num>
-                        <m:den>
-                          <m:r>
-                            <a:rPr lang="en-US" i="1">
-                              <a:solidFill>
-                                <a:schemeClr val="bg1"/>
-                              </a:solidFill>
-                              <a:latin typeface="Cambria Math" panose="02040503050406030204" pitchFamily="18" charset="0"/>
-                            </a:rPr>
-                            <m:t>2</m:t>
-                          </m:r>
-                        </m:den>
-                      </m:f>
-                      <m:r>
-                        <a:rPr lang="en-US" i="1">
-                          <a:solidFill>
-                            <a:schemeClr val="bg1"/>
-                          </a:solidFill>
-                          <a:latin typeface="Cambria Math" panose="02040503050406030204" pitchFamily="18" charset="0"/>
-                        </a:rPr>
-                        <m:t>𝑚</m:t>
-                      </m:r>
-                      <m:d>
-                        <m:dPr>
-                          <m:ctrlPr>
-                            <a:rPr lang="en-US" i="1">
-                              <a:solidFill>
-                                <a:schemeClr val="bg1"/>
-                              </a:solidFill>
-                              <a:latin typeface="Cambria Math" panose="02040503050406030204" pitchFamily="18" charset="0"/>
-                            </a:rPr>
-                          </m:ctrlPr>
-                        </m:dPr>
-                        <m:e>
-                          <m:r>
-                            <a:rPr lang="en-US" i="1">
-                              <a:solidFill>
-                                <a:schemeClr val="bg1"/>
-                              </a:solidFill>
-                              <a:latin typeface="Cambria Math" panose="02040503050406030204" pitchFamily="18" charset="0"/>
-                            </a:rPr>
-                            <m:t>𝑡</m:t>
-                          </m:r>
-                        </m:e>
-                      </m:d>
-                      <m:sSup>
-                        <m:sSupPr>
-                          <m:ctrlPr>
-                            <a:rPr lang="en-US" i="1">
-                              <a:solidFill>
-                                <a:schemeClr val="bg1"/>
-                              </a:solidFill>
-                              <a:latin typeface="Cambria Math" panose="02040503050406030204" pitchFamily="18" charset="0"/>
-                            </a:rPr>
-                          </m:ctrlPr>
-                        </m:sSupPr>
-                        <m:e>
-                          <m:r>
-                            <a:rPr lang="en-US" i="1">
-                              <a:solidFill>
-                                <a:schemeClr val="bg1"/>
-                              </a:solidFill>
-                              <a:latin typeface="Cambria Math" panose="02040503050406030204" pitchFamily="18" charset="0"/>
-                            </a:rPr>
-                            <m:t>𝑐𝑜𝑠</m:t>
-                          </m:r>
-                        </m:e>
-                        <m:sup>
-                          <m:r>
-                            <a:rPr lang="en-US" i="1">
-                              <a:solidFill>
-                                <a:schemeClr val="bg1"/>
-                              </a:solidFill>
-                              <a:latin typeface="Cambria Math" panose="02040503050406030204" pitchFamily="18" charset="0"/>
-                            </a:rPr>
-                            <m:t>2</m:t>
-                          </m:r>
-                        </m:sup>
-                      </m:sSup>
-                      <m:r>
-                        <a:rPr lang="en-US">
-                          <a:solidFill>
-                            <a:schemeClr val="bg1"/>
-                          </a:solidFill>
-                          <a:latin typeface="Cambria Math" panose="02040503050406030204" pitchFamily="18" charset="0"/>
-                        </a:rPr>
-                        <m:t>(</m:t>
-                      </m:r>
-                      <m:d>
-                        <m:dPr>
-                          <m:ctrlPr>
-                            <a:rPr lang="en-US" i="1">
-                              <a:solidFill>
-                                <a:schemeClr val="bg1"/>
-                              </a:solidFill>
-                              <a:latin typeface="Cambria Math" panose="02040503050406030204" pitchFamily="18" charset="0"/>
-                            </a:rPr>
-                          </m:ctrlPr>
-                        </m:dPr>
-                        <m:e>
-                          <m:sSub>
-                            <m:sSubPr>
-                              <m:ctrlPr>
-                                <a:rPr lang="en-US" i="1">
-                                  <a:solidFill>
-                                    <a:schemeClr val="bg1"/>
-                                  </a:solidFill>
-                                  <a:latin typeface="Cambria Math" panose="02040503050406030204" pitchFamily="18" charset="0"/>
-                                </a:rPr>
-                              </m:ctrlPr>
-                            </m:sSubPr>
-                            <m:e>
-                              <m:r>
-                                <a:rPr lang="en-US" i="1">
-                                  <a:solidFill>
-                                    <a:schemeClr val="bg1"/>
-                                  </a:solidFill>
-                                  <a:latin typeface="Cambria Math" panose="02040503050406030204" pitchFamily="18" charset="0"/>
-                                </a:rPr>
-                                <m:t>𝜔</m:t>
-                              </m:r>
-                            </m:e>
-                            <m:sub>
-                              <m:r>
-                                <a:rPr lang="en-US" i="1">
-                                  <a:solidFill>
-                                    <a:schemeClr val="bg1"/>
-                                  </a:solidFill>
-                                  <a:latin typeface="Cambria Math" panose="02040503050406030204" pitchFamily="18" charset="0"/>
-                                </a:rPr>
-                                <m:t>𝑐</m:t>
-                              </m:r>
-                            </m:sub>
-                          </m:sSub>
-                          <m:r>
-                            <a:rPr lang="en-US" i="1">
-                              <a:solidFill>
-                                <a:schemeClr val="bg1"/>
-                              </a:solidFill>
-                              <a:latin typeface="Cambria Math" panose="02040503050406030204" pitchFamily="18" charset="0"/>
-                            </a:rPr>
-                            <m:t>−</m:t>
-                          </m:r>
-                          <m:sSub>
-                            <m:sSubPr>
-                              <m:ctrlPr>
-                                <a:rPr lang="en-US" i="1">
-                                  <a:solidFill>
-                                    <a:schemeClr val="bg1"/>
-                                  </a:solidFill>
-                                  <a:latin typeface="Cambria Math" panose="02040503050406030204" pitchFamily="18" charset="0"/>
-                                </a:rPr>
-                              </m:ctrlPr>
-                            </m:sSubPr>
-                            <m:e>
-                              <m:r>
-                                <a:rPr lang="en-US" i="1">
-                                  <a:solidFill>
-                                    <a:schemeClr val="bg1"/>
-                                  </a:solidFill>
-                                  <a:latin typeface="Cambria Math" panose="02040503050406030204" pitchFamily="18" charset="0"/>
-                                </a:rPr>
-                                <m:t>𝜔</m:t>
-                              </m:r>
-                            </m:e>
-                            <m:sub>
-                              <m:r>
-                                <a:rPr lang="en-US" i="1">
-                                  <a:solidFill>
-                                    <a:schemeClr val="bg1"/>
-                                  </a:solidFill>
-                                  <a:latin typeface="Cambria Math" panose="02040503050406030204" pitchFamily="18" charset="0"/>
-                                </a:rPr>
-                                <m:t>𝑣</m:t>
-                              </m:r>
-                            </m:sub>
-                          </m:sSub>
-                        </m:e>
-                      </m:d>
-                      <m:r>
-                        <a:rPr lang="en-US" i="1">
-                          <a:solidFill>
-                            <a:schemeClr val="bg1"/>
-                          </a:solidFill>
-                          <a:latin typeface="Cambria Math" panose="02040503050406030204" pitchFamily="18" charset="0"/>
-                        </a:rPr>
-                        <m:t>𝑡</m:t>
-                      </m:r>
-                      <m:r>
-                        <a:rPr lang="en-US" i="1">
-                          <a:solidFill>
-                            <a:schemeClr val="bg1"/>
-                          </a:solidFill>
-                          <a:latin typeface="Cambria Math" panose="02040503050406030204" pitchFamily="18" charset="0"/>
-                        </a:rPr>
-                        <m:t>)</m:t>
-                      </m:r>
-                    </m:oMath>
-                  </m:oMathPara>
+                  <m:oMath xmlns:m="http://schemas.openxmlformats.org/officeDocument/2006/math">
+                    <m:sSub>
+                      <m:sSubPr>
+                        <m:ctrlPr>
+                          <a:rPr lang="en-US" i="1">
+                            <a:solidFill>
+                              <a:schemeClr val="bg1"/>
+                            </a:solidFill>
+                            <a:latin typeface="Cambria Math" panose="02040503050406030204" pitchFamily="18" charset="0"/>
+                          </a:rPr>
+                        </m:ctrlPr>
+                      </m:sSubPr>
+                      <m:e>
+                        <m:r>
+                          <a:rPr lang="en-US" i="1">
+                            <a:solidFill>
+                              <a:schemeClr val="bg1"/>
+                            </a:solidFill>
+                            <a:latin typeface="Cambria Math" panose="02040503050406030204" pitchFamily="18" charset="0"/>
+                          </a:rPr>
+                          <m:t>𝐼</m:t>
+                        </m:r>
+                      </m:e>
+                      <m:sub>
+                        <m:r>
+                          <a:rPr lang="en-US" i="1">
+                            <a:solidFill>
+                              <a:schemeClr val="bg1"/>
+                            </a:solidFill>
+                            <a:latin typeface="Cambria Math" panose="02040503050406030204" pitchFamily="18" charset="0"/>
+                          </a:rPr>
+                          <m:t>2</m:t>
+                        </m:r>
+                      </m:sub>
+                    </m:sSub>
+                    <m:d>
+                      <m:dPr>
+                        <m:ctrlPr>
+                          <a:rPr lang="en-US" i="1">
+                            <a:solidFill>
+                              <a:schemeClr val="bg1"/>
+                            </a:solidFill>
+                            <a:latin typeface="Cambria Math" panose="02040503050406030204" pitchFamily="18" charset="0"/>
+                          </a:rPr>
+                        </m:ctrlPr>
+                      </m:dPr>
+                      <m:e>
+                        <m:r>
+                          <a:rPr lang="en-US" i="1">
+                            <a:solidFill>
+                              <a:schemeClr val="bg1"/>
+                            </a:solidFill>
+                            <a:latin typeface="Cambria Math" panose="02040503050406030204" pitchFamily="18" charset="0"/>
+                          </a:rPr>
+                          <m:t>𝑡</m:t>
+                        </m:r>
+                      </m:e>
+                    </m:d>
+                    <m:r>
+                      <a:rPr lang="en-US" i="1">
+                        <a:solidFill>
+                          <a:schemeClr val="bg1"/>
+                        </a:solidFill>
+                        <a:latin typeface="Cambria Math" panose="02040503050406030204" pitchFamily="18" charset="0"/>
+                      </a:rPr>
+                      <m:t>=</m:t>
+                    </m:r>
+                    <m:f>
+                      <m:fPr>
+                        <m:ctrlPr>
+                          <a:rPr lang="en-US" i="1">
+                            <a:solidFill>
+                              <a:schemeClr val="bg1"/>
+                            </a:solidFill>
+                            <a:latin typeface="Cambria Math" panose="02040503050406030204" pitchFamily="18" charset="0"/>
+                          </a:rPr>
+                        </m:ctrlPr>
+                      </m:fPr>
+                      <m:num>
+                        <m:sSup>
+                          <m:sSupPr>
+                            <m:ctrlPr>
+                              <a:rPr lang="en-US" i="1">
+                                <a:solidFill>
+                                  <a:schemeClr val="bg1"/>
+                                </a:solidFill>
+                                <a:latin typeface="Cambria Math" panose="02040503050406030204" pitchFamily="18" charset="0"/>
+                              </a:rPr>
+                            </m:ctrlPr>
+                          </m:sSupPr>
+                          <m:e>
+                            <m:r>
+                              <a:rPr lang="en-US" i="1">
+                                <a:solidFill>
+                                  <a:schemeClr val="bg1"/>
+                                </a:solidFill>
+                                <a:latin typeface="Cambria Math" panose="02040503050406030204" pitchFamily="18" charset="0"/>
+                              </a:rPr>
+                              <m:t>𝐴</m:t>
+                            </m:r>
+                          </m:e>
+                          <m:sup>
+                            <m:r>
+                              <a:rPr lang="en-US" i="1">
+                                <a:solidFill>
+                                  <a:schemeClr val="bg1"/>
+                                </a:solidFill>
+                                <a:latin typeface="Cambria Math" panose="02040503050406030204" pitchFamily="18" charset="0"/>
+                              </a:rPr>
+                              <m:t>2</m:t>
+                            </m:r>
+                          </m:sup>
+                        </m:sSup>
+                      </m:num>
+                      <m:den>
+                        <m:r>
+                          <a:rPr lang="en-US" i="1">
+                            <a:solidFill>
+                              <a:schemeClr val="bg1"/>
+                            </a:solidFill>
+                            <a:latin typeface="Cambria Math" panose="02040503050406030204" pitchFamily="18" charset="0"/>
+                          </a:rPr>
+                          <m:t>2</m:t>
+                        </m:r>
+                      </m:den>
+                    </m:f>
+                    <m:r>
+                      <a:rPr lang="en-US" i="1">
+                        <a:solidFill>
+                          <a:schemeClr val="bg1"/>
+                        </a:solidFill>
+                        <a:latin typeface="Cambria Math" panose="02040503050406030204" pitchFamily="18" charset="0"/>
+                      </a:rPr>
+                      <m:t>𝑚</m:t>
+                    </m:r>
+                    <m:d>
+                      <m:dPr>
+                        <m:ctrlPr>
+                          <a:rPr lang="en-US" i="1">
+                            <a:solidFill>
+                              <a:schemeClr val="bg1"/>
+                            </a:solidFill>
+                            <a:latin typeface="Cambria Math" panose="02040503050406030204" pitchFamily="18" charset="0"/>
+                          </a:rPr>
+                        </m:ctrlPr>
+                      </m:dPr>
+                      <m:e>
+                        <m:r>
+                          <a:rPr lang="en-US" i="1">
+                            <a:solidFill>
+                              <a:schemeClr val="bg1"/>
+                            </a:solidFill>
+                            <a:latin typeface="Cambria Math" panose="02040503050406030204" pitchFamily="18" charset="0"/>
+                          </a:rPr>
+                          <m:t>𝑡</m:t>
+                        </m:r>
+                      </m:e>
+                    </m:d>
+                    <m:sSup>
+                      <m:sSupPr>
+                        <m:ctrlPr>
+                          <a:rPr lang="en-US" i="1">
+                            <a:solidFill>
+                              <a:schemeClr val="bg1"/>
+                            </a:solidFill>
+                            <a:latin typeface="Cambria Math" panose="02040503050406030204" pitchFamily="18" charset="0"/>
+                          </a:rPr>
+                        </m:ctrlPr>
+                      </m:sSupPr>
+                      <m:e>
+                        <m:r>
+                          <a:rPr lang="en-US" i="1">
+                            <a:solidFill>
+                              <a:schemeClr val="bg1"/>
+                            </a:solidFill>
+                            <a:latin typeface="Cambria Math" panose="02040503050406030204" pitchFamily="18" charset="0"/>
+                          </a:rPr>
+                          <m:t>𝑐𝑜𝑠</m:t>
+                        </m:r>
+                      </m:e>
+                      <m:sup>
+                        <m:r>
+                          <a:rPr lang="en-US" i="1">
+                            <a:solidFill>
+                              <a:schemeClr val="bg1"/>
+                            </a:solidFill>
+                            <a:latin typeface="Cambria Math" panose="02040503050406030204" pitchFamily="18" charset="0"/>
+                          </a:rPr>
+                          <m:t>2</m:t>
+                        </m:r>
+                      </m:sup>
+                    </m:sSup>
+                    <m:d>
+                      <m:dPr>
+                        <m:ctrlPr>
+                          <a:rPr lang="en-US" i="1">
+                            <a:solidFill>
+                              <a:schemeClr val="bg1"/>
+                            </a:solidFill>
+                            <a:latin typeface="Cambria Math" panose="02040503050406030204" pitchFamily="18" charset="0"/>
+                          </a:rPr>
+                        </m:ctrlPr>
+                      </m:dPr>
+                      <m:e>
+                        <m:d>
+                          <m:dPr>
+                            <m:ctrlPr>
+                              <a:rPr lang="en-US" i="1">
+                                <a:solidFill>
+                                  <a:schemeClr val="bg1"/>
+                                </a:solidFill>
+                                <a:latin typeface="Cambria Math" panose="02040503050406030204" pitchFamily="18" charset="0"/>
+                              </a:rPr>
+                            </m:ctrlPr>
+                          </m:dPr>
+                          <m:e>
+                            <m:sSub>
+                              <m:sSubPr>
+                                <m:ctrlPr>
+                                  <a:rPr lang="en-US" i="1">
+                                    <a:solidFill>
+                                      <a:schemeClr val="bg1"/>
+                                    </a:solidFill>
+                                    <a:latin typeface="Cambria Math" panose="02040503050406030204" pitchFamily="18" charset="0"/>
+                                  </a:rPr>
+                                </m:ctrlPr>
+                              </m:sSubPr>
+                              <m:e>
+                                <m:r>
+                                  <a:rPr lang="en-US" i="1">
+                                    <a:solidFill>
+                                      <a:schemeClr val="bg1"/>
+                                    </a:solidFill>
+                                    <a:latin typeface="Cambria Math" panose="02040503050406030204" pitchFamily="18" charset="0"/>
+                                  </a:rPr>
+                                  <m:t>𝜔</m:t>
+                                </m:r>
+                              </m:e>
+                              <m:sub>
+                                <m:r>
+                                  <a:rPr lang="en-US" i="1">
+                                    <a:solidFill>
+                                      <a:schemeClr val="bg1"/>
+                                    </a:solidFill>
+                                    <a:latin typeface="Cambria Math" panose="02040503050406030204" pitchFamily="18" charset="0"/>
+                                  </a:rPr>
+                                  <m:t>𝑐</m:t>
+                                </m:r>
+                              </m:sub>
+                            </m:sSub>
+                            <m:r>
+                              <a:rPr lang="en-US" i="1">
+                                <a:solidFill>
+                                  <a:schemeClr val="bg1"/>
+                                </a:solidFill>
+                                <a:latin typeface="Cambria Math" panose="02040503050406030204" pitchFamily="18" charset="0"/>
+                              </a:rPr>
+                              <m:t>−</m:t>
+                            </m:r>
+                            <m:sSub>
+                              <m:sSubPr>
+                                <m:ctrlPr>
+                                  <a:rPr lang="en-US" i="1">
+                                    <a:solidFill>
+                                      <a:schemeClr val="bg1"/>
+                                    </a:solidFill>
+                                    <a:latin typeface="Cambria Math" panose="02040503050406030204" pitchFamily="18" charset="0"/>
+                                  </a:rPr>
+                                </m:ctrlPr>
+                              </m:sSubPr>
+                              <m:e>
+                                <m:r>
+                                  <a:rPr lang="en-US" i="1">
+                                    <a:solidFill>
+                                      <a:schemeClr val="bg1"/>
+                                    </a:solidFill>
+                                    <a:latin typeface="Cambria Math" panose="02040503050406030204" pitchFamily="18" charset="0"/>
+                                  </a:rPr>
+                                  <m:t>𝜔</m:t>
+                                </m:r>
+                              </m:e>
+                              <m:sub>
+                                <m:r>
+                                  <a:rPr lang="en-US" i="1">
+                                    <a:solidFill>
+                                      <a:schemeClr val="bg1"/>
+                                    </a:solidFill>
+                                    <a:latin typeface="Cambria Math" panose="02040503050406030204" pitchFamily="18" charset="0"/>
+                                  </a:rPr>
+                                  <m:t>𝑣</m:t>
+                                </m:r>
+                              </m:sub>
+                            </m:sSub>
+                          </m:e>
+                        </m:d>
+                        <m:r>
+                          <a:rPr lang="en-US" i="1">
+                            <a:solidFill>
+                              <a:schemeClr val="bg1"/>
+                            </a:solidFill>
+                            <a:latin typeface="Cambria Math" panose="02040503050406030204" pitchFamily="18" charset="0"/>
+                          </a:rPr>
+                          <m:t>𝑡</m:t>
+                        </m:r>
+                      </m:e>
+                    </m:d>
+                    <m:r>
+                      <a:rPr lang="en-US" b="0" i="1">
+                        <a:solidFill>
+                          <a:schemeClr val="bg1"/>
+                        </a:solidFill>
+                        <a:latin typeface="Cambria Math" panose="02040503050406030204" pitchFamily="18" charset="0"/>
+                      </a:rPr>
+                      <m:t>                      </m:t>
+                    </m:r>
+                    <m:r>
+                      <a:rPr lang="en-US" b="0" i="1" smtClean="0">
+                        <a:solidFill>
+                          <a:schemeClr val="bg1"/>
+                        </a:solidFill>
+                        <a:latin typeface="Cambria Math" panose="02040503050406030204" pitchFamily="18" charset="0"/>
+                      </a:rPr>
+                      <m:t>  </m:t>
+                    </m:r>
+                  </m:oMath>
                 </a14:m>
+                <a:r>
+                  <a:rPr lang="en-US" dirty="0" smtClean="0">
+                    <a:solidFill>
+                      <a:schemeClr val="bg1"/>
+                    </a:solidFill>
+                  </a:rPr>
+                  <a:t>  (4)</a:t>
+                </a:r>
                 <a:endParaRPr lang="en-US" dirty="0">
                   <a:solidFill>
                     <a:schemeClr val="bg1"/>
@@ -11437,313 +13423,316 @@
               <a:p>
                 <a:pPr lvl="0"/>
                 <a14:m>
-                  <m:oMathPara xmlns:m="http://schemas.openxmlformats.org/officeDocument/2006/math">
-                    <m:oMathParaPr>
-                      <m:jc m:val="left"/>
-                    </m:oMathParaPr>
-                    <m:oMath xmlns:m="http://schemas.openxmlformats.org/officeDocument/2006/math">
-                      <m:sSub>
-                        <m:sSubPr>
-                          <m:ctrlPr>
-                            <a:rPr lang="en-US" i="1">
-                              <a:solidFill>
-                                <a:schemeClr val="bg1"/>
-                              </a:solidFill>
-                              <a:latin typeface="Cambria Math" panose="02040503050406030204" pitchFamily="18" charset="0"/>
-                            </a:rPr>
-                          </m:ctrlPr>
-                        </m:sSubPr>
-                        <m:e>
-                          <m:r>
-                            <a:rPr lang="en-US" i="1">
-                              <a:solidFill>
-                                <a:schemeClr val="bg1"/>
-                              </a:solidFill>
-                              <a:latin typeface="Cambria Math" panose="02040503050406030204" pitchFamily="18" charset="0"/>
-                            </a:rPr>
-                            <m:t>𝑄</m:t>
-                          </m:r>
-                        </m:e>
-                        <m:sub>
-                          <m:r>
-                            <a:rPr lang="en-US" i="1">
-                              <a:solidFill>
-                                <a:schemeClr val="bg1"/>
-                              </a:solidFill>
-                              <a:latin typeface="Cambria Math" panose="02040503050406030204" pitchFamily="18" charset="0"/>
-                            </a:rPr>
-                            <m:t>2</m:t>
-                          </m:r>
-                        </m:sub>
-                      </m:sSub>
-                      <m:d>
-                        <m:dPr>
-                          <m:ctrlPr>
-                            <a:rPr lang="en-US" i="1">
-                              <a:solidFill>
-                                <a:schemeClr val="bg1"/>
-                              </a:solidFill>
-                              <a:latin typeface="Cambria Math" panose="02040503050406030204" pitchFamily="18" charset="0"/>
-                            </a:rPr>
-                          </m:ctrlPr>
-                        </m:dPr>
-                        <m:e>
-                          <m:r>
-                            <a:rPr lang="en-US" i="1">
-                              <a:solidFill>
-                                <a:schemeClr val="bg1"/>
-                              </a:solidFill>
-                              <a:latin typeface="Cambria Math" panose="02040503050406030204" pitchFamily="18" charset="0"/>
-                            </a:rPr>
-                            <m:t>𝑡</m:t>
-                          </m:r>
-                        </m:e>
-                      </m:d>
-                      <m:r>
-                        <a:rPr lang="en-US" i="1">
-                          <a:solidFill>
-                            <a:schemeClr val="bg1"/>
-                          </a:solidFill>
-                          <a:latin typeface="Cambria Math" panose="02040503050406030204" pitchFamily="18" charset="0"/>
-                        </a:rPr>
-                        <m:t>=</m:t>
-                      </m:r>
-                      <m:f>
-                        <m:fPr>
-                          <m:ctrlPr>
-                            <a:rPr lang="en-US" i="1">
-                              <a:solidFill>
-                                <a:schemeClr val="bg1"/>
-                              </a:solidFill>
-                              <a:latin typeface="Cambria Math" panose="02040503050406030204" pitchFamily="18" charset="0"/>
-                            </a:rPr>
-                          </m:ctrlPr>
-                        </m:fPr>
-                        <m:num>
-                          <m:sSup>
-                            <m:sSupPr>
-                              <m:ctrlPr>
-                                <a:rPr lang="en-US" i="1">
-                                  <a:solidFill>
-                                    <a:schemeClr val="bg1"/>
-                                  </a:solidFill>
-                                  <a:latin typeface="Cambria Math" panose="02040503050406030204" pitchFamily="18" charset="0"/>
-                                </a:rPr>
-                              </m:ctrlPr>
-                            </m:sSupPr>
-                            <m:e>
-                              <m:r>
-                                <a:rPr lang="en-US" i="1">
-                                  <a:solidFill>
-                                    <a:schemeClr val="bg1"/>
-                                  </a:solidFill>
-                                  <a:latin typeface="Cambria Math" panose="02040503050406030204" pitchFamily="18" charset="0"/>
-                                </a:rPr>
-                                <m:t>𝐴</m:t>
-                              </m:r>
-                            </m:e>
-                            <m:sup>
-                              <m:r>
-                                <a:rPr lang="en-US" i="1">
-                                  <a:solidFill>
-                                    <a:schemeClr val="bg1"/>
-                                  </a:solidFill>
-                                  <a:latin typeface="Cambria Math" panose="02040503050406030204" pitchFamily="18" charset="0"/>
-                                </a:rPr>
-                                <m:t>2</m:t>
-                              </m:r>
-                            </m:sup>
-                          </m:sSup>
-                        </m:num>
-                        <m:den>
-                          <m:r>
-                            <a:rPr lang="en-US" i="1">
-                              <a:solidFill>
-                                <a:schemeClr val="bg1"/>
-                              </a:solidFill>
-                              <a:latin typeface="Cambria Math" panose="02040503050406030204" pitchFamily="18" charset="0"/>
-                            </a:rPr>
-                            <m:t>2</m:t>
-                          </m:r>
-                        </m:den>
-                      </m:f>
-                      <m:r>
-                        <a:rPr lang="en-US" i="1">
-                          <a:solidFill>
-                            <a:schemeClr val="bg1"/>
-                          </a:solidFill>
-                          <a:latin typeface="Cambria Math" panose="02040503050406030204" pitchFamily="18" charset="0"/>
-                        </a:rPr>
-                        <m:t>𝑚</m:t>
-                      </m:r>
-                      <m:d>
-                        <m:dPr>
-                          <m:ctrlPr>
-                            <a:rPr lang="en-US" i="1">
-                              <a:solidFill>
-                                <a:schemeClr val="bg1"/>
-                              </a:solidFill>
-                              <a:latin typeface="Cambria Math" panose="02040503050406030204" pitchFamily="18" charset="0"/>
-                            </a:rPr>
-                          </m:ctrlPr>
-                        </m:dPr>
-                        <m:e>
-                          <m:r>
-                            <a:rPr lang="en-US" i="1">
-                              <a:solidFill>
-                                <a:schemeClr val="bg1"/>
-                              </a:solidFill>
-                              <a:latin typeface="Cambria Math" panose="02040503050406030204" pitchFamily="18" charset="0"/>
-                            </a:rPr>
-                            <m:t>𝑡</m:t>
-                          </m:r>
-                        </m:e>
-                      </m:d>
-                      <m:func>
-                        <m:funcPr>
-                          <m:ctrlPr>
-                            <a:rPr lang="en-US" i="1">
-                              <a:solidFill>
-                                <a:schemeClr val="bg1"/>
-                              </a:solidFill>
-                              <a:latin typeface="Cambria Math" panose="02040503050406030204" pitchFamily="18" charset="0"/>
-                            </a:rPr>
-                          </m:ctrlPr>
-                        </m:funcPr>
-                        <m:fName>
-                          <m:r>
-                            <m:rPr>
-                              <m:sty m:val="p"/>
-                            </m:rPr>
-                            <a:rPr lang="en-US">
-                              <a:solidFill>
-                                <a:schemeClr val="bg1"/>
-                              </a:solidFill>
-                              <a:latin typeface="Cambria Math" panose="02040503050406030204" pitchFamily="18" charset="0"/>
-                            </a:rPr>
-                            <m:t>sin</m:t>
-                          </m:r>
-                        </m:fName>
-                        <m:e>
-                          <m:d>
-                            <m:dPr>
-                              <m:ctrlPr>
-                                <a:rPr lang="en-US" i="1">
-                                  <a:solidFill>
-                                    <a:schemeClr val="bg1"/>
-                                  </a:solidFill>
-                                  <a:latin typeface="Cambria Math" panose="02040503050406030204" pitchFamily="18" charset="0"/>
-                                </a:rPr>
-                              </m:ctrlPr>
-                            </m:dPr>
-                            <m:e>
-                              <m:d>
-                                <m:dPr>
-                                  <m:ctrlPr>
-                                    <a:rPr lang="en-US" i="1">
-                                      <a:solidFill>
-                                        <a:schemeClr val="bg1"/>
-                                      </a:solidFill>
-                                      <a:latin typeface="Cambria Math" panose="02040503050406030204" pitchFamily="18" charset="0"/>
-                                    </a:rPr>
-                                  </m:ctrlPr>
-                                </m:dPr>
-                                <m:e>
-                                  <m:sSub>
-                                    <m:sSubPr>
-                                      <m:ctrlPr>
-                                        <a:rPr lang="en-US" i="1">
-                                          <a:solidFill>
-                                            <a:schemeClr val="bg1"/>
-                                          </a:solidFill>
-                                          <a:latin typeface="Cambria Math" panose="02040503050406030204" pitchFamily="18" charset="0"/>
-                                        </a:rPr>
-                                      </m:ctrlPr>
-                                    </m:sSubPr>
-                                    <m:e>
-                                      <m:r>
-                                        <a:rPr lang="en-US" i="1">
-                                          <a:solidFill>
-                                            <a:schemeClr val="bg1"/>
-                                          </a:solidFill>
-                                          <a:latin typeface="Cambria Math" panose="02040503050406030204" pitchFamily="18" charset="0"/>
-                                        </a:rPr>
-                                        <m:t>𝜔</m:t>
-                                      </m:r>
-                                    </m:e>
-                                    <m:sub>
-                                      <m:r>
-                                        <a:rPr lang="en-US" i="1">
-                                          <a:solidFill>
-                                            <a:schemeClr val="bg1"/>
-                                          </a:solidFill>
-                                          <a:latin typeface="Cambria Math" panose="02040503050406030204" pitchFamily="18" charset="0"/>
-                                        </a:rPr>
-                                        <m:t>𝑐</m:t>
-                                      </m:r>
-                                    </m:sub>
-                                  </m:sSub>
-                                  <m:r>
-                                    <a:rPr lang="en-US" i="1">
-                                      <a:solidFill>
-                                        <a:schemeClr val="bg1"/>
-                                      </a:solidFill>
-                                      <a:latin typeface="Cambria Math" panose="02040503050406030204" pitchFamily="18" charset="0"/>
-                                    </a:rPr>
-                                    <m:t>−</m:t>
-                                  </m:r>
-                                  <m:sSub>
-                                    <m:sSubPr>
-                                      <m:ctrlPr>
-                                        <a:rPr lang="en-US" i="1">
-                                          <a:solidFill>
-                                            <a:schemeClr val="bg1"/>
-                                          </a:solidFill>
-                                          <a:latin typeface="Cambria Math" panose="02040503050406030204" pitchFamily="18" charset="0"/>
-                                        </a:rPr>
-                                      </m:ctrlPr>
-                                    </m:sSubPr>
-                                    <m:e>
-                                      <m:r>
-                                        <a:rPr lang="en-US" i="1">
-                                          <a:solidFill>
-                                            <a:schemeClr val="bg1"/>
-                                          </a:solidFill>
-                                          <a:latin typeface="Cambria Math" panose="02040503050406030204" pitchFamily="18" charset="0"/>
-                                        </a:rPr>
-                                        <m:t>𝜔</m:t>
-                                      </m:r>
-                                    </m:e>
-                                    <m:sub>
-                                      <m:r>
-                                        <a:rPr lang="en-US" i="1">
-                                          <a:solidFill>
-                                            <a:schemeClr val="bg1"/>
-                                          </a:solidFill>
-                                          <a:latin typeface="Cambria Math" panose="02040503050406030204" pitchFamily="18" charset="0"/>
-                                        </a:rPr>
-                                        <m:t>𝑣</m:t>
-                                      </m:r>
-                                    </m:sub>
-                                  </m:sSub>
-                                </m:e>
-                              </m:d>
-                              <m:r>
-                                <a:rPr lang="en-US" i="1">
-                                  <a:solidFill>
-                                    <a:schemeClr val="bg1"/>
-                                  </a:solidFill>
-                                  <a:latin typeface="Cambria Math" panose="02040503050406030204" pitchFamily="18" charset="0"/>
-                                </a:rPr>
-                                <m:t>𝑡</m:t>
-                              </m:r>
-                            </m:e>
-                          </m:d>
-                        </m:e>
-                      </m:func>
-                    </m:oMath>
-                  </m:oMathPara>
+                  <m:oMath xmlns:m="http://schemas.openxmlformats.org/officeDocument/2006/math">
+                    <m:sSub>
+                      <m:sSubPr>
+                        <m:ctrlPr>
+                          <a:rPr lang="en-US" i="1">
+                            <a:solidFill>
+                              <a:schemeClr val="bg1"/>
+                            </a:solidFill>
+                            <a:latin typeface="Cambria Math" panose="02040503050406030204" pitchFamily="18" charset="0"/>
+                          </a:rPr>
+                        </m:ctrlPr>
+                      </m:sSubPr>
+                      <m:e>
+                        <m:r>
+                          <a:rPr lang="en-US" i="1">
+                            <a:solidFill>
+                              <a:schemeClr val="bg1"/>
+                            </a:solidFill>
+                            <a:latin typeface="Cambria Math" panose="02040503050406030204" pitchFamily="18" charset="0"/>
+                          </a:rPr>
+                          <m:t>𝑄</m:t>
+                        </m:r>
+                      </m:e>
+                      <m:sub>
+                        <m:r>
+                          <a:rPr lang="en-US" i="1">
+                            <a:solidFill>
+                              <a:schemeClr val="bg1"/>
+                            </a:solidFill>
+                            <a:latin typeface="Cambria Math" panose="02040503050406030204" pitchFamily="18" charset="0"/>
+                          </a:rPr>
+                          <m:t>2</m:t>
+                        </m:r>
+                      </m:sub>
+                    </m:sSub>
+                    <m:d>
+                      <m:dPr>
+                        <m:ctrlPr>
+                          <a:rPr lang="en-US" i="1">
+                            <a:solidFill>
+                              <a:schemeClr val="bg1"/>
+                            </a:solidFill>
+                            <a:latin typeface="Cambria Math" panose="02040503050406030204" pitchFamily="18" charset="0"/>
+                          </a:rPr>
+                        </m:ctrlPr>
+                      </m:dPr>
+                      <m:e>
+                        <m:r>
+                          <a:rPr lang="en-US" i="1">
+                            <a:solidFill>
+                              <a:schemeClr val="bg1"/>
+                            </a:solidFill>
+                            <a:latin typeface="Cambria Math" panose="02040503050406030204" pitchFamily="18" charset="0"/>
+                          </a:rPr>
+                          <m:t>𝑡</m:t>
+                        </m:r>
+                      </m:e>
+                    </m:d>
+                    <m:r>
+                      <a:rPr lang="en-US" i="1">
+                        <a:solidFill>
+                          <a:schemeClr val="bg1"/>
+                        </a:solidFill>
+                        <a:latin typeface="Cambria Math" panose="02040503050406030204" pitchFamily="18" charset="0"/>
+                      </a:rPr>
+                      <m:t>=</m:t>
+                    </m:r>
+                    <m:f>
+                      <m:fPr>
+                        <m:ctrlPr>
+                          <a:rPr lang="en-US" i="1">
+                            <a:solidFill>
+                              <a:schemeClr val="bg1"/>
+                            </a:solidFill>
+                            <a:latin typeface="Cambria Math" panose="02040503050406030204" pitchFamily="18" charset="0"/>
+                          </a:rPr>
+                        </m:ctrlPr>
+                      </m:fPr>
+                      <m:num>
+                        <m:sSup>
+                          <m:sSupPr>
+                            <m:ctrlPr>
+                              <a:rPr lang="en-US" i="1">
+                                <a:solidFill>
+                                  <a:schemeClr val="bg1"/>
+                                </a:solidFill>
+                                <a:latin typeface="Cambria Math" panose="02040503050406030204" pitchFamily="18" charset="0"/>
+                              </a:rPr>
+                            </m:ctrlPr>
+                          </m:sSupPr>
+                          <m:e>
+                            <m:r>
+                              <a:rPr lang="en-US" i="1">
+                                <a:solidFill>
+                                  <a:schemeClr val="bg1"/>
+                                </a:solidFill>
+                                <a:latin typeface="Cambria Math" panose="02040503050406030204" pitchFamily="18" charset="0"/>
+                              </a:rPr>
+                              <m:t>𝐴</m:t>
+                            </m:r>
+                          </m:e>
+                          <m:sup>
+                            <m:r>
+                              <a:rPr lang="en-US" i="1">
+                                <a:solidFill>
+                                  <a:schemeClr val="bg1"/>
+                                </a:solidFill>
+                                <a:latin typeface="Cambria Math" panose="02040503050406030204" pitchFamily="18" charset="0"/>
+                              </a:rPr>
+                              <m:t>2</m:t>
+                            </m:r>
+                          </m:sup>
+                        </m:sSup>
+                      </m:num>
+                      <m:den>
+                        <m:r>
+                          <a:rPr lang="en-US" i="1">
+                            <a:solidFill>
+                              <a:schemeClr val="bg1"/>
+                            </a:solidFill>
+                            <a:latin typeface="Cambria Math" panose="02040503050406030204" pitchFamily="18" charset="0"/>
+                          </a:rPr>
+                          <m:t>2</m:t>
+                        </m:r>
+                      </m:den>
+                    </m:f>
+                    <m:r>
+                      <a:rPr lang="en-US" i="1">
+                        <a:solidFill>
+                          <a:schemeClr val="bg1"/>
+                        </a:solidFill>
+                        <a:latin typeface="Cambria Math" panose="02040503050406030204" pitchFamily="18" charset="0"/>
+                      </a:rPr>
+                      <m:t>𝑚</m:t>
+                    </m:r>
+                    <m:d>
+                      <m:dPr>
+                        <m:ctrlPr>
+                          <a:rPr lang="en-US" i="1">
+                            <a:solidFill>
+                              <a:schemeClr val="bg1"/>
+                            </a:solidFill>
+                            <a:latin typeface="Cambria Math" panose="02040503050406030204" pitchFamily="18" charset="0"/>
+                          </a:rPr>
+                        </m:ctrlPr>
+                      </m:dPr>
+                      <m:e>
+                        <m:r>
+                          <a:rPr lang="en-US" i="1">
+                            <a:solidFill>
+                              <a:schemeClr val="bg1"/>
+                            </a:solidFill>
+                            <a:latin typeface="Cambria Math" panose="02040503050406030204" pitchFamily="18" charset="0"/>
+                          </a:rPr>
+                          <m:t>𝑡</m:t>
+                        </m:r>
+                      </m:e>
+                    </m:d>
+                    <m:func>
+                      <m:funcPr>
+                        <m:ctrlPr>
+                          <a:rPr lang="en-US" i="1">
+                            <a:solidFill>
+                              <a:schemeClr val="bg1"/>
+                            </a:solidFill>
+                            <a:latin typeface="Cambria Math" panose="02040503050406030204" pitchFamily="18" charset="0"/>
+                          </a:rPr>
+                        </m:ctrlPr>
+                      </m:funcPr>
+                      <m:fName>
+                        <m:r>
+                          <m:rPr>
+                            <m:sty m:val="p"/>
+                          </m:rPr>
+                          <a:rPr lang="en-US">
+                            <a:solidFill>
+                              <a:schemeClr val="bg1"/>
+                            </a:solidFill>
+                            <a:latin typeface="Cambria Math" panose="02040503050406030204" pitchFamily="18" charset="0"/>
+                          </a:rPr>
+                          <m:t>sin</m:t>
+                        </m:r>
+                      </m:fName>
+                      <m:e>
+                        <m:d>
+                          <m:dPr>
+                            <m:ctrlPr>
+                              <a:rPr lang="en-US" i="1">
+                                <a:solidFill>
+                                  <a:schemeClr val="bg1"/>
+                                </a:solidFill>
+                                <a:latin typeface="Cambria Math" panose="02040503050406030204" pitchFamily="18" charset="0"/>
+                              </a:rPr>
+                            </m:ctrlPr>
+                          </m:dPr>
+                          <m:e>
+                            <m:d>
+                              <m:dPr>
+                                <m:ctrlPr>
+                                  <a:rPr lang="en-US" i="1">
+                                    <a:solidFill>
+                                      <a:schemeClr val="bg1"/>
+                                    </a:solidFill>
+                                    <a:latin typeface="Cambria Math" panose="02040503050406030204" pitchFamily="18" charset="0"/>
+                                  </a:rPr>
+                                </m:ctrlPr>
+                              </m:dPr>
+                              <m:e>
+                                <m:sSub>
+                                  <m:sSubPr>
+                                    <m:ctrlPr>
+                                      <a:rPr lang="en-US" i="1">
+                                        <a:solidFill>
+                                          <a:schemeClr val="bg1"/>
+                                        </a:solidFill>
+                                        <a:latin typeface="Cambria Math" panose="02040503050406030204" pitchFamily="18" charset="0"/>
+                                      </a:rPr>
+                                    </m:ctrlPr>
+                                  </m:sSubPr>
+                                  <m:e>
+                                    <m:r>
+                                      <a:rPr lang="en-US" i="1">
+                                        <a:solidFill>
+                                          <a:schemeClr val="bg1"/>
+                                        </a:solidFill>
+                                        <a:latin typeface="Cambria Math" panose="02040503050406030204" pitchFamily="18" charset="0"/>
+                                      </a:rPr>
+                                      <m:t>𝜔</m:t>
+                                    </m:r>
+                                  </m:e>
+                                  <m:sub>
+                                    <m:r>
+                                      <a:rPr lang="en-US" i="1">
+                                        <a:solidFill>
+                                          <a:schemeClr val="bg1"/>
+                                        </a:solidFill>
+                                        <a:latin typeface="Cambria Math" panose="02040503050406030204" pitchFamily="18" charset="0"/>
+                                      </a:rPr>
+                                      <m:t>𝑐</m:t>
+                                    </m:r>
+                                  </m:sub>
+                                </m:sSub>
+                                <m:r>
+                                  <a:rPr lang="en-US" i="1">
+                                    <a:solidFill>
+                                      <a:schemeClr val="bg1"/>
+                                    </a:solidFill>
+                                    <a:latin typeface="Cambria Math" panose="02040503050406030204" pitchFamily="18" charset="0"/>
+                                  </a:rPr>
+                                  <m:t>−</m:t>
+                                </m:r>
+                                <m:sSub>
+                                  <m:sSubPr>
+                                    <m:ctrlPr>
+                                      <a:rPr lang="en-US" i="1">
+                                        <a:solidFill>
+                                          <a:schemeClr val="bg1"/>
+                                        </a:solidFill>
+                                        <a:latin typeface="Cambria Math" panose="02040503050406030204" pitchFamily="18" charset="0"/>
+                                      </a:rPr>
+                                    </m:ctrlPr>
+                                  </m:sSubPr>
+                                  <m:e>
+                                    <m:r>
+                                      <a:rPr lang="en-US" i="1">
+                                        <a:solidFill>
+                                          <a:schemeClr val="bg1"/>
+                                        </a:solidFill>
+                                        <a:latin typeface="Cambria Math" panose="02040503050406030204" pitchFamily="18" charset="0"/>
+                                      </a:rPr>
+                                      <m:t>𝜔</m:t>
+                                    </m:r>
+                                  </m:e>
+                                  <m:sub>
+                                    <m:r>
+                                      <a:rPr lang="en-US" i="1">
+                                        <a:solidFill>
+                                          <a:schemeClr val="bg1"/>
+                                        </a:solidFill>
+                                        <a:latin typeface="Cambria Math" panose="02040503050406030204" pitchFamily="18" charset="0"/>
+                                      </a:rPr>
+                                      <m:t>𝑣</m:t>
+                                    </m:r>
+                                  </m:sub>
+                                </m:sSub>
+                              </m:e>
+                            </m:d>
+                            <m:r>
+                              <a:rPr lang="en-US" i="1">
+                                <a:solidFill>
+                                  <a:schemeClr val="bg1"/>
+                                </a:solidFill>
+                                <a:latin typeface="Cambria Math" panose="02040503050406030204" pitchFamily="18" charset="0"/>
+                              </a:rPr>
+                              <m:t>𝑡</m:t>
+                            </m:r>
+                          </m:e>
+                        </m:d>
+                      </m:e>
+                    </m:func>
+                  </m:oMath>
                 </a14:m>
+                <a:r>
+                  <a:rPr lang="en-US" dirty="0" smtClean="0">
+                    <a:solidFill>
+                      <a:schemeClr val="bg1"/>
+                    </a:solidFill>
+                  </a:rPr>
+                  <a:t>				(5)</a:t>
+                </a:r>
                 <a:endParaRPr lang="en-US" dirty="0">
                   <a:solidFill>
                     <a:schemeClr val="bg1"/>
@@ -11751,312 +13740,337 @@
                 </a:endParaRPr>
               </a:p>
               <a:p>
-                <a:pPr lvl="0" algn="ctr"/>
+                <a:pPr lvl="0"/>
                 <a14:m>
-                  <m:oMathPara xmlns:m="http://schemas.openxmlformats.org/officeDocument/2006/math">
-                    <m:oMathParaPr>
-                      <m:jc m:val="left"/>
-                    </m:oMathParaPr>
-                    <m:oMath xmlns:m="http://schemas.openxmlformats.org/officeDocument/2006/math">
-                      <m:r>
-                        <a:rPr lang="en-US" i="1">
-                          <a:solidFill>
-                            <a:schemeClr val="bg1"/>
-                          </a:solidFill>
-                          <a:latin typeface="Cambria Math" panose="02040503050406030204" pitchFamily="18" charset="0"/>
-                        </a:rPr>
-                        <m:t>𝑒</m:t>
-                      </m:r>
-                      <m:d>
-                        <m:dPr>
-                          <m:ctrlPr>
-                            <a:rPr lang="en-US" i="1">
-                              <a:solidFill>
-                                <a:schemeClr val="bg1"/>
-                              </a:solidFill>
-                              <a:latin typeface="Cambria Math" panose="02040503050406030204" pitchFamily="18" charset="0"/>
-                            </a:rPr>
-                          </m:ctrlPr>
-                        </m:dPr>
-                        <m:e>
-                          <m:r>
-                            <a:rPr lang="en-US" i="1">
-                              <a:solidFill>
-                                <a:schemeClr val="bg1"/>
-                              </a:solidFill>
-                              <a:latin typeface="Cambria Math" panose="02040503050406030204" pitchFamily="18" charset="0"/>
-                            </a:rPr>
-                            <m:t>𝑡</m:t>
-                          </m:r>
-                        </m:e>
-                      </m:d>
-                      <m:r>
-                        <a:rPr lang="en-US" i="1">
-                          <a:solidFill>
-                            <a:schemeClr val="bg1"/>
-                          </a:solidFill>
-                          <a:latin typeface="Cambria Math" panose="02040503050406030204" pitchFamily="18" charset="0"/>
-                        </a:rPr>
-                        <m:t>=−</m:t>
-                      </m:r>
-                      <m:f>
-                        <m:fPr>
-                          <m:ctrlPr>
-                            <a:rPr lang="en-US" i="1">
-                              <a:solidFill>
-                                <a:schemeClr val="bg1"/>
-                              </a:solidFill>
-                              <a:latin typeface="Cambria Math" panose="02040503050406030204" pitchFamily="18" charset="0"/>
-                            </a:rPr>
-                          </m:ctrlPr>
-                        </m:fPr>
-                        <m:num>
-                          <m:sSup>
-                            <m:sSupPr>
-                              <m:ctrlPr>
-                                <a:rPr lang="en-US" i="1">
-                                  <a:solidFill>
-                                    <a:schemeClr val="bg1"/>
-                                  </a:solidFill>
-                                  <a:latin typeface="Cambria Math" panose="02040503050406030204" pitchFamily="18" charset="0"/>
-                                </a:rPr>
-                              </m:ctrlPr>
-                            </m:sSupPr>
-                            <m:e>
-                              <m:r>
-                                <a:rPr lang="en-US" i="1">
-                                  <a:solidFill>
-                                    <a:schemeClr val="bg1"/>
-                                  </a:solidFill>
-                                  <a:latin typeface="Cambria Math" panose="02040503050406030204" pitchFamily="18" charset="0"/>
-                                </a:rPr>
-                                <m:t>𝐴</m:t>
-                              </m:r>
-                            </m:e>
-                            <m:sup>
-                              <m:r>
-                                <a:rPr lang="en-US" i="1">
-                                  <a:solidFill>
-                                    <a:schemeClr val="bg1"/>
-                                  </a:solidFill>
-                                  <a:latin typeface="Cambria Math" panose="02040503050406030204" pitchFamily="18" charset="0"/>
-                                </a:rPr>
-                                <m:t>4</m:t>
-                              </m:r>
-                            </m:sup>
-                          </m:sSup>
-                        </m:num>
-                        <m:den>
-                          <m:r>
-                            <a:rPr lang="en-US" i="1">
-                              <a:solidFill>
-                                <a:schemeClr val="bg1"/>
-                              </a:solidFill>
-                              <a:latin typeface="Cambria Math" panose="02040503050406030204" pitchFamily="18" charset="0"/>
-                            </a:rPr>
-                            <m:t>4</m:t>
-                          </m:r>
-                        </m:den>
-                      </m:f>
-                      <m:sSup>
-                        <m:sSupPr>
-                          <m:ctrlPr>
-                            <a:rPr lang="en-US" i="1">
-                              <a:solidFill>
-                                <a:schemeClr val="bg1"/>
-                              </a:solidFill>
-                              <a:latin typeface="Cambria Math" panose="02040503050406030204" pitchFamily="18" charset="0"/>
-                            </a:rPr>
-                          </m:ctrlPr>
-                        </m:sSupPr>
-                        <m:e>
-                          <m:r>
-                            <a:rPr lang="en-US" i="1">
-                              <a:solidFill>
-                                <a:schemeClr val="bg1"/>
-                              </a:solidFill>
-                              <a:latin typeface="Cambria Math" panose="02040503050406030204" pitchFamily="18" charset="0"/>
-                            </a:rPr>
-                            <m:t>𝑠𝑖𝑛</m:t>
-                          </m:r>
-                        </m:e>
-                        <m:sup>
-                          <m:r>
-                            <a:rPr lang="en-US" i="1">
-                              <a:solidFill>
-                                <a:schemeClr val="bg1"/>
-                              </a:solidFill>
-                              <a:latin typeface="Cambria Math" panose="02040503050406030204" pitchFamily="18" charset="0"/>
-                            </a:rPr>
-                            <m:t>2</m:t>
-                          </m:r>
-                        </m:sup>
-                      </m:sSup>
-                      <m:r>
-                        <a:rPr lang="en-US" i="1">
-                          <a:solidFill>
-                            <a:schemeClr val="bg1"/>
-                          </a:solidFill>
-                          <a:latin typeface="Cambria Math" panose="02040503050406030204" pitchFamily="18" charset="0"/>
-                        </a:rPr>
-                        <m:t>(2</m:t>
-                      </m:r>
-                      <m:d>
-                        <m:dPr>
-                          <m:ctrlPr>
-                            <a:rPr lang="en-US" i="1">
-                              <a:solidFill>
-                                <a:schemeClr val="bg1"/>
-                              </a:solidFill>
-                              <a:latin typeface="Cambria Math" panose="02040503050406030204" pitchFamily="18" charset="0"/>
-                            </a:rPr>
-                          </m:ctrlPr>
-                        </m:dPr>
-                        <m:e>
-                          <m:sSub>
-                            <m:sSubPr>
-                              <m:ctrlPr>
-                                <a:rPr lang="en-US" i="1">
-                                  <a:solidFill>
-                                    <a:schemeClr val="bg1"/>
-                                  </a:solidFill>
-                                  <a:latin typeface="Cambria Math" panose="02040503050406030204" pitchFamily="18" charset="0"/>
-                                </a:rPr>
-                              </m:ctrlPr>
-                            </m:sSubPr>
-                            <m:e>
-                              <m:r>
-                                <a:rPr lang="en-US" i="1">
-                                  <a:solidFill>
-                                    <a:schemeClr val="bg1"/>
-                                  </a:solidFill>
-                                  <a:latin typeface="Cambria Math" panose="02040503050406030204" pitchFamily="18" charset="0"/>
-                                </a:rPr>
-                                <m:t>𝜔</m:t>
-                              </m:r>
-                            </m:e>
-                            <m:sub>
-                              <m:r>
-                                <a:rPr lang="en-US" i="1">
-                                  <a:solidFill>
-                                    <a:schemeClr val="bg1"/>
-                                  </a:solidFill>
-                                  <a:latin typeface="Cambria Math" panose="02040503050406030204" pitchFamily="18" charset="0"/>
-                                </a:rPr>
-                                <m:t>𝑐</m:t>
-                              </m:r>
-                            </m:sub>
-                          </m:sSub>
-                          <m:r>
-                            <a:rPr lang="en-US" i="1">
-                              <a:solidFill>
-                                <a:schemeClr val="bg1"/>
-                              </a:solidFill>
-                              <a:latin typeface="Cambria Math" panose="02040503050406030204" pitchFamily="18" charset="0"/>
-                            </a:rPr>
-                            <m:t>−</m:t>
-                          </m:r>
-                          <m:sSub>
-                            <m:sSubPr>
-                              <m:ctrlPr>
-                                <a:rPr lang="en-US" i="1">
-                                  <a:solidFill>
-                                    <a:schemeClr val="bg1"/>
-                                  </a:solidFill>
-                                  <a:latin typeface="Cambria Math" panose="02040503050406030204" pitchFamily="18" charset="0"/>
-                                </a:rPr>
-                              </m:ctrlPr>
-                            </m:sSubPr>
-                            <m:e>
-                              <m:r>
-                                <a:rPr lang="en-US" i="1">
-                                  <a:solidFill>
-                                    <a:schemeClr val="bg1"/>
-                                  </a:solidFill>
-                                  <a:latin typeface="Cambria Math" panose="02040503050406030204" pitchFamily="18" charset="0"/>
-                                </a:rPr>
-                                <m:t>𝜔</m:t>
-                              </m:r>
-                            </m:e>
-                            <m:sub>
-                              <m:r>
-                                <a:rPr lang="en-US" i="1">
-                                  <a:solidFill>
-                                    <a:schemeClr val="bg1"/>
-                                  </a:solidFill>
-                                  <a:latin typeface="Cambria Math" panose="02040503050406030204" pitchFamily="18" charset="0"/>
-                                </a:rPr>
-                                <m:t>𝑣</m:t>
-                              </m:r>
-                            </m:sub>
-                          </m:sSub>
-                        </m:e>
-                      </m:d>
-                      <m:r>
-                        <a:rPr lang="en-US" i="1">
-                          <a:solidFill>
-                            <a:schemeClr val="bg1"/>
-                          </a:solidFill>
-                          <a:latin typeface="Cambria Math" panose="02040503050406030204" pitchFamily="18" charset="0"/>
-                        </a:rPr>
-                        <m:t>𝑡</m:t>
-                      </m:r>
-                      <m:r>
-                        <a:rPr lang="en-US" i="1">
-                          <a:solidFill>
-                            <a:schemeClr val="bg1"/>
-                          </a:solidFill>
-                          <a:latin typeface="Cambria Math" panose="02040503050406030204" pitchFamily="18" charset="0"/>
-                        </a:rPr>
-                        <m:t>+</m:t>
-                      </m:r>
-                      <m:sSub>
-                        <m:sSubPr>
-                          <m:ctrlPr>
-                            <a:rPr lang="en-US" i="1">
-                              <a:solidFill>
-                                <a:schemeClr val="bg1"/>
-                              </a:solidFill>
-                              <a:latin typeface="Cambria Math" panose="02040503050406030204" pitchFamily="18" charset="0"/>
-                            </a:rPr>
-                          </m:ctrlPr>
-                        </m:sSubPr>
-                        <m:e>
-                          <m:r>
-                            <a:rPr lang="en-US" i="1">
-                              <a:solidFill>
-                                <a:schemeClr val="bg1"/>
-                              </a:solidFill>
-                              <a:latin typeface="Cambria Math" panose="02040503050406030204" pitchFamily="18" charset="0"/>
-                            </a:rPr>
-                            <m:t>𝜃</m:t>
-                          </m:r>
-                        </m:e>
-                        <m:sub>
-                          <m:r>
-                            <a:rPr lang="en-US" i="1">
-                              <a:solidFill>
-                                <a:schemeClr val="bg1"/>
-                              </a:solidFill>
-                              <a:latin typeface="Cambria Math" panose="02040503050406030204" pitchFamily="18" charset="0"/>
-                            </a:rPr>
-                            <m:t>𝑒</m:t>
-                          </m:r>
-                        </m:sub>
-                      </m:sSub>
-                      <m:r>
-                        <a:rPr lang="en-US" i="1">
-                          <a:solidFill>
-                            <a:schemeClr val="bg1"/>
-                          </a:solidFill>
-                          <a:latin typeface="Cambria Math" panose="02040503050406030204" pitchFamily="18" charset="0"/>
-                        </a:rPr>
-                        <m:t>)</m:t>
-                      </m:r>
-                    </m:oMath>
-                  </m:oMathPara>
+                  <m:oMath xmlns:m="http://schemas.openxmlformats.org/officeDocument/2006/math">
+                    <m:r>
+                      <a:rPr lang="en-US" i="1">
+                        <a:solidFill>
+                          <a:schemeClr val="bg1"/>
+                        </a:solidFill>
+                        <a:latin typeface="Cambria Math" panose="02040503050406030204" pitchFamily="18" charset="0"/>
+                      </a:rPr>
+                      <m:t>𝑒</m:t>
+                    </m:r>
+                    <m:d>
+                      <m:dPr>
+                        <m:ctrlPr>
+                          <a:rPr lang="en-US" i="1">
+                            <a:solidFill>
+                              <a:schemeClr val="bg1"/>
+                            </a:solidFill>
+                            <a:latin typeface="Cambria Math" panose="02040503050406030204" pitchFamily="18" charset="0"/>
+                          </a:rPr>
+                        </m:ctrlPr>
+                      </m:dPr>
+                      <m:e>
+                        <m:r>
+                          <a:rPr lang="en-US" i="1">
+                            <a:solidFill>
+                              <a:schemeClr val="bg1"/>
+                            </a:solidFill>
+                            <a:latin typeface="Cambria Math" panose="02040503050406030204" pitchFamily="18" charset="0"/>
+                          </a:rPr>
+                          <m:t>𝑡</m:t>
+                        </m:r>
+                      </m:e>
+                    </m:d>
+                    <m:r>
+                      <a:rPr lang="en-US" i="1">
+                        <a:solidFill>
+                          <a:schemeClr val="bg1"/>
+                        </a:solidFill>
+                        <a:latin typeface="Cambria Math" panose="02040503050406030204" pitchFamily="18" charset="0"/>
+                      </a:rPr>
+                      <m:t>=−</m:t>
+                    </m:r>
+                    <m:f>
+                      <m:fPr>
+                        <m:ctrlPr>
+                          <a:rPr lang="en-US" i="1">
+                            <a:solidFill>
+                              <a:schemeClr val="bg1"/>
+                            </a:solidFill>
+                            <a:latin typeface="Cambria Math" panose="02040503050406030204" pitchFamily="18" charset="0"/>
+                          </a:rPr>
+                        </m:ctrlPr>
+                      </m:fPr>
+                      <m:num>
+                        <m:sSup>
+                          <m:sSupPr>
+                            <m:ctrlPr>
+                              <a:rPr lang="en-US" i="1">
+                                <a:solidFill>
+                                  <a:schemeClr val="bg1"/>
+                                </a:solidFill>
+                                <a:latin typeface="Cambria Math" panose="02040503050406030204" pitchFamily="18" charset="0"/>
+                              </a:rPr>
+                            </m:ctrlPr>
+                          </m:sSupPr>
+                          <m:e>
+                            <m:r>
+                              <a:rPr lang="en-US" i="1">
+                                <a:solidFill>
+                                  <a:schemeClr val="bg1"/>
+                                </a:solidFill>
+                                <a:latin typeface="Cambria Math" panose="02040503050406030204" pitchFamily="18" charset="0"/>
+                              </a:rPr>
+                              <m:t>𝐴</m:t>
+                            </m:r>
+                          </m:e>
+                          <m:sup>
+                            <m:r>
+                              <a:rPr lang="en-US" i="1">
+                                <a:solidFill>
+                                  <a:schemeClr val="bg1"/>
+                                </a:solidFill>
+                                <a:latin typeface="Cambria Math" panose="02040503050406030204" pitchFamily="18" charset="0"/>
+                              </a:rPr>
+                              <m:t>4</m:t>
+                            </m:r>
+                          </m:sup>
+                        </m:sSup>
+                      </m:num>
+                      <m:den>
+                        <m:r>
+                          <a:rPr lang="en-US" i="1">
+                            <a:solidFill>
+                              <a:schemeClr val="bg1"/>
+                            </a:solidFill>
+                            <a:latin typeface="Cambria Math" panose="02040503050406030204" pitchFamily="18" charset="0"/>
+                          </a:rPr>
+                          <m:t>4</m:t>
+                        </m:r>
+                      </m:den>
+                    </m:f>
+                    <m:sSup>
+                      <m:sSupPr>
+                        <m:ctrlPr>
+                          <a:rPr lang="en-US" i="1">
+                            <a:solidFill>
+                              <a:schemeClr val="bg1"/>
+                            </a:solidFill>
+                            <a:latin typeface="Cambria Math" panose="02040503050406030204" pitchFamily="18" charset="0"/>
+                          </a:rPr>
+                        </m:ctrlPr>
+                      </m:sSupPr>
+                      <m:e>
+                        <m:r>
+                          <a:rPr lang="en-US" i="1">
+                            <a:solidFill>
+                              <a:schemeClr val="bg1"/>
+                            </a:solidFill>
+                            <a:latin typeface="Cambria Math" panose="02040503050406030204" pitchFamily="18" charset="0"/>
+                          </a:rPr>
+                          <m:t>𝑠𝑖𝑛</m:t>
+                        </m:r>
+                      </m:e>
+                      <m:sup>
+                        <m:r>
+                          <a:rPr lang="en-US" i="1">
+                            <a:solidFill>
+                              <a:schemeClr val="bg1"/>
+                            </a:solidFill>
+                            <a:latin typeface="Cambria Math" panose="02040503050406030204" pitchFamily="18" charset="0"/>
+                          </a:rPr>
+                          <m:t>2</m:t>
+                        </m:r>
+                      </m:sup>
+                    </m:sSup>
+                    <m:d>
+                      <m:dPr>
+                        <m:ctrlPr>
+                          <a:rPr lang="en-US" i="1">
+                            <a:solidFill>
+                              <a:schemeClr val="bg1"/>
+                            </a:solidFill>
+                            <a:latin typeface="Cambria Math" panose="02040503050406030204" pitchFamily="18" charset="0"/>
+                          </a:rPr>
+                        </m:ctrlPr>
+                      </m:dPr>
+                      <m:e>
+                        <m:r>
+                          <a:rPr lang="en-US" i="1">
+                            <a:solidFill>
+                              <a:schemeClr val="bg1"/>
+                            </a:solidFill>
+                            <a:latin typeface="Cambria Math" panose="02040503050406030204" pitchFamily="18" charset="0"/>
+                          </a:rPr>
+                          <m:t>2</m:t>
+                        </m:r>
+                        <m:d>
+                          <m:dPr>
+                            <m:ctrlPr>
+                              <a:rPr lang="en-US" i="1">
+                                <a:solidFill>
+                                  <a:schemeClr val="bg1"/>
+                                </a:solidFill>
+                                <a:latin typeface="Cambria Math" panose="02040503050406030204" pitchFamily="18" charset="0"/>
+                              </a:rPr>
+                            </m:ctrlPr>
+                          </m:dPr>
+                          <m:e>
+                            <m:sSub>
+                              <m:sSubPr>
+                                <m:ctrlPr>
+                                  <a:rPr lang="en-US" i="1">
+                                    <a:solidFill>
+                                      <a:schemeClr val="bg1"/>
+                                    </a:solidFill>
+                                    <a:latin typeface="Cambria Math" panose="02040503050406030204" pitchFamily="18" charset="0"/>
+                                  </a:rPr>
+                                </m:ctrlPr>
+                              </m:sSubPr>
+                              <m:e>
+                                <m:r>
+                                  <a:rPr lang="en-US" i="1">
+                                    <a:solidFill>
+                                      <a:schemeClr val="bg1"/>
+                                    </a:solidFill>
+                                    <a:latin typeface="Cambria Math" panose="02040503050406030204" pitchFamily="18" charset="0"/>
+                                  </a:rPr>
+                                  <m:t>𝜔</m:t>
+                                </m:r>
+                              </m:e>
+                              <m:sub>
+                                <m:r>
+                                  <a:rPr lang="en-US" i="1">
+                                    <a:solidFill>
+                                      <a:schemeClr val="bg1"/>
+                                    </a:solidFill>
+                                    <a:latin typeface="Cambria Math" panose="02040503050406030204" pitchFamily="18" charset="0"/>
+                                  </a:rPr>
+                                  <m:t>𝑐</m:t>
+                                </m:r>
+                              </m:sub>
+                            </m:sSub>
+                            <m:r>
+                              <a:rPr lang="en-US" i="1">
+                                <a:solidFill>
+                                  <a:schemeClr val="bg1"/>
+                                </a:solidFill>
+                                <a:latin typeface="Cambria Math" panose="02040503050406030204" pitchFamily="18" charset="0"/>
+                              </a:rPr>
+                              <m:t>−</m:t>
+                            </m:r>
+                            <m:sSub>
+                              <m:sSubPr>
+                                <m:ctrlPr>
+                                  <a:rPr lang="en-US" i="1">
+                                    <a:solidFill>
+                                      <a:schemeClr val="bg1"/>
+                                    </a:solidFill>
+                                    <a:latin typeface="Cambria Math" panose="02040503050406030204" pitchFamily="18" charset="0"/>
+                                  </a:rPr>
+                                </m:ctrlPr>
+                              </m:sSubPr>
+                              <m:e>
+                                <m:r>
+                                  <a:rPr lang="en-US" i="1">
+                                    <a:solidFill>
+                                      <a:schemeClr val="bg1"/>
+                                    </a:solidFill>
+                                    <a:latin typeface="Cambria Math" panose="02040503050406030204" pitchFamily="18" charset="0"/>
+                                  </a:rPr>
+                                  <m:t>𝜔</m:t>
+                                </m:r>
+                              </m:e>
+                              <m:sub>
+                                <m:r>
+                                  <a:rPr lang="en-US" i="1">
+                                    <a:solidFill>
+                                      <a:schemeClr val="bg1"/>
+                                    </a:solidFill>
+                                    <a:latin typeface="Cambria Math" panose="02040503050406030204" pitchFamily="18" charset="0"/>
+                                  </a:rPr>
+                                  <m:t>𝑣</m:t>
+                                </m:r>
+                              </m:sub>
+                            </m:sSub>
+                          </m:e>
+                        </m:d>
+                        <m:r>
+                          <a:rPr lang="en-US" i="1">
+                            <a:solidFill>
+                              <a:schemeClr val="bg1"/>
+                            </a:solidFill>
+                            <a:latin typeface="Cambria Math" panose="02040503050406030204" pitchFamily="18" charset="0"/>
+                          </a:rPr>
+                          <m:t>𝑡</m:t>
+                        </m:r>
+                        <m:r>
+                          <a:rPr lang="en-US" i="1">
+                            <a:solidFill>
+                              <a:schemeClr val="bg1"/>
+                            </a:solidFill>
+                            <a:latin typeface="Cambria Math" panose="02040503050406030204" pitchFamily="18" charset="0"/>
+                          </a:rPr>
+                          <m:t>+</m:t>
+                        </m:r>
+                        <m:sSub>
+                          <m:sSubPr>
+                            <m:ctrlPr>
+                              <a:rPr lang="en-US" i="1">
+                                <a:solidFill>
+                                  <a:schemeClr val="bg1"/>
+                                </a:solidFill>
+                                <a:latin typeface="Cambria Math" panose="02040503050406030204" pitchFamily="18" charset="0"/>
+                              </a:rPr>
+                            </m:ctrlPr>
+                          </m:sSubPr>
+                          <m:e>
+                            <m:r>
+                              <a:rPr lang="en-US" i="1">
+                                <a:solidFill>
+                                  <a:schemeClr val="bg1"/>
+                                </a:solidFill>
+                                <a:latin typeface="Cambria Math" panose="02040503050406030204" pitchFamily="18" charset="0"/>
+                              </a:rPr>
+                              <m:t>𝜃</m:t>
+                            </m:r>
+                          </m:e>
+                          <m:sub>
+                            <m:r>
+                              <a:rPr lang="en-US" i="1">
+                                <a:solidFill>
+                                  <a:schemeClr val="bg1"/>
+                                </a:solidFill>
+                                <a:latin typeface="Cambria Math" panose="02040503050406030204" pitchFamily="18" charset="0"/>
+                              </a:rPr>
+                              <m:t>𝑒</m:t>
+                            </m:r>
+                          </m:sub>
+                        </m:sSub>
+                      </m:e>
+                    </m:d>
+                    <m:r>
+                      <a:rPr lang="en-US" b="0" i="1" smtClean="0">
+                        <a:solidFill>
+                          <a:schemeClr val="bg1"/>
+                        </a:solidFill>
+                        <a:latin typeface="Cambria Math" panose="02040503050406030204" pitchFamily="18" charset="0"/>
+                      </a:rPr>
+                      <m:t> </m:t>
+                    </m:r>
+                  </m:oMath>
                 </a14:m>
-                <a:endParaRPr lang="en-US" i="1" dirty="0" smtClean="0">
+                <a:r>
+                  <a:rPr lang="en-US" i="1" dirty="0" smtClean="0">
+                    <a:solidFill>
+                      <a:schemeClr val="bg1"/>
+                    </a:solidFill>
+                  </a:rPr>
+                  <a:t> 			</a:t>
+                </a:r>
+                <a:r>
+                  <a:rPr lang="en-US" dirty="0" smtClean="0">
+                    <a:solidFill>
+                      <a:schemeClr val="bg1"/>
+                    </a:solidFill>
+                  </a:rPr>
+                  <a:t>(6)</a:t>
+                </a:r>
+                <a:endParaRPr lang="en-US" dirty="0" smtClean="0">
                   <a:solidFill>
                     <a:schemeClr val="bg1"/>
                   </a:solidFill>
@@ -12074,198 +14088,401 @@
                 </a:r>
               </a:p>
               <a:p>
-                <a:pPr lvl="0" algn="ctr"/>
-                <a:endParaRPr lang="en-US" i="1" dirty="0" smtClean="0">
-                  <a:solidFill>
-                    <a:schemeClr val="bg1"/>
-                  </a:solidFill>
-                </a:endParaRPr>
-              </a:p>
-              <a:p>
                 <a:pPr lvl="0"/>
                 <a14:m>
-                  <m:oMathPara xmlns:m="http://schemas.openxmlformats.org/officeDocument/2006/math">
-                    <m:oMathParaPr>
-                      <m:jc m:val="left"/>
-                    </m:oMathParaPr>
-                    <m:oMath xmlns:m="http://schemas.openxmlformats.org/officeDocument/2006/math">
-                      <m:r>
-                        <a:rPr lang="en-US" i="1" smtClean="0">
-                          <a:solidFill>
-                            <a:schemeClr val="bg1"/>
-                          </a:solidFill>
-                        </a:rPr>
-                        <m:t>𝑟</m:t>
-                      </m:r>
-                      <m:d>
-                        <m:dPr>
-                          <m:ctrlPr>
-                            <a:rPr lang="en-US" i="1">
-                              <a:solidFill>
-                                <a:schemeClr val="bg1"/>
-                              </a:solidFill>
-                            </a:rPr>
-                          </m:ctrlPr>
-                        </m:dPr>
-                        <m:e>
-                          <m:r>
-                            <a:rPr lang="en-US" i="1">
-                              <a:solidFill>
-                                <a:schemeClr val="bg1"/>
-                              </a:solidFill>
-                            </a:rPr>
-                            <m:t>𝑡</m:t>
-                          </m:r>
-                        </m:e>
-                      </m:d>
-                      <m:r>
-                        <a:rPr lang="en-US" i="1">
-                          <a:solidFill>
-                            <a:schemeClr val="bg1"/>
-                          </a:solidFill>
-                        </a:rPr>
-                        <m:t>=</m:t>
-                      </m:r>
-                      <m:r>
-                        <a:rPr lang="en-US" i="1">
-                          <a:solidFill>
-                            <a:schemeClr val="bg1"/>
-                          </a:solidFill>
-                        </a:rPr>
-                        <m:t>𝑚</m:t>
-                      </m:r>
-                      <m:d>
-                        <m:dPr>
-                          <m:ctrlPr>
-                            <a:rPr lang="en-US" i="1">
-                              <a:solidFill>
-                                <a:schemeClr val="bg1"/>
-                              </a:solidFill>
-                            </a:rPr>
-                          </m:ctrlPr>
-                        </m:dPr>
-                        <m:e>
-                          <m:r>
-                            <a:rPr lang="en-US" i="1">
-                              <a:solidFill>
-                                <a:schemeClr val="bg1"/>
-                              </a:solidFill>
-                            </a:rPr>
-                            <m:t>𝑡</m:t>
-                          </m:r>
-                        </m:e>
-                      </m:d>
-                      <m:r>
-                        <a:rPr lang="en-US" i="1">
-                          <a:solidFill>
-                            <a:schemeClr val="bg1"/>
-                          </a:solidFill>
-                        </a:rPr>
-                        <m:t>𝐴</m:t>
-                      </m:r>
-                      <m:func>
-                        <m:funcPr>
-                          <m:ctrlPr>
-                            <a:rPr lang="en-US" i="1">
-                              <a:solidFill>
-                                <a:schemeClr val="bg1"/>
-                              </a:solidFill>
-                            </a:rPr>
-                          </m:ctrlPr>
-                        </m:funcPr>
-                        <m:fName>
-                          <m:r>
-                            <m:rPr>
-                              <m:sty m:val="p"/>
-                            </m:rPr>
-                            <a:rPr lang="en-US">
-                              <a:solidFill>
-                                <a:schemeClr val="bg1"/>
-                              </a:solidFill>
-                            </a:rPr>
-                            <m:t>cos</m:t>
-                          </m:r>
-                        </m:fName>
-                        <m:e>
-                          <m:d>
-                            <m:dPr>
-                              <m:ctrlPr>
-                                <a:rPr lang="en-US" i="1">
-                                  <a:solidFill>
-                                    <a:schemeClr val="bg1"/>
-                                  </a:solidFill>
-                                </a:rPr>
-                              </m:ctrlPr>
-                            </m:dPr>
-                            <m:e>
-                              <m:r>
-                                <a:rPr lang="en-US" i="1">
-                                  <a:solidFill>
-                                    <a:schemeClr val="bg1"/>
-                                  </a:solidFill>
-                                </a:rPr>
-                                <m:t>𝜔</m:t>
-                              </m:r>
-                              <m:r>
-                                <a:rPr lang="en-US" i="1">
-                                  <a:solidFill>
-                                    <a:schemeClr val="bg1"/>
-                                  </a:solidFill>
-                                </a:rPr>
-                                <m:t>𝑡</m:t>
-                              </m:r>
-                            </m:e>
-                          </m:d>
-                        </m:e>
-                      </m:func>
-                      <m:r>
-                        <a:rPr lang="en-US" i="1">
-                          <a:solidFill>
-                            <a:schemeClr val="bg1"/>
-                          </a:solidFill>
-                        </a:rPr>
-                        <m:t>,              </m:t>
-                      </m:r>
-                      <m:r>
-                        <a:rPr lang="en-US" i="1">
-                          <a:solidFill>
-                            <a:schemeClr val="bg1"/>
-                          </a:solidFill>
-                        </a:rPr>
-                        <m:t>𝑚</m:t>
-                      </m:r>
-                      <m:d>
-                        <m:dPr>
-                          <m:ctrlPr>
-                            <a:rPr lang="en-US" i="1">
-                              <a:solidFill>
-                                <a:schemeClr val="bg1"/>
-                              </a:solidFill>
-                            </a:rPr>
-                          </m:ctrlPr>
-                        </m:dPr>
-                        <m:e>
-                          <m:r>
-                            <a:rPr lang="en-US" i="1">
-                              <a:solidFill>
-                                <a:schemeClr val="bg1"/>
-                              </a:solidFill>
-                            </a:rPr>
-                            <m:t>𝑡</m:t>
-                          </m:r>
-                        </m:e>
-                      </m:d>
-                      <m:r>
-                        <a:rPr lang="en-US" i="1">
-                          <a:solidFill>
-                            <a:schemeClr val="bg1"/>
-                          </a:solidFill>
-                        </a:rPr>
-                        <m:t>=±1</m:t>
-                      </m:r>
-                    </m:oMath>
-                  </m:oMathPara>
+                  <m:oMath xmlns:m="http://schemas.openxmlformats.org/officeDocument/2006/math">
+                    <m:sSub>
+                      <m:sSubPr>
+                        <m:ctrlPr>
+                          <a:rPr lang="en-US" i="1">
+                            <a:solidFill>
+                              <a:schemeClr val="bg1"/>
+                            </a:solidFill>
+                            <a:latin typeface="Cambria Math" panose="02040503050406030204" pitchFamily="18" charset="0"/>
+                          </a:rPr>
+                        </m:ctrlPr>
+                      </m:sSubPr>
+                      <m:e>
+                        <m:r>
+                          <a:rPr lang="en-US" i="1">
+                            <a:solidFill>
+                              <a:schemeClr val="bg1"/>
+                            </a:solidFill>
+                            <a:latin typeface="Cambria Math" panose="02040503050406030204" pitchFamily="18" charset="0"/>
+                          </a:rPr>
+                          <m:t>𝐼</m:t>
+                        </m:r>
+                      </m:e>
+                      <m:sub>
+                        <m:r>
+                          <a:rPr lang="en-US" i="1">
+                            <a:solidFill>
+                              <a:schemeClr val="bg1"/>
+                            </a:solidFill>
+                            <a:latin typeface="Cambria Math" panose="02040503050406030204" pitchFamily="18" charset="0"/>
+                          </a:rPr>
+                          <m:t>1</m:t>
+                        </m:r>
+                      </m:sub>
+                    </m:sSub>
+                    <m:d>
+                      <m:dPr>
+                        <m:ctrlPr>
+                          <a:rPr lang="en-US" i="1">
+                            <a:solidFill>
+                              <a:schemeClr val="bg1"/>
+                            </a:solidFill>
+                            <a:latin typeface="Cambria Math" panose="02040503050406030204" pitchFamily="18" charset="0"/>
+                          </a:rPr>
+                        </m:ctrlPr>
+                      </m:dPr>
+                      <m:e>
+                        <m:r>
+                          <a:rPr lang="en-US" i="1">
+                            <a:solidFill>
+                              <a:schemeClr val="bg1"/>
+                            </a:solidFill>
+                            <a:latin typeface="Cambria Math" panose="02040503050406030204" pitchFamily="18" charset="0"/>
+                          </a:rPr>
+                          <m:t>𝑡</m:t>
+                        </m:r>
+                      </m:e>
+                    </m:d>
+                    <m:r>
+                      <a:rPr lang="en-US" i="1">
+                        <a:solidFill>
+                          <a:schemeClr val="bg1"/>
+                        </a:solidFill>
+                        <a:latin typeface="Cambria Math" panose="02040503050406030204" pitchFamily="18" charset="0"/>
+                      </a:rPr>
+                      <m:t>=</m:t>
+                    </m:r>
+                    <m:r>
+                      <a:rPr lang="en-US" i="1">
+                        <a:solidFill>
+                          <a:schemeClr val="bg1"/>
+                        </a:solidFill>
+                        <a:latin typeface="Cambria Math" panose="02040503050406030204" pitchFamily="18" charset="0"/>
+                      </a:rPr>
+                      <m:t>𝑟</m:t>
+                    </m:r>
+                    <m:d>
+                      <m:dPr>
+                        <m:ctrlPr>
+                          <a:rPr lang="en-US" i="1">
+                            <a:solidFill>
+                              <a:schemeClr val="bg1"/>
+                            </a:solidFill>
+                            <a:latin typeface="Cambria Math" panose="02040503050406030204" pitchFamily="18" charset="0"/>
+                          </a:rPr>
+                        </m:ctrlPr>
+                      </m:dPr>
+                      <m:e>
+                        <m:r>
+                          <a:rPr lang="en-US" i="1">
+                            <a:solidFill>
+                              <a:schemeClr val="bg1"/>
+                            </a:solidFill>
+                            <a:latin typeface="Cambria Math" panose="02040503050406030204" pitchFamily="18" charset="0"/>
+                          </a:rPr>
+                          <m:t>𝑡</m:t>
+                        </m:r>
+                      </m:e>
+                    </m:d>
+                    <m:sSub>
+                      <m:sSubPr>
+                        <m:ctrlPr>
+                          <a:rPr lang="en-US" i="1">
+                            <a:solidFill>
+                              <a:schemeClr val="bg1"/>
+                            </a:solidFill>
+                            <a:latin typeface="Cambria Math" panose="02040503050406030204" pitchFamily="18" charset="0"/>
+                          </a:rPr>
+                        </m:ctrlPr>
+                      </m:sSubPr>
+                      <m:e>
+                        <m:r>
+                          <a:rPr lang="en-US" i="1">
+                            <a:solidFill>
+                              <a:schemeClr val="bg1"/>
+                            </a:solidFill>
+                            <a:latin typeface="Cambria Math" panose="02040503050406030204" pitchFamily="18" charset="0"/>
+                          </a:rPr>
+                          <m:t>𝑠</m:t>
+                        </m:r>
+                      </m:e>
+                      <m:sub>
+                        <m:r>
+                          <a:rPr lang="en-US" i="1">
+                            <a:solidFill>
+                              <a:schemeClr val="bg1"/>
+                            </a:solidFill>
+                            <a:latin typeface="Cambria Math" panose="02040503050406030204" pitchFamily="18" charset="0"/>
+                          </a:rPr>
+                          <m:t>1</m:t>
+                        </m:r>
+                      </m:sub>
+                    </m:sSub>
+                    <m:d>
+                      <m:dPr>
+                        <m:ctrlPr>
+                          <a:rPr lang="en-US" i="1">
+                            <a:solidFill>
+                              <a:schemeClr val="bg1"/>
+                            </a:solidFill>
+                            <a:latin typeface="Cambria Math" panose="02040503050406030204" pitchFamily="18" charset="0"/>
+                          </a:rPr>
+                        </m:ctrlPr>
+                      </m:dPr>
+                      <m:e>
+                        <m:r>
+                          <a:rPr lang="en-US" i="1">
+                            <a:solidFill>
+                              <a:schemeClr val="bg1"/>
+                            </a:solidFill>
+                            <a:latin typeface="Cambria Math" panose="02040503050406030204" pitchFamily="18" charset="0"/>
+                          </a:rPr>
+                          <m:t>𝑡</m:t>
+                        </m:r>
+                      </m:e>
+                    </m:d>
+                    <m:r>
+                      <a:rPr lang="en-US" i="1">
+                        <a:solidFill>
+                          <a:schemeClr val="bg1"/>
+                        </a:solidFill>
+                        <a:latin typeface="Cambria Math" panose="02040503050406030204" pitchFamily="18" charset="0"/>
+                      </a:rPr>
+                      <m:t>= </m:t>
+                    </m:r>
+                    <m:f>
+                      <m:fPr>
+                        <m:ctrlPr>
+                          <a:rPr lang="en-US" i="1">
+                            <a:solidFill>
+                              <a:schemeClr val="bg1"/>
+                            </a:solidFill>
+                            <a:latin typeface="Cambria Math" panose="02040503050406030204" pitchFamily="18" charset="0"/>
+                          </a:rPr>
+                        </m:ctrlPr>
+                      </m:fPr>
+                      <m:num>
+                        <m:sSup>
+                          <m:sSupPr>
+                            <m:ctrlPr>
+                              <a:rPr lang="en-US" i="1">
+                                <a:solidFill>
+                                  <a:schemeClr val="bg1"/>
+                                </a:solidFill>
+                                <a:latin typeface="Cambria Math" panose="02040503050406030204" pitchFamily="18" charset="0"/>
+                              </a:rPr>
+                            </m:ctrlPr>
+                          </m:sSupPr>
+                          <m:e>
+                            <m:r>
+                              <a:rPr lang="en-US" i="1">
+                                <a:solidFill>
+                                  <a:schemeClr val="bg1"/>
+                                </a:solidFill>
+                                <a:latin typeface="Cambria Math" panose="02040503050406030204" pitchFamily="18" charset="0"/>
+                              </a:rPr>
+                              <m:t>𝐴</m:t>
+                            </m:r>
+                          </m:e>
+                          <m:sup>
+                            <m:r>
+                              <a:rPr lang="en-US" i="1">
+                                <a:solidFill>
+                                  <a:schemeClr val="bg1"/>
+                                </a:solidFill>
+                                <a:latin typeface="Cambria Math" panose="02040503050406030204" pitchFamily="18" charset="0"/>
+                              </a:rPr>
+                              <m:t>2</m:t>
+                            </m:r>
+                          </m:sup>
+                        </m:sSup>
+                      </m:num>
+                      <m:den>
+                        <m:r>
+                          <a:rPr lang="en-US" i="1">
+                            <a:solidFill>
+                              <a:schemeClr val="bg1"/>
+                            </a:solidFill>
+                            <a:latin typeface="Cambria Math" panose="02040503050406030204" pitchFamily="18" charset="0"/>
+                          </a:rPr>
+                          <m:t>2</m:t>
+                        </m:r>
+                      </m:den>
+                    </m:f>
+                    <m:d>
+                      <m:dPr>
+                        <m:begChr m:val="["/>
+                        <m:endChr m:val="]"/>
+                        <m:ctrlPr>
+                          <a:rPr lang="en-US" i="1">
+                            <a:solidFill>
+                              <a:schemeClr val="bg1"/>
+                            </a:solidFill>
+                            <a:latin typeface="Cambria Math" panose="02040503050406030204" pitchFamily="18" charset="0"/>
+                          </a:rPr>
+                        </m:ctrlPr>
+                      </m:dPr>
+                      <m:e>
+                        <m:r>
+                          <a:rPr lang="en-US" i="1">
+                            <a:solidFill>
+                              <a:schemeClr val="bg1"/>
+                            </a:solidFill>
+                            <a:latin typeface="Cambria Math" panose="02040503050406030204" pitchFamily="18" charset="0"/>
+                          </a:rPr>
+                          <m:t>𝑚</m:t>
+                        </m:r>
+                        <m:d>
+                          <m:dPr>
+                            <m:ctrlPr>
+                              <a:rPr lang="en-US" i="1">
+                                <a:solidFill>
+                                  <a:schemeClr val="bg1"/>
+                                </a:solidFill>
+                                <a:latin typeface="Cambria Math" panose="02040503050406030204" pitchFamily="18" charset="0"/>
+                              </a:rPr>
+                            </m:ctrlPr>
+                          </m:dPr>
+                          <m:e>
+                            <m:r>
+                              <a:rPr lang="en-US" i="1">
+                                <a:solidFill>
+                                  <a:schemeClr val="bg1"/>
+                                </a:solidFill>
+                                <a:latin typeface="Cambria Math" panose="02040503050406030204" pitchFamily="18" charset="0"/>
+                              </a:rPr>
+                              <m:t>𝑡</m:t>
+                            </m:r>
+                          </m:e>
+                        </m:d>
+                        <m:r>
+                          <a:rPr lang="en-US" i="1">
+                            <a:solidFill>
+                              <a:schemeClr val="bg1"/>
+                            </a:solidFill>
+                            <a:latin typeface="Cambria Math" panose="02040503050406030204" pitchFamily="18" charset="0"/>
+                          </a:rPr>
+                          <m:t>+</m:t>
+                        </m:r>
+                        <m:r>
+                          <a:rPr lang="en-US" i="1">
+                            <a:solidFill>
+                              <a:schemeClr val="bg1"/>
+                            </a:solidFill>
+                            <a:latin typeface="Cambria Math" panose="02040503050406030204" pitchFamily="18" charset="0"/>
+                          </a:rPr>
+                          <m:t>𝑚</m:t>
+                        </m:r>
+                        <m:d>
+                          <m:dPr>
+                            <m:ctrlPr>
+                              <a:rPr lang="en-US" i="1">
+                                <a:solidFill>
+                                  <a:schemeClr val="bg1"/>
+                                </a:solidFill>
+                                <a:latin typeface="Cambria Math" panose="02040503050406030204" pitchFamily="18" charset="0"/>
+                              </a:rPr>
+                            </m:ctrlPr>
+                          </m:dPr>
+                          <m:e>
+                            <m:r>
+                              <a:rPr lang="en-US" i="1">
+                                <a:solidFill>
+                                  <a:schemeClr val="bg1"/>
+                                </a:solidFill>
+                                <a:latin typeface="Cambria Math" panose="02040503050406030204" pitchFamily="18" charset="0"/>
+                              </a:rPr>
+                              <m:t>𝑡</m:t>
+                            </m:r>
+                          </m:e>
+                        </m:d>
+                        <m:sSup>
+                          <m:sSupPr>
+                            <m:ctrlPr>
+                              <a:rPr lang="en-US" i="1" smtClean="0">
+                                <a:solidFill>
+                                  <a:schemeClr val="bg1"/>
+                                </a:solidFill>
+                                <a:latin typeface="Cambria Math" panose="02040503050406030204" pitchFamily="18" charset="0"/>
+                              </a:rPr>
+                            </m:ctrlPr>
+                          </m:sSupPr>
+                          <m:e>
+                            <m:r>
+                              <a:rPr lang="en-US" b="0" i="1" smtClean="0">
+                                <a:solidFill>
+                                  <a:schemeClr val="bg1"/>
+                                </a:solidFill>
+                                <a:latin typeface="Cambria Math" panose="02040503050406030204" pitchFamily="18" charset="0"/>
+                              </a:rPr>
+                              <m:t>𝑐𝑜𝑠</m:t>
+                            </m:r>
+                          </m:e>
+                          <m:sup>
+                            <m:r>
+                              <a:rPr lang="en-US" b="0" i="1" smtClean="0">
+                                <a:solidFill>
+                                  <a:schemeClr val="bg1"/>
+                                </a:solidFill>
+                                <a:latin typeface="Cambria Math" panose="02040503050406030204" pitchFamily="18" charset="0"/>
+                              </a:rPr>
+                              <m:t>2</m:t>
+                            </m:r>
+                          </m:sup>
+                        </m:sSup>
+                        <m:r>
+                          <a:rPr lang="en-US" i="1">
+                            <a:solidFill>
+                              <a:schemeClr val="bg1"/>
+                            </a:solidFill>
+                            <a:latin typeface="Cambria Math" panose="02040503050406030204" pitchFamily="18" charset="0"/>
+                          </a:rPr>
+                          <m:t>(2</m:t>
+                        </m:r>
+                        <m:r>
+                          <a:rPr lang="en-US" i="1">
+                            <a:solidFill>
+                              <a:schemeClr val="bg1"/>
+                            </a:solidFill>
+                            <a:latin typeface="Cambria Math" panose="02040503050406030204" pitchFamily="18" charset="0"/>
+                          </a:rPr>
+                          <m:t>𝜔</m:t>
+                        </m:r>
+                        <m:r>
+                          <a:rPr lang="en-US" i="1">
+                            <a:solidFill>
+                              <a:schemeClr val="bg1"/>
+                            </a:solidFill>
+                            <a:latin typeface="Cambria Math" panose="02040503050406030204" pitchFamily="18" charset="0"/>
+                          </a:rPr>
+                          <m:t>𝑡</m:t>
+                        </m:r>
+                        <m:r>
+                          <a:rPr lang="en-US" i="1">
+                            <a:solidFill>
+                              <a:schemeClr val="bg1"/>
+                            </a:solidFill>
+                            <a:latin typeface="Cambria Math" panose="02040503050406030204" pitchFamily="18" charset="0"/>
+                          </a:rPr>
+                          <m:t>)</m:t>
+                        </m:r>
+                      </m:e>
+                    </m:d>
+                  </m:oMath>
                 </a14:m>
+                <a:r>
+                  <a:rPr lang="en-US" dirty="0" smtClean="0">
+                    <a:solidFill>
+                      <a:schemeClr val="bg1"/>
+                    </a:solidFill>
+                  </a:rPr>
+                  <a:t> 	(7)</a:t>
+                </a:r>
                 <a:endParaRPr lang="en-US" dirty="0">
                   <a:solidFill>
                     <a:schemeClr val="bg1"/>
@@ -12275,111 +14492,269 @@
               <a:p>
                 <a:pPr lvl="0"/>
                 <a14:m>
-                  <m:oMathPara xmlns:m="http://schemas.openxmlformats.org/officeDocument/2006/math">
-                    <m:oMathParaPr>
-                      <m:jc m:val="left"/>
-                    </m:oMathParaPr>
-                    <m:oMath xmlns:m="http://schemas.openxmlformats.org/officeDocument/2006/math">
-                      <m:sSub>
-                        <m:sSubPr>
-                          <m:ctrlPr>
-                            <a:rPr lang="en-US" i="1">
-                              <a:solidFill>
-                                <a:schemeClr val="bg1"/>
-                              </a:solidFill>
-                            </a:rPr>
-                          </m:ctrlPr>
-                        </m:sSubPr>
-                        <m:e>
-                          <m:r>
-                            <a:rPr lang="en-US" i="1">
-                              <a:solidFill>
-                                <a:schemeClr val="bg1"/>
-                              </a:solidFill>
-                            </a:rPr>
-                            <m:t>𝑠</m:t>
-                          </m:r>
-                        </m:e>
-                        <m:sub>
-                          <m:r>
-                            <a:rPr lang="en-US" i="1">
-                              <a:solidFill>
-                                <a:schemeClr val="bg1"/>
-                              </a:solidFill>
-                            </a:rPr>
-                            <m:t>1</m:t>
-                          </m:r>
-                        </m:sub>
-                      </m:sSub>
-                      <m:d>
-                        <m:dPr>
-                          <m:ctrlPr>
-                            <a:rPr lang="en-US" i="1">
-                              <a:solidFill>
-                                <a:schemeClr val="bg1"/>
-                              </a:solidFill>
-                            </a:rPr>
-                          </m:ctrlPr>
-                        </m:dPr>
-                        <m:e>
-                          <m:r>
-                            <a:rPr lang="en-US" i="1">
-                              <a:solidFill>
-                                <a:schemeClr val="bg1"/>
-                              </a:solidFill>
-                            </a:rPr>
-                            <m:t>𝑡</m:t>
-                          </m:r>
-                        </m:e>
-                      </m:d>
-                      <m:r>
-                        <a:rPr lang="en-US" i="1">
-                          <a:solidFill>
-                            <a:schemeClr val="bg1"/>
-                          </a:solidFill>
-                        </a:rPr>
-                        <m:t>=</m:t>
-                      </m:r>
-                      <m:r>
-                        <a:rPr lang="en-US" i="1">
-                          <a:solidFill>
-                            <a:schemeClr val="bg1"/>
-                          </a:solidFill>
-                        </a:rPr>
-                        <m:t>𝐴𝑐𝑜𝑠</m:t>
-                      </m:r>
-                      <m:d>
-                        <m:dPr>
-                          <m:ctrlPr>
-                            <a:rPr lang="en-US" i="1">
-                              <a:solidFill>
-                                <a:schemeClr val="bg1"/>
-                              </a:solidFill>
-                            </a:rPr>
-                          </m:ctrlPr>
-                        </m:dPr>
-                        <m:e>
-                          <m:r>
-                            <a:rPr lang="en-US" i="1">
-                              <a:solidFill>
-                                <a:schemeClr val="bg1"/>
-                              </a:solidFill>
-                            </a:rPr>
-                            <m:t>𝜔</m:t>
-                          </m:r>
-                          <m:r>
-                            <a:rPr lang="en-US" i="1">
-                              <a:solidFill>
-                                <a:schemeClr val="bg1"/>
-                              </a:solidFill>
-                            </a:rPr>
-                            <m:t>𝑡</m:t>
-                          </m:r>
-                        </m:e>
-                      </m:d>
-                    </m:oMath>
-                  </m:oMathPara>
+                  <m:oMath xmlns:m="http://schemas.openxmlformats.org/officeDocument/2006/math">
+                    <m:sSub>
+                      <m:sSubPr>
+                        <m:ctrlPr>
+                          <a:rPr lang="en-US" i="1">
+                            <a:solidFill>
+                              <a:schemeClr val="bg1"/>
+                            </a:solidFill>
+                            <a:latin typeface="Cambria Math" panose="02040503050406030204" pitchFamily="18" charset="0"/>
+                          </a:rPr>
+                        </m:ctrlPr>
+                      </m:sSubPr>
+                      <m:e>
+                        <m:r>
+                          <a:rPr lang="en-US" i="1">
+                            <a:solidFill>
+                              <a:schemeClr val="bg1"/>
+                            </a:solidFill>
+                            <a:latin typeface="Cambria Math" panose="02040503050406030204" pitchFamily="18" charset="0"/>
+                          </a:rPr>
+                          <m:t>𝐼</m:t>
+                        </m:r>
+                      </m:e>
+                      <m:sub>
+                        <m:r>
+                          <a:rPr lang="en-US" i="1">
+                            <a:solidFill>
+                              <a:schemeClr val="bg1"/>
+                            </a:solidFill>
+                            <a:latin typeface="Cambria Math" panose="02040503050406030204" pitchFamily="18" charset="0"/>
+                          </a:rPr>
+                          <m:t>2</m:t>
+                        </m:r>
+                      </m:sub>
+                    </m:sSub>
+                    <m:d>
+                      <m:dPr>
+                        <m:ctrlPr>
+                          <a:rPr lang="en-US" i="1">
+                            <a:solidFill>
+                              <a:schemeClr val="bg1"/>
+                            </a:solidFill>
+                            <a:latin typeface="Cambria Math" panose="02040503050406030204" pitchFamily="18" charset="0"/>
+                          </a:rPr>
+                        </m:ctrlPr>
+                      </m:dPr>
+                      <m:e>
+                        <m:r>
+                          <a:rPr lang="en-US" i="1">
+                            <a:solidFill>
+                              <a:schemeClr val="bg1"/>
+                            </a:solidFill>
+                            <a:latin typeface="Cambria Math" panose="02040503050406030204" pitchFamily="18" charset="0"/>
+                          </a:rPr>
+                          <m:t>𝑡</m:t>
+                        </m:r>
+                      </m:e>
+                    </m:d>
+                    <m:r>
+                      <a:rPr lang="en-US" i="1">
+                        <a:solidFill>
+                          <a:schemeClr val="bg1"/>
+                        </a:solidFill>
+                        <a:latin typeface="Cambria Math" panose="02040503050406030204" pitchFamily="18" charset="0"/>
+                      </a:rPr>
+                      <m:t>=</m:t>
+                    </m:r>
+                    <m:r>
+                      <a:rPr lang="en-US" i="1">
+                        <a:solidFill>
+                          <a:schemeClr val="bg1"/>
+                        </a:solidFill>
+                        <a:latin typeface="Cambria Math" panose="02040503050406030204" pitchFamily="18" charset="0"/>
+                      </a:rPr>
+                      <m:t>𝐿𝑃𝐹</m:t>
+                    </m:r>
+                    <m:d>
+                      <m:dPr>
+                        <m:begChr m:val="{"/>
+                        <m:endChr m:val="}"/>
+                        <m:ctrlPr>
+                          <a:rPr lang="en-US" i="1">
+                            <a:solidFill>
+                              <a:schemeClr val="bg1"/>
+                            </a:solidFill>
+                            <a:latin typeface="Cambria Math" panose="02040503050406030204" pitchFamily="18" charset="0"/>
+                          </a:rPr>
+                        </m:ctrlPr>
+                      </m:dPr>
+                      <m:e>
+                        <m:sSub>
+                          <m:sSubPr>
+                            <m:ctrlPr>
+                              <a:rPr lang="en-US" i="1">
+                                <a:solidFill>
+                                  <a:schemeClr val="bg1"/>
+                                </a:solidFill>
+                                <a:latin typeface="Cambria Math" panose="02040503050406030204" pitchFamily="18" charset="0"/>
+                              </a:rPr>
+                            </m:ctrlPr>
+                          </m:sSubPr>
+                          <m:e>
+                            <m:r>
+                              <a:rPr lang="en-US" i="1">
+                                <a:solidFill>
+                                  <a:schemeClr val="bg1"/>
+                                </a:solidFill>
+                                <a:latin typeface="Cambria Math" panose="02040503050406030204" pitchFamily="18" charset="0"/>
+                              </a:rPr>
+                              <m:t>𝐼</m:t>
+                            </m:r>
+                          </m:e>
+                          <m:sub>
+                            <m:r>
+                              <a:rPr lang="en-US" i="1">
+                                <a:solidFill>
+                                  <a:schemeClr val="bg1"/>
+                                </a:solidFill>
+                                <a:latin typeface="Cambria Math" panose="02040503050406030204" pitchFamily="18" charset="0"/>
+                              </a:rPr>
+                              <m:t>1</m:t>
+                            </m:r>
+                          </m:sub>
+                        </m:sSub>
+                        <m:r>
+                          <a:rPr lang="en-US" i="1">
+                            <a:solidFill>
+                              <a:schemeClr val="bg1"/>
+                            </a:solidFill>
+                            <a:latin typeface="Cambria Math" panose="02040503050406030204" pitchFamily="18" charset="0"/>
+                          </a:rPr>
+                          <m:t>(</m:t>
+                        </m:r>
+                        <m:r>
+                          <a:rPr lang="en-US" i="1">
+                            <a:solidFill>
+                              <a:schemeClr val="bg1"/>
+                            </a:solidFill>
+                            <a:latin typeface="Cambria Math" panose="02040503050406030204" pitchFamily="18" charset="0"/>
+                          </a:rPr>
+                          <m:t>𝑡</m:t>
+                        </m:r>
+                        <m:r>
+                          <a:rPr lang="en-US" i="1">
+                            <a:solidFill>
+                              <a:schemeClr val="bg1"/>
+                            </a:solidFill>
+                            <a:latin typeface="Cambria Math" panose="02040503050406030204" pitchFamily="18" charset="0"/>
+                          </a:rPr>
+                          <m:t>)</m:t>
+                        </m:r>
+                      </m:e>
+                    </m:d>
+                    <m:r>
+                      <a:rPr lang="en-US" i="1">
+                        <a:solidFill>
+                          <a:schemeClr val="bg1"/>
+                        </a:solidFill>
+                        <a:latin typeface="Cambria Math" panose="02040503050406030204" pitchFamily="18" charset="0"/>
+                      </a:rPr>
+                      <m:t>=</m:t>
+                    </m:r>
+                    <m:f>
+                      <m:fPr>
+                        <m:ctrlPr>
+                          <a:rPr lang="en-US" i="1">
+                            <a:solidFill>
+                              <a:schemeClr val="bg1"/>
+                            </a:solidFill>
+                            <a:latin typeface="Cambria Math" panose="02040503050406030204" pitchFamily="18" charset="0"/>
+                          </a:rPr>
+                        </m:ctrlPr>
+                      </m:fPr>
+                      <m:num>
+                        <m:sSup>
+                          <m:sSupPr>
+                            <m:ctrlPr>
+                              <a:rPr lang="en-US" i="1">
+                                <a:solidFill>
+                                  <a:schemeClr val="bg1"/>
+                                </a:solidFill>
+                                <a:latin typeface="Cambria Math" panose="02040503050406030204" pitchFamily="18" charset="0"/>
+                              </a:rPr>
+                            </m:ctrlPr>
+                          </m:sSupPr>
+                          <m:e>
+                            <m:r>
+                              <a:rPr lang="en-US" i="1">
+                                <a:solidFill>
+                                  <a:schemeClr val="bg1"/>
+                                </a:solidFill>
+                                <a:latin typeface="Cambria Math" panose="02040503050406030204" pitchFamily="18" charset="0"/>
+                              </a:rPr>
+                              <m:t>𝐴</m:t>
+                            </m:r>
+                          </m:e>
+                          <m:sup>
+                            <m:r>
+                              <a:rPr lang="en-US" i="1">
+                                <a:solidFill>
+                                  <a:schemeClr val="bg1"/>
+                                </a:solidFill>
+                                <a:latin typeface="Cambria Math" panose="02040503050406030204" pitchFamily="18" charset="0"/>
+                              </a:rPr>
+                              <m:t>2</m:t>
+                            </m:r>
+                          </m:sup>
+                        </m:sSup>
+                      </m:num>
+                      <m:den>
+                        <m:r>
+                          <a:rPr lang="en-US" i="1">
+                            <a:solidFill>
+                              <a:schemeClr val="bg1"/>
+                            </a:solidFill>
+                            <a:latin typeface="Cambria Math" panose="02040503050406030204" pitchFamily="18" charset="0"/>
+                          </a:rPr>
+                          <m:t>2</m:t>
+                        </m:r>
+                      </m:den>
+                    </m:f>
+                    <m:r>
+                      <a:rPr lang="en-US" i="1">
+                        <a:solidFill>
+                          <a:schemeClr val="bg1"/>
+                        </a:solidFill>
+                        <a:latin typeface="Cambria Math" panose="02040503050406030204" pitchFamily="18" charset="0"/>
+                      </a:rPr>
+                      <m:t>𝑚</m:t>
+                    </m:r>
+                    <m:d>
+                      <m:dPr>
+                        <m:ctrlPr>
+                          <a:rPr lang="en-US" i="1">
+                            <a:solidFill>
+                              <a:schemeClr val="bg1"/>
+                            </a:solidFill>
+                            <a:latin typeface="Cambria Math" panose="02040503050406030204" pitchFamily="18" charset="0"/>
+                          </a:rPr>
+                        </m:ctrlPr>
+                      </m:dPr>
+                      <m:e>
+                        <m:r>
+                          <a:rPr lang="en-US" i="1">
+                            <a:solidFill>
+                              <a:schemeClr val="bg1"/>
+                            </a:solidFill>
+                            <a:latin typeface="Cambria Math" panose="02040503050406030204" pitchFamily="18" charset="0"/>
+                          </a:rPr>
+                          <m:t>𝑡</m:t>
+                        </m:r>
+                      </m:e>
+                    </m:d>
+                  </m:oMath>
                 </a14:m>
+                <a:r>
+                  <a:rPr lang="en-US" dirty="0" smtClean="0">
+                    <a:solidFill>
+                      <a:schemeClr val="bg1"/>
+                    </a:solidFill>
+                  </a:rPr>
+                  <a:t> 				(8)</a:t>
+                </a:r>
                 <a:endParaRPr lang="en-US" dirty="0">
                   <a:solidFill>
                     <a:schemeClr val="bg1"/>
@@ -12389,890 +14764,181 @@
               <a:p>
                 <a:pPr lvl="0"/>
                 <a14:m>
-                  <m:oMathPara xmlns:m="http://schemas.openxmlformats.org/officeDocument/2006/math">
-                    <m:oMathParaPr>
-                      <m:jc m:val="left"/>
-                    </m:oMathParaPr>
-                    <m:oMath xmlns:m="http://schemas.openxmlformats.org/officeDocument/2006/math">
-                      <m:sSub>
-                        <m:sSubPr>
-                          <m:ctrlPr>
-                            <a:rPr lang="en-US" i="1">
-                              <a:solidFill>
-                                <a:schemeClr val="bg1"/>
-                              </a:solidFill>
-                            </a:rPr>
-                          </m:ctrlPr>
-                        </m:sSubPr>
-                        <m:e>
-                          <m:r>
-                            <a:rPr lang="en-US" i="1">
-                              <a:solidFill>
-                                <a:schemeClr val="bg1"/>
-                              </a:solidFill>
-                            </a:rPr>
-                            <m:t>𝑠</m:t>
-                          </m:r>
-                        </m:e>
-                        <m:sub>
-                          <m:r>
-                            <a:rPr lang="en-US" i="1">
-                              <a:solidFill>
-                                <a:schemeClr val="bg1"/>
-                              </a:solidFill>
-                            </a:rPr>
-                            <m:t>2</m:t>
-                          </m:r>
-                        </m:sub>
-                      </m:sSub>
-                      <m:d>
-                        <m:dPr>
-                          <m:ctrlPr>
-                            <a:rPr lang="en-US" i="1">
-                              <a:solidFill>
-                                <a:schemeClr val="bg1"/>
-                              </a:solidFill>
-                            </a:rPr>
-                          </m:ctrlPr>
-                        </m:dPr>
-                        <m:e>
-                          <m:r>
-                            <a:rPr lang="en-US" i="1">
-                              <a:solidFill>
-                                <a:schemeClr val="bg1"/>
-                              </a:solidFill>
-                            </a:rPr>
-                            <m:t>𝑡</m:t>
-                          </m:r>
-                        </m:e>
-                      </m:d>
-                      <m:r>
-                        <a:rPr lang="en-US" i="1">
-                          <a:solidFill>
-                            <a:schemeClr val="bg1"/>
-                          </a:solidFill>
-                        </a:rPr>
-                        <m:t>=</m:t>
-                      </m:r>
-                      <m:r>
-                        <a:rPr lang="en-US" i="1">
-                          <a:solidFill>
-                            <a:schemeClr val="bg1"/>
-                          </a:solidFill>
-                        </a:rPr>
-                        <m:t>𝐴𝑠𝑖𝑛</m:t>
-                      </m:r>
-                      <m:d>
-                        <m:dPr>
-                          <m:ctrlPr>
-                            <a:rPr lang="en-US" i="1">
-                              <a:solidFill>
-                                <a:schemeClr val="bg1"/>
-                              </a:solidFill>
-                            </a:rPr>
-                          </m:ctrlPr>
-                        </m:dPr>
-                        <m:e>
-                          <m:r>
-                            <a:rPr lang="en-US" i="1">
-                              <a:solidFill>
-                                <a:schemeClr val="bg1"/>
-                              </a:solidFill>
-                            </a:rPr>
-                            <m:t>𝜔</m:t>
-                          </m:r>
-                          <m:r>
-                            <a:rPr lang="en-US" i="1">
-                              <a:solidFill>
-                                <a:schemeClr val="bg1"/>
-                              </a:solidFill>
-                            </a:rPr>
-                            <m:t>𝑡</m:t>
-                          </m:r>
-                        </m:e>
-                      </m:d>
-                    </m:oMath>
-                  </m:oMathPara>
+                  <m:oMath xmlns:m="http://schemas.openxmlformats.org/officeDocument/2006/math">
+                    <m:sSub>
+                      <m:sSubPr>
+                        <m:ctrlPr>
+                          <a:rPr lang="en-US" i="1">
+                            <a:solidFill>
+                              <a:schemeClr val="bg1"/>
+                            </a:solidFill>
+                            <a:latin typeface="Cambria Math" panose="02040503050406030204" pitchFamily="18" charset="0"/>
+                          </a:rPr>
+                        </m:ctrlPr>
+                      </m:sSubPr>
+                      <m:e>
+                        <m:r>
+                          <a:rPr lang="en-US" i="1">
+                            <a:solidFill>
+                              <a:schemeClr val="bg1"/>
+                            </a:solidFill>
+                            <a:latin typeface="Cambria Math" panose="02040503050406030204" pitchFamily="18" charset="0"/>
+                          </a:rPr>
+                          <m:t>𝑄</m:t>
+                        </m:r>
+                      </m:e>
+                      <m:sub>
+                        <m:r>
+                          <a:rPr lang="en-US" i="1">
+                            <a:solidFill>
+                              <a:schemeClr val="bg1"/>
+                            </a:solidFill>
+                            <a:latin typeface="Cambria Math" panose="02040503050406030204" pitchFamily="18" charset="0"/>
+                          </a:rPr>
+                          <m:t>1</m:t>
+                        </m:r>
+                      </m:sub>
+                    </m:sSub>
+                    <m:d>
+                      <m:dPr>
+                        <m:ctrlPr>
+                          <a:rPr lang="en-US" i="1">
+                            <a:solidFill>
+                              <a:schemeClr val="bg1"/>
+                            </a:solidFill>
+                            <a:latin typeface="Cambria Math" panose="02040503050406030204" pitchFamily="18" charset="0"/>
+                          </a:rPr>
+                        </m:ctrlPr>
+                      </m:dPr>
+                      <m:e>
+                        <m:r>
+                          <a:rPr lang="en-US" i="1">
+                            <a:solidFill>
+                              <a:schemeClr val="bg1"/>
+                            </a:solidFill>
+                            <a:latin typeface="Cambria Math" panose="02040503050406030204" pitchFamily="18" charset="0"/>
+                          </a:rPr>
+                          <m:t>𝑡</m:t>
+                        </m:r>
+                      </m:e>
+                    </m:d>
+                    <m:r>
+                      <a:rPr lang="en-US" i="1">
+                        <a:solidFill>
+                          <a:schemeClr val="bg1"/>
+                        </a:solidFill>
+                        <a:latin typeface="Cambria Math" panose="02040503050406030204" pitchFamily="18" charset="0"/>
+                      </a:rPr>
+                      <m:t>=</m:t>
+                    </m:r>
+                    <m:r>
+                      <a:rPr lang="en-US" i="1">
+                        <a:solidFill>
+                          <a:schemeClr val="bg1"/>
+                        </a:solidFill>
+                        <a:latin typeface="Cambria Math" panose="02040503050406030204" pitchFamily="18" charset="0"/>
+                      </a:rPr>
+                      <m:t>𝑟</m:t>
+                    </m:r>
+                    <m:d>
+                      <m:dPr>
+                        <m:ctrlPr>
+                          <a:rPr lang="en-US" i="1">
+                            <a:solidFill>
+                              <a:schemeClr val="bg1"/>
+                            </a:solidFill>
+                            <a:latin typeface="Cambria Math" panose="02040503050406030204" pitchFamily="18" charset="0"/>
+                          </a:rPr>
+                        </m:ctrlPr>
+                      </m:dPr>
+                      <m:e>
+                        <m:r>
+                          <a:rPr lang="en-US" i="1">
+                            <a:solidFill>
+                              <a:schemeClr val="bg1"/>
+                            </a:solidFill>
+                            <a:latin typeface="Cambria Math" panose="02040503050406030204" pitchFamily="18" charset="0"/>
+                          </a:rPr>
+                          <m:t>𝑡</m:t>
+                        </m:r>
+                      </m:e>
+                    </m:d>
+                    <m:sSub>
+                      <m:sSubPr>
+                        <m:ctrlPr>
+                          <a:rPr lang="en-US" i="1">
+                            <a:solidFill>
+                              <a:schemeClr val="bg1"/>
+                            </a:solidFill>
+                            <a:latin typeface="Cambria Math" panose="02040503050406030204" pitchFamily="18" charset="0"/>
+                          </a:rPr>
+                        </m:ctrlPr>
+                      </m:sSubPr>
+                      <m:e>
+                        <m:r>
+                          <a:rPr lang="en-US" i="1">
+                            <a:solidFill>
+                              <a:schemeClr val="bg1"/>
+                            </a:solidFill>
+                            <a:latin typeface="Cambria Math" panose="02040503050406030204" pitchFamily="18" charset="0"/>
+                          </a:rPr>
+                          <m:t>𝑠</m:t>
+                        </m:r>
+                      </m:e>
+                      <m:sub>
+                        <m:r>
+                          <a:rPr lang="en-US" i="1">
+                            <a:solidFill>
+                              <a:schemeClr val="bg1"/>
+                            </a:solidFill>
+                            <a:latin typeface="Cambria Math" panose="02040503050406030204" pitchFamily="18" charset="0"/>
+                          </a:rPr>
+                          <m:t>2</m:t>
+                        </m:r>
+                      </m:sub>
+                    </m:sSub>
+                    <m:d>
+                      <m:dPr>
+                        <m:ctrlPr>
+                          <a:rPr lang="en-US" i="1">
+                            <a:solidFill>
+                              <a:schemeClr val="bg1"/>
+                            </a:solidFill>
+                            <a:latin typeface="Cambria Math" panose="02040503050406030204" pitchFamily="18" charset="0"/>
+                          </a:rPr>
+                        </m:ctrlPr>
+                      </m:dPr>
+                      <m:e>
+                        <m:r>
+                          <a:rPr lang="en-US" i="1">
+                            <a:solidFill>
+                              <a:schemeClr val="bg1"/>
+                            </a:solidFill>
+                            <a:latin typeface="Cambria Math" panose="02040503050406030204" pitchFamily="18" charset="0"/>
+                          </a:rPr>
+                          <m:t>𝑡</m:t>
+                        </m:r>
+                      </m:e>
+                    </m:d>
+                    <m:r>
+                      <a:rPr lang="en-US" i="1">
+                        <a:solidFill>
+                          <a:schemeClr val="bg1"/>
+                        </a:solidFill>
+                        <a:latin typeface="Cambria Math" panose="02040503050406030204" pitchFamily="18" charset="0"/>
+                      </a:rPr>
+                      <m:t>= 0</m:t>
+                    </m:r>
+                  </m:oMath>
                 </a14:m>
-                <a:endParaRPr lang="en-US" dirty="0">
-                  <a:solidFill>
-                    <a:schemeClr val="bg1"/>
-                  </a:solidFill>
-                </a:endParaRPr>
-              </a:p>
-              <a:p>
-                <a:pPr lvl="0"/>
-                <a14:m>
-                  <m:oMathPara xmlns:m="http://schemas.openxmlformats.org/officeDocument/2006/math">
-                    <m:oMathParaPr>
-                      <m:jc m:val="left"/>
-                    </m:oMathParaPr>
-                    <m:oMath xmlns:m="http://schemas.openxmlformats.org/officeDocument/2006/math">
-                      <m:sSub>
-                        <m:sSubPr>
-                          <m:ctrlPr>
-                            <a:rPr lang="en-US" i="1">
-                              <a:solidFill>
-                                <a:schemeClr val="bg1"/>
-                              </a:solidFill>
-                            </a:rPr>
-                          </m:ctrlPr>
-                        </m:sSubPr>
-                        <m:e>
-                          <m:r>
-                            <a:rPr lang="en-US" i="1">
-                              <a:solidFill>
-                                <a:schemeClr val="bg1"/>
-                              </a:solidFill>
-                            </a:rPr>
-                            <m:t>𝐼</m:t>
-                          </m:r>
-                        </m:e>
-                        <m:sub>
-                          <m:r>
-                            <a:rPr lang="en-US" i="1">
-                              <a:solidFill>
-                                <a:schemeClr val="bg1"/>
-                              </a:solidFill>
-                            </a:rPr>
-                            <m:t>1</m:t>
-                          </m:r>
-                        </m:sub>
-                      </m:sSub>
-                      <m:d>
-                        <m:dPr>
-                          <m:ctrlPr>
-                            <a:rPr lang="en-US" i="1">
-                              <a:solidFill>
-                                <a:schemeClr val="bg1"/>
-                              </a:solidFill>
-                            </a:rPr>
-                          </m:ctrlPr>
-                        </m:dPr>
-                        <m:e>
-                          <m:r>
-                            <a:rPr lang="en-US" i="1">
-                              <a:solidFill>
-                                <a:schemeClr val="bg1"/>
-                              </a:solidFill>
-                            </a:rPr>
-                            <m:t>𝑡</m:t>
-                          </m:r>
-                        </m:e>
-                      </m:d>
-                      <m:r>
-                        <a:rPr lang="en-US" i="1">
-                          <a:solidFill>
-                            <a:schemeClr val="bg1"/>
-                          </a:solidFill>
-                        </a:rPr>
-                        <m:t>=</m:t>
-                      </m:r>
-                      <m:r>
-                        <a:rPr lang="en-US" i="1">
-                          <a:solidFill>
-                            <a:schemeClr val="bg1"/>
-                          </a:solidFill>
-                        </a:rPr>
-                        <m:t>𝑟</m:t>
-                      </m:r>
-                      <m:d>
-                        <m:dPr>
-                          <m:ctrlPr>
-                            <a:rPr lang="en-US" i="1">
-                              <a:solidFill>
-                                <a:schemeClr val="bg1"/>
-                              </a:solidFill>
-                            </a:rPr>
-                          </m:ctrlPr>
-                        </m:dPr>
-                        <m:e>
-                          <m:r>
-                            <a:rPr lang="en-US" i="1">
-                              <a:solidFill>
-                                <a:schemeClr val="bg1"/>
-                              </a:solidFill>
-                            </a:rPr>
-                            <m:t>𝑡</m:t>
-                          </m:r>
-                        </m:e>
-                      </m:d>
-                      <m:sSub>
-                        <m:sSubPr>
-                          <m:ctrlPr>
-                            <a:rPr lang="en-US" i="1">
-                              <a:solidFill>
-                                <a:schemeClr val="bg1"/>
-                              </a:solidFill>
-                            </a:rPr>
-                          </m:ctrlPr>
-                        </m:sSubPr>
-                        <m:e>
-                          <m:r>
-                            <a:rPr lang="en-US" i="1">
-                              <a:solidFill>
-                                <a:schemeClr val="bg1"/>
-                              </a:solidFill>
-                            </a:rPr>
-                            <m:t>𝑠</m:t>
-                          </m:r>
-                        </m:e>
-                        <m:sub>
-                          <m:r>
-                            <a:rPr lang="en-US" i="1">
-                              <a:solidFill>
-                                <a:schemeClr val="bg1"/>
-                              </a:solidFill>
-                            </a:rPr>
-                            <m:t>1</m:t>
-                          </m:r>
-                        </m:sub>
-                      </m:sSub>
-                      <m:d>
-                        <m:dPr>
-                          <m:ctrlPr>
-                            <a:rPr lang="en-US" i="1">
-                              <a:solidFill>
-                                <a:schemeClr val="bg1"/>
-                              </a:solidFill>
-                            </a:rPr>
-                          </m:ctrlPr>
-                        </m:dPr>
-                        <m:e>
-                          <m:r>
-                            <a:rPr lang="en-US" i="1">
-                              <a:solidFill>
-                                <a:schemeClr val="bg1"/>
-                              </a:solidFill>
-                            </a:rPr>
-                            <m:t>𝑡</m:t>
-                          </m:r>
-                        </m:e>
-                      </m:d>
-                      <m:r>
-                        <a:rPr lang="en-US" i="1">
-                          <a:solidFill>
-                            <a:schemeClr val="bg1"/>
-                          </a:solidFill>
-                        </a:rPr>
-                        <m:t>= </m:t>
-                      </m:r>
-                      <m:f>
-                        <m:fPr>
-                          <m:ctrlPr>
-                            <a:rPr lang="en-US" i="1">
-                              <a:solidFill>
-                                <a:schemeClr val="bg1"/>
-                              </a:solidFill>
-                            </a:rPr>
-                          </m:ctrlPr>
-                        </m:fPr>
-                        <m:num>
-                          <m:sSup>
-                            <m:sSupPr>
-                              <m:ctrlPr>
-                                <a:rPr lang="en-US" i="1">
-                                  <a:solidFill>
-                                    <a:schemeClr val="bg1"/>
-                                  </a:solidFill>
-                                </a:rPr>
-                              </m:ctrlPr>
-                            </m:sSupPr>
-                            <m:e>
-                              <m:r>
-                                <a:rPr lang="en-US" i="1">
-                                  <a:solidFill>
-                                    <a:schemeClr val="bg1"/>
-                                  </a:solidFill>
-                                </a:rPr>
-                                <m:t>𝐴</m:t>
-                              </m:r>
-                            </m:e>
-                            <m:sup>
-                              <m:r>
-                                <a:rPr lang="en-US" i="1">
-                                  <a:solidFill>
-                                    <a:schemeClr val="bg1"/>
-                                  </a:solidFill>
-                                </a:rPr>
-                                <m:t>2</m:t>
-                              </m:r>
-                            </m:sup>
-                          </m:sSup>
-                        </m:num>
-                        <m:den>
-                          <m:r>
-                            <a:rPr lang="en-US" i="1">
-                              <a:solidFill>
-                                <a:schemeClr val="bg1"/>
-                              </a:solidFill>
-                            </a:rPr>
-                            <m:t>2</m:t>
-                          </m:r>
-                        </m:den>
-                      </m:f>
-                      <m:d>
-                        <m:dPr>
-                          <m:begChr m:val="["/>
-                          <m:endChr m:val="]"/>
-                          <m:ctrlPr>
-                            <a:rPr lang="en-US" i="1">
-                              <a:solidFill>
-                                <a:schemeClr val="bg1"/>
-                              </a:solidFill>
-                            </a:rPr>
-                          </m:ctrlPr>
-                        </m:dPr>
-                        <m:e>
-                          <m:r>
-                            <a:rPr lang="en-US" i="1">
-                              <a:solidFill>
-                                <a:schemeClr val="bg1"/>
-                              </a:solidFill>
-                            </a:rPr>
-                            <m:t>𝑚</m:t>
-                          </m:r>
-                          <m:d>
-                            <m:dPr>
-                              <m:ctrlPr>
-                                <a:rPr lang="en-US" i="1">
-                                  <a:solidFill>
-                                    <a:schemeClr val="bg1"/>
-                                  </a:solidFill>
-                                </a:rPr>
-                              </m:ctrlPr>
-                            </m:dPr>
-                            <m:e>
-                              <m:r>
-                                <a:rPr lang="en-US" i="1">
-                                  <a:solidFill>
-                                    <a:schemeClr val="bg1"/>
-                                  </a:solidFill>
-                                </a:rPr>
-                                <m:t>𝑡</m:t>
-                              </m:r>
-                            </m:e>
-                          </m:d>
-                          <m:r>
-                            <a:rPr lang="en-US" i="1">
-                              <a:solidFill>
-                                <a:schemeClr val="bg1"/>
-                              </a:solidFill>
-                            </a:rPr>
-                            <m:t>+</m:t>
-                          </m:r>
-                          <m:r>
-                            <a:rPr lang="en-US" i="1">
-                              <a:solidFill>
-                                <a:schemeClr val="bg1"/>
-                              </a:solidFill>
-                            </a:rPr>
-                            <m:t>𝑚</m:t>
-                          </m:r>
-                          <m:d>
-                            <m:dPr>
-                              <m:ctrlPr>
-                                <a:rPr lang="en-US" i="1">
-                                  <a:solidFill>
-                                    <a:schemeClr val="bg1"/>
-                                  </a:solidFill>
-                                </a:rPr>
-                              </m:ctrlPr>
-                            </m:dPr>
-                            <m:e>
-                              <m:r>
-                                <a:rPr lang="en-US" i="1">
-                                  <a:solidFill>
-                                    <a:schemeClr val="bg1"/>
-                                  </a:solidFill>
-                                </a:rPr>
-                                <m:t>𝑡</m:t>
-                              </m:r>
-                            </m:e>
-                          </m:d>
-                          <m:sSup>
-                            <m:sSupPr>
-                              <m:ctrlPr>
-                                <a:rPr lang="en-US" i="1" smtClean="0">
-                                  <a:solidFill>
-                                    <a:schemeClr val="bg1"/>
-                                  </a:solidFill>
-                                  <a:latin typeface="Cambria Math" panose="02040503050406030204" pitchFamily="18" charset="0"/>
-                                </a:rPr>
-                              </m:ctrlPr>
-                            </m:sSupPr>
-                            <m:e>
-                              <m:r>
-                                <a:rPr lang="en-US" b="0" i="1" smtClean="0">
-                                  <a:solidFill>
-                                    <a:schemeClr val="bg1"/>
-                                  </a:solidFill>
-                                  <a:latin typeface="Cambria Math" panose="02040503050406030204" pitchFamily="18" charset="0"/>
-                                </a:rPr>
-                                <m:t>𝑐𝑜𝑠</m:t>
-                              </m:r>
-                            </m:e>
-                            <m:sup>
-                              <m:r>
-                                <a:rPr lang="en-US" b="0" i="1" smtClean="0">
-                                  <a:solidFill>
-                                    <a:schemeClr val="bg1"/>
-                                  </a:solidFill>
-                                  <a:latin typeface="Cambria Math" panose="02040503050406030204" pitchFamily="18" charset="0"/>
-                                </a:rPr>
-                                <m:t>2</m:t>
-                              </m:r>
-                            </m:sup>
-                          </m:sSup>
-                          <m:r>
-                            <a:rPr lang="en-US" i="1">
-                              <a:solidFill>
-                                <a:schemeClr val="bg1"/>
-                              </a:solidFill>
-                            </a:rPr>
-                            <m:t>(2</m:t>
-                          </m:r>
-                          <m:r>
-                            <a:rPr lang="en-US" i="1">
-                              <a:solidFill>
-                                <a:schemeClr val="bg1"/>
-                              </a:solidFill>
-                            </a:rPr>
-                            <m:t>𝜔</m:t>
-                          </m:r>
-                          <m:r>
-                            <a:rPr lang="en-US" i="1">
-                              <a:solidFill>
-                                <a:schemeClr val="bg1"/>
-                              </a:solidFill>
-                            </a:rPr>
-                            <m:t>𝑡</m:t>
-                          </m:r>
-                          <m:r>
-                            <a:rPr lang="en-US" i="1">
-                              <a:solidFill>
-                                <a:schemeClr val="bg1"/>
-                              </a:solidFill>
-                            </a:rPr>
-                            <m:t>)</m:t>
-                          </m:r>
-                        </m:e>
-                      </m:d>
-                    </m:oMath>
-                  </m:oMathPara>
-                </a14:m>
-                <a:endParaRPr lang="en-US" dirty="0">
-                  <a:solidFill>
-                    <a:schemeClr val="bg1"/>
-                  </a:solidFill>
-                </a:endParaRPr>
-              </a:p>
-              <a:p>
-                <a:pPr lvl="0"/>
-                <a14:m>
-                  <m:oMathPara xmlns:m="http://schemas.openxmlformats.org/officeDocument/2006/math">
-                    <m:oMathParaPr>
-                      <m:jc m:val="left"/>
-                    </m:oMathParaPr>
-                    <m:oMath xmlns:m="http://schemas.openxmlformats.org/officeDocument/2006/math">
-                      <m:sSub>
-                        <m:sSubPr>
-                          <m:ctrlPr>
-                            <a:rPr lang="en-US" i="1">
-                              <a:solidFill>
-                                <a:schemeClr val="bg1"/>
-                              </a:solidFill>
-                            </a:rPr>
-                          </m:ctrlPr>
-                        </m:sSubPr>
-                        <m:e>
-                          <m:r>
-                            <a:rPr lang="en-US" i="1">
-                              <a:solidFill>
-                                <a:schemeClr val="bg1"/>
-                              </a:solidFill>
-                            </a:rPr>
-                            <m:t>𝐼</m:t>
-                          </m:r>
-                        </m:e>
-                        <m:sub>
-                          <m:r>
-                            <a:rPr lang="en-US" i="1">
-                              <a:solidFill>
-                                <a:schemeClr val="bg1"/>
-                              </a:solidFill>
-                            </a:rPr>
-                            <m:t>2</m:t>
-                          </m:r>
-                        </m:sub>
-                      </m:sSub>
-                      <m:d>
-                        <m:dPr>
-                          <m:ctrlPr>
-                            <a:rPr lang="en-US" i="1">
-                              <a:solidFill>
-                                <a:schemeClr val="bg1"/>
-                              </a:solidFill>
-                            </a:rPr>
-                          </m:ctrlPr>
-                        </m:dPr>
-                        <m:e>
-                          <m:r>
-                            <a:rPr lang="en-US" i="1">
-                              <a:solidFill>
-                                <a:schemeClr val="bg1"/>
-                              </a:solidFill>
-                            </a:rPr>
-                            <m:t>𝑡</m:t>
-                          </m:r>
-                        </m:e>
-                      </m:d>
-                      <m:r>
-                        <a:rPr lang="en-US" i="1">
-                          <a:solidFill>
-                            <a:schemeClr val="bg1"/>
-                          </a:solidFill>
-                        </a:rPr>
-                        <m:t>=</m:t>
-                      </m:r>
-                      <m:r>
-                        <a:rPr lang="en-US" i="1">
-                          <a:solidFill>
-                            <a:schemeClr val="bg1"/>
-                          </a:solidFill>
-                        </a:rPr>
-                        <m:t>𝐿𝑃𝐹</m:t>
-                      </m:r>
-                      <m:d>
-                        <m:dPr>
-                          <m:begChr m:val="{"/>
-                          <m:endChr m:val="}"/>
-                          <m:ctrlPr>
-                            <a:rPr lang="en-US" i="1">
-                              <a:solidFill>
-                                <a:schemeClr val="bg1"/>
-                              </a:solidFill>
-                            </a:rPr>
-                          </m:ctrlPr>
-                        </m:dPr>
-                        <m:e>
-                          <m:sSub>
-                            <m:sSubPr>
-                              <m:ctrlPr>
-                                <a:rPr lang="en-US" i="1">
-                                  <a:solidFill>
-                                    <a:schemeClr val="bg1"/>
-                                  </a:solidFill>
-                                </a:rPr>
-                              </m:ctrlPr>
-                            </m:sSubPr>
-                            <m:e>
-                              <m:r>
-                                <a:rPr lang="en-US" i="1">
-                                  <a:solidFill>
-                                    <a:schemeClr val="bg1"/>
-                                  </a:solidFill>
-                                </a:rPr>
-                                <m:t>𝐼</m:t>
-                              </m:r>
-                            </m:e>
-                            <m:sub>
-                              <m:r>
-                                <a:rPr lang="en-US" i="1">
-                                  <a:solidFill>
-                                    <a:schemeClr val="bg1"/>
-                                  </a:solidFill>
-                                </a:rPr>
-                                <m:t>1</m:t>
-                              </m:r>
-                            </m:sub>
-                          </m:sSub>
-                          <m:r>
-                            <a:rPr lang="en-US" i="1">
-                              <a:solidFill>
-                                <a:schemeClr val="bg1"/>
-                              </a:solidFill>
-                            </a:rPr>
-                            <m:t>(</m:t>
-                          </m:r>
-                          <m:r>
-                            <a:rPr lang="en-US" i="1">
-                              <a:solidFill>
-                                <a:schemeClr val="bg1"/>
-                              </a:solidFill>
-                            </a:rPr>
-                            <m:t>𝑡</m:t>
-                          </m:r>
-                          <m:r>
-                            <a:rPr lang="en-US" i="1">
-                              <a:solidFill>
-                                <a:schemeClr val="bg1"/>
-                              </a:solidFill>
-                            </a:rPr>
-                            <m:t>)</m:t>
-                          </m:r>
-                        </m:e>
-                      </m:d>
-                      <m:r>
-                        <a:rPr lang="en-US" i="1">
-                          <a:solidFill>
-                            <a:schemeClr val="bg1"/>
-                          </a:solidFill>
-                        </a:rPr>
-                        <m:t>=</m:t>
-                      </m:r>
-                      <m:f>
-                        <m:fPr>
-                          <m:ctrlPr>
-                            <a:rPr lang="en-US" i="1">
-                              <a:solidFill>
-                                <a:schemeClr val="bg1"/>
-                              </a:solidFill>
-                            </a:rPr>
-                          </m:ctrlPr>
-                        </m:fPr>
-                        <m:num>
-                          <m:sSup>
-                            <m:sSupPr>
-                              <m:ctrlPr>
-                                <a:rPr lang="en-US" i="1">
-                                  <a:solidFill>
-                                    <a:schemeClr val="bg1"/>
-                                  </a:solidFill>
-                                </a:rPr>
-                              </m:ctrlPr>
-                            </m:sSupPr>
-                            <m:e>
-                              <m:r>
-                                <a:rPr lang="en-US" i="1">
-                                  <a:solidFill>
-                                    <a:schemeClr val="bg1"/>
-                                  </a:solidFill>
-                                </a:rPr>
-                                <m:t>𝐴</m:t>
-                              </m:r>
-                            </m:e>
-                            <m:sup>
-                              <m:r>
-                                <a:rPr lang="en-US" i="1">
-                                  <a:solidFill>
-                                    <a:schemeClr val="bg1"/>
-                                  </a:solidFill>
-                                </a:rPr>
-                                <m:t>2</m:t>
-                              </m:r>
-                            </m:sup>
-                          </m:sSup>
-                        </m:num>
-                        <m:den>
-                          <m:r>
-                            <a:rPr lang="en-US" i="1">
-                              <a:solidFill>
-                                <a:schemeClr val="bg1"/>
-                              </a:solidFill>
-                            </a:rPr>
-                            <m:t>2</m:t>
-                          </m:r>
-                        </m:den>
-                      </m:f>
-                      <m:r>
-                        <a:rPr lang="en-US" i="1">
-                          <a:solidFill>
-                            <a:schemeClr val="bg1"/>
-                          </a:solidFill>
-                        </a:rPr>
-                        <m:t>𝑚</m:t>
-                      </m:r>
-                      <m:d>
-                        <m:dPr>
-                          <m:ctrlPr>
-                            <a:rPr lang="en-US" i="1">
-                              <a:solidFill>
-                                <a:schemeClr val="bg1"/>
-                              </a:solidFill>
-                            </a:rPr>
-                          </m:ctrlPr>
-                        </m:dPr>
-                        <m:e>
-                          <m:r>
-                            <a:rPr lang="en-US" i="1">
-                              <a:solidFill>
-                                <a:schemeClr val="bg1"/>
-                              </a:solidFill>
-                            </a:rPr>
-                            <m:t>𝑡</m:t>
-                          </m:r>
-                        </m:e>
-                      </m:d>
-                    </m:oMath>
-                  </m:oMathPara>
-                </a14:m>
-                <a:endParaRPr lang="en-US" dirty="0">
-                  <a:solidFill>
-                    <a:schemeClr val="bg1"/>
-                  </a:solidFill>
-                </a:endParaRPr>
-              </a:p>
-              <a:p>
-                <a:pPr lvl="0"/>
-                <a14:m>
-                  <m:oMathPara xmlns:m="http://schemas.openxmlformats.org/officeDocument/2006/math">
-                    <m:oMathParaPr>
-                      <m:jc m:val="left"/>
-                    </m:oMathParaPr>
-                    <m:oMath xmlns:m="http://schemas.openxmlformats.org/officeDocument/2006/math">
-                      <m:sSub>
-                        <m:sSubPr>
-                          <m:ctrlPr>
-                            <a:rPr lang="en-US" i="1">
-                              <a:solidFill>
-                                <a:schemeClr val="bg1"/>
-                              </a:solidFill>
-                            </a:rPr>
-                          </m:ctrlPr>
-                        </m:sSubPr>
-                        <m:e>
-                          <m:r>
-                            <a:rPr lang="en-US" i="1">
-                              <a:solidFill>
-                                <a:schemeClr val="bg1"/>
-                              </a:solidFill>
-                            </a:rPr>
-                            <m:t>𝑄</m:t>
-                          </m:r>
-                        </m:e>
-                        <m:sub>
-                          <m:r>
-                            <a:rPr lang="en-US" i="1">
-                              <a:solidFill>
-                                <a:schemeClr val="bg1"/>
-                              </a:solidFill>
-                            </a:rPr>
-                            <m:t>1</m:t>
-                          </m:r>
-                        </m:sub>
-                      </m:sSub>
-                      <m:d>
-                        <m:dPr>
-                          <m:ctrlPr>
-                            <a:rPr lang="en-US" i="1">
-                              <a:solidFill>
-                                <a:schemeClr val="bg1"/>
-                              </a:solidFill>
-                            </a:rPr>
-                          </m:ctrlPr>
-                        </m:dPr>
-                        <m:e>
-                          <m:r>
-                            <a:rPr lang="en-US" i="1">
-                              <a:solidFill>
-                                <a:schemeClr val="bg1"/>
-                              </a:solidFill>
-                            </a:rPr>
-                            <m:t>𝑡</m:t>
-                          </m:r>
-                        </m:e>
-                      </m:d>
-                      <m:r>
-                        <a:rPr lang="en-US" i="1">
-                          <a:solidFill>
-                            <a:schemeClr val="bg1"/>
-                          </a:solidFill>
-                        </a:rPr>
-                        <m:t>=</m:t>
-                      </m:r>
-                      <m:r>
-                        <a:rPr lang="en-US" i="1">
-                          <a:solidFill>
-                            <a:schemeClr val="bg1"/>
-                          </a:solidFill>
-                        </a:rPr>
-                        <m:t>𝑟</m:t>
-                      </m:r>
-                      <m:d>
-                        <m:dPr>
-                          <m:ctrlPr>
-                            <a:rPr lang="en-US" i="1">
-                              <a:solidFill>
-                                <a:schemeClr val="bg1"/>
-                              </a:solidFill>
-                            </a:rPr>
-                          </m:ctrlPr>
-                        </m:dPr>
-                        <m:e>
-                          <m:r>
-                            <a:rPr lang="en-US" i="1">
-                              <a:solidFill>
-                                <a:schemeClr val="bg1"/>
-                              </a:solidFill>
-                            </a:rPr>
-                            <m:t>𝑡</m:t>
-                          </m:r>
-                        </m:e>
-                      </m:d>
-                      <m:sSub>
-                        <m:sSubPr>
-                          <m:ctrlPr>
-                            <a:rPr lang="en-US" i="1">
-                              <a:solidFill>
-                                <a:schemeClr val="bg1"/>
-                              </a:solidFill>
-                            </a:rPr>
-                          </m:ctrlPr>
-                        </m:sSubPr>
-                        <m:e>
-                          <m:r>
-                            <a:rPr lang="en-US" i="1">
-                              <a:solidFill>
-                                <a:schemeClr val="bg1"/>
-                              </a:solidFill>
-                            </a:rPr>
-                            <m:t>𝑠</m:t>
-                          </m:r>
-                        </m:e>
-                        <m:sub>
-                          <m:r>
-                            <a:rPr lang="en-US" i="1">
-                              <a:solidFill>
-                                <a:schemeClr val="bg1"/>
-                              </a:solidFill>
-                            </a:rPr>
-                            <m:t>2</m:t>
-                          </m:r>
-                        </m:sub>
-                      </m:sSub>
-                      <m:d>
-                        <m:dPr>
-                          <m:ctrlPr>
-                            <a:rPr lang="en-US" i="1">
-                              <a:solidFill>
-                                <a:schemeClr val="bg1"/>
-                              </a:solidFill>
-                            </a:rPr>
-                          </m:ctrlPr>
-                        </m:dPr>
-                        <m:e>
-                          <m:r>
-                            <a:rPr lang="en-US" i="1">
-                              <a:solidFill>
-                                <a:schemeClr val="bg1"/>
-                              </a:solidFill>
-                            </a:rPr>
-                            <m:t>𝑡</m:t>
-                          </m:r>
-                        </m:e>
-                      </m:d>
-                      <m:r>
-                        <a:rPr lang="en-US" i="1">
-                          <a:solidFill>
-                            <a:schemeClr val="bg1"/>
-                          </a:solidFill>
-                        </a:rPr>
-                        <m:t>= 0</m:t>
-                      </m:r>
-                    </m:oMath>
-                  </m:oMathPara>
-                </a14:m>
+                <a:r>
+                  <a:rPr lang="en-US" dirty="0" smtClean="0">
+                    <a:solidFill>
+                      <a:schemeClr val="bg1"/>
+                    </a:solidFill>
+                  </a:rPr>
+                  <a:t>						(9)</a:t>
+                </a:r>
                 <a:endParaRPr lang="en-US" dirty="0">
                   <a:solidFill>
                     <a:schemeClr val="bg1"/>
@@ -13294,15 +14960,15 @@
             <p:spPr>
               <a:xfrm>
                 <a:off x="1301732" y="1531349"/>
-                <a:ext cx="9158068" cy="4874348"/>
+                <a:ext cx="9158068" cy="3905108"/>
               </a:xfrm>
               <a:prstGeom prst="rect">
                 <a:avLst/>
               </a:prstGeom>
               <a:blipFill rotWithShape="0">
-                <a:blip r:embed="rId2"/>
+                <a:blip r:embed="rId3"/>
                 <a:stretch>
-                  <a:fillRect l="-133" t="-625"/>
+                  <a:fillRect l="-133" t="-780" b="-1404"/>
                 </a:stretch>
               </a:blipFill>
             </p:spPr>
@@ -13331,10 +14997,102 @@
   <p:clrMapOvr>
     <a:masterClrMapping/>
   </p:clrMapOvr>
+  <p:timing>
+    <p:tnLst>
+      <p:par>
+        <p:cTn id="1" dur="indefinite" restart="never" nodeType="tmRoot"/>
+      </p:par>
+    </p:tnLst>
+  </p:timing>
 </p:sld>
 </file>
 
 <file path=ppt/slides/slide17.xml><?xml version="1.0" encoding="utf-8"?>
+<p:sld xmlns:a="http://schemas.openxmlformats.org/drawingml/2006/main" xmlns:r="http://schemas.openxmlformats.org/officeDocument/2006/relationships" xmlns:p="http://schemas.openxmlformats.org/presentationml/2006/main">
+  <p:cSld>
+    <p:spTree>
+      <p:nvGrpSpPr>
+        <p:cNvPr id="1" name=""/>
+        <p:cNvGrpSpPr/>
+        <p:nvPr/>
+      </p:nvGrpSpPr>
+      <p:grpSpPr>
+        <a:xfrm>
+          <a:off x="0" y="0"/>
+          <a:ext cx="0" cy="0"/>
+          <a:chOff x="0" y="0"/>
+          <a:chExt cx="0" cy="0"/>
+        </a:xfrm>
+      </p:grpSpPr>
+      <p:pic>
+        <p:nvPicPr>
+          <p:cNvPr id="55" name="Picture 54"/>
+          <p:cNvPicPr>
+            <a:picLocks noChangeAspect="1"/>
+          </p:cNvPicPr>
+          <p:nvPr/>
+        </p:nvPicPr>
+        <p:blipFill>
+          <a:blip r:embed="rId3"/>
+          <a:stretch>
+            <a:fillRect/>
+          </a:stretch>
+        </p:blipFill>
+        <p:spPr>
+          <a:xfrm>
+            <a:off x="5691647" y="0"/>
+            <a:ext cx="6500353" cy="6858000"/>
+          </a:xfrm>
+          <a:prstGeom prst="rect">
+            <a:avLst/>
+          </a:prstGeom>
+        </p:spPr>
+      </p:pic>
+      <p:pic>
+        <p:nvPicPr>
+          <p:cNvPr id="98" name="Picture 97"/>
+          <p:cNvPicPr>
+            <a:picLocks noChangeAspect="1"/>
+          </p:cNvPicPr>
+          <p:nvPr/>
+        </p:nvPicPr>
+        <p:blipFill>
+          <a:blip r:embed="rId4"/>
+          <a:stretch>
+            <a:fillRect/>
+          </a:stretch>
+        </p:blipFill>
+        <p:spPr>
+          <a:xfrm>
+            <a:off x="0" y="0"/>
+            <a:ext cx="5691647" cy="6858000"/>
+          </a:xfrm>
+          <a:prstGeom prst="rect">
+            <a:avLst/>
+          </a:prstGeom>
+        </p:spPr>
+      </p:pic>
+    </p:spTree>
+    <p:extLst>
+      <p:ext uri="{BB962C8B-B14F-4D97-AF65-F5344CB8AC3E}">
+        <p14:creationId xmlns:p14="http://schemas.microsoft.com/office/powerpoint/2010/main" val="346844980"/>
+      </p:ext>
+    </p:extLst>
+  </p:cSld>
+  <p:clrMapOvr>
+    <a:masterClrMapping/>
+  </p:clrMapOvr>
+  <p:timing>
+    <p:tnLst>
+      <p:par>
+        <p:cTn id="1" dur="indefinite" restart="never" nodeType="tmRoot"/>
+      </p:par>
+    </p:tnLst>
+  </p:timing>
+</p:sld>
+</file>
+
+<file path=ppt/slides/slide18.xml><?xml version="1.0" encoding="utf-8"?>
 <p:sld xmlns:a="http://schemas.openxmlformats.org/drawingml/2006/main" xmlns:r="http://schemas.openxmlformats.org/officeDocument/2006/relationships" xmlns:p="http://schemas.openxmlformats.org/presentationml/2006/main">
   <p:cSld>
     <p:spTree>
@@ -13413,10 +15171,17 @@
   <p:clrMapOvr>
     <a:masterClrMapping/>
   </p:clrMapOvr>
+  <p:timing>
+    <p:tnLst>
+      <p:par>
+        <p:cTn id="1" dur="indefinite" restart="never" nodeType="tmRoot"/>
+      </p:par>
+    </p:tnLst>
+  </p:timing>
 </p:sld>
 </file>
 
-<file path=ppt/slides/slide18.xml><?xml version="1.0" encoding="utf-8"?>
+<file path=ppt/slides/slide19.xml><?xml version="1.0" encoding="utf-8"?>
 <p:sld xmlns:a="http://schemas.openxmlformats.org/drawingml/2006/main" xmlns:r="http://schemas.openxmlformats.org/officeDocument/2006/relationships" xmlns:p="http://schemas.openxmlformats.org/presentationml/2006/main">
   <p:cSld>
     <p:spTree>
@@ -13455,15 +15220,7 @@
                   <a:srgbClr val="FFFF00"/>
                 </a:solidFill>
               </a:rPr>
-              <a:t>Analyze </a:t>
-            </a:r>
-            <a:r>
-              <a:rPr lang="en-US" dirty="0" smtClean="0">
-                <a:solidFill>
-                  <a:srgbClr val="FFFF00"/>
-                </a:solidFill>
-              </a:rPr>
-              <a:t>System</a:t>
+              <a:t>Analyze System</a:t>
             </a:r>
             <a:r>
               <a:rPr lang="en-US" sz="2800" dirty="0" smtClean="0">
@@ -13898,6 +15655,13 @@
   <p:clrMapOvr>
     <a:masterClrMapping/>
   </p:clrMapOvr>
+  <p:timing>
+    <p:tnLst>
+      <p:par>
+        <p:cTn id="1" dur="indefinite" restart="never" nodeType="tmRoot"/>
+      </p:par>
+    </p:tnLst>
+  </p:timing>
 </p:sld>
 </file>
 
@@ -13978,6 +15742,419 @@
   <p:clrMapOvr>
     <a:masterClrMapping/>
   </p:clrMapOvr>
+  <p:timing>
+    <p:tnLst>
+      <p:par>
+        <p:cTn id="1" dur="indefinite" restart="never" nodeType="tmRoot"/>
+      </p:par>
+    </p:tnLst>
+  </p:timing>
+</p:sld>
+</file>
+
+<file path=ppt/slides/slide20.xml><?xml version="1.0" encoding="utf-8"?>
+<p:sld xmlns:a="http://schemas.openxmlformats.org/drawingml/2006/main" xmlns:r="http://schemas.openxmlformats.org/officeDocument/2006/relationships" xmlns:p="http://schemas.openxmlformats.org/presentationml/2006/main">
+  <p:cSld>
+    <p:spTree>
+      <p:nvGrpSpPr>
+        <p:cNvPr id="1" name=""/>
+        <p:cNvGrpSpPr/>
+        <p:nvPr/>
+      </p:nvGrpSpPr>
+      <p:grpSpPr>
+        <a:xfrm>
+          <a:off x="0" y="0"/>
+          <a:ext cx="0" cy="0"/>
+          <a:chOff x="0" y="0"/>
+          <a:chExt cx="0" cy="0"/>
+        </a:xfrm>
+      </p:grpSpPr>
+      <p:sp>
+        <p:nvSpPr>
+          <p:cNvPr id="2" name="Title 1"/>
+          <p:cNvSpPr>
+            <a:spLocks noGrp="1"/>
+          </p:cNvSpPr>
+          <p:nvPr>
+            <p:ph type="ctrTitle"/>
+          </p:nvPr>
+        </p:nvSpPr>
+        <p:spPr>
+          <a:xfrm>
+            <a:off x="1117758" y="277857"/>
+            <a:ext cx="9843351" cy="2827383"/>
+          </a:xfrm>
+        </p:spPr>
+        <p:txBody>
+          <a:bodyPr anchor="ctr">
+            <a:normAutofit/>
+          </a:bodyPr>
+          <a:lstStyle/>
+          <a:p>
+            <a:pPr algn="ctr"/>
+            <a:r>
+              <a:rPr lang="en-US" sz="3200" b="1" dirty="0" smtClean="0">
+                <a:solidFill>
+                  <a:srgbClr val="FFFF00"/>
+                </a:solidFill>
+                <a:latin typeface="+mn-lt"/>
+                <a:cs typeface="Aharoni" panose="02010803020104030203" pitchFamily="2" charset="-79"/>
+              </a:rPr>
+              <a:t>Programmable Communication Group </a:t>
+            </a:r>
+            <a:r>
+              <a:rPr lang="en-US" sz="3200" dirty="0" smtClean="0">
+                <a:latin typeface="Aharoni" panose="02010803020104030203" pitchFamily="2" charset="-79"/>
+                <a:cs typeface="Aharoni" panose="02010803020104030203" pitchFamily="2" charset="-79"/>
+              </a:rPr>
+              <a:t/>
+            </a:r>
+            <a:br>
+              <a:rPr lang="en-US" sz="3200" dirty="0" smtClean="0">
+                <a:latin typeface="Aharoni" panose="02010803020104030203" pitchFamily="2" charset="-79"/>
+                <a:cs typeface="Aharoni" panose="02010803020104030203" pitchFamily="2" charset="-79"/>
+              </a:rPr>
+            </a:br>
+            <a:r>
+              <a:rPr lang="en-US" sz="3200" dirty="0" smtClean="0">
+                <a:latin typeface="Aharoni" panose="02010803020104030203" pitchFamily="2" charset="-79"/>
+                <a:cs typeface="Aharoni" panose="02010803020104030203" pitchFamily="2" charset="-79"/>
+              </a:rPr>
+              <a:t> </a:t>
+            </a:r>
+            <a:r>
+              <a:rPr lang="en-US" sz="3200" dirty="0" smtClean="0">
+                <a:latin typeface="Calibri" panose="020F0502020204030204" pitchFamily="34" charset="0"/>
+              </a:rPr>
+              <a:t/>
+            </a:r>
+            <a:br>
+              <a:rPr lang="en-US" sz="3200" dirty="0" smtClean="0">
+                <a:latin typeface="Calibri" panose="020F0502020204030204" pitchFamily="34" charset="0"/>
+              </a:rPr>
+            </a:br>
+            <a:r>
+              <a:rPr lang="en-US" sz="3200" dirty="0">
+                <a:latin typeface="Calibri" panose="020F0502020204030204" pitchFamily="34" charset="0"/>
+              </a:rPr>
+              <a:t>Using </a:t>
+            </a:r>
+            <a:r>
+              <a:rPr lang="en-US" sz="3200" dirty="0" smtClean="0">
+                <a:latin typeface="Calibri" panose="020F0502020204030204" pitchFamily="34" charset="0"/>
+              </a:rPr>
+              <a:t>FPGA Technology </a:t>
+            </a:r>
+            <a:r>
+              <a:rPr lang="en-US" sz="3200" dirty="0">
+                <a:latin typeface="Calibri" panose="020F0502020204030204" pitchFamily="34" charset="0"/>
+              </a:rPr>
+              <a:t>to M</a:t>
+            </a:r>
+            <a:r>
+              <a:rPr lang="en-US" sz="3200" dirty="0" smtClean="0">
+                <a:latin typeface="Calibri" panose="020F0502020204030204" pitchFamily="34" charset="0"/>
+              </a:rPr>
+              <a:t>odernize the </a:t>
+            </a:r>
+            <a:br>
+              <a:rPr lang="en-US" sz="3200" dirty="0" smtClean="0">
+                <a:latin typeface="Calibri" panose="020F0502020204030204" pitchFamily="34" charset="0"/>
+              </a:rPr>
+            </a:br>
+            <a:r>
+              <a:rPr lang="en-US" sz="3200" dirty="0" smtClean="0">
+                <a:latin typeface="Calibri" panose="020F0502020204030204" pitchFamily="34" charset="0"/>
+              </a:rPr>
+              <a:t>KD2BD Amateur Radio Satellite Modem</a:t>
+            </a:r>
+            <a:br>
+              <a:rPr lang="en-US" sz="3200" dirty="0" smtClean="0">
+                <a:latin typeface="Calibri" panose="020F0502020204030204" pitchFamily="34" charset="0"/>
+              </a:rPr>
+            </a:br>
+            <a:endParaRPr lang="en-US" sz="3200" dirty="0">
+              <a:latin typeface="Calibri" panose="020F0502020204030204" pitchFamily="34" charset="0"/>
+            </a:endParaRPr>
+          </a:p>
+        </p:txBody>
+      </p:sp>
+      <p:sp>
+        <p:nvSpPr>
+          <p:cNvPr id="3" name="Subtitle 2"/>
+          <p:cNvSpPr>
+            <a:spLocks noGrp="1"/>
+          </p:cNvSpPr>
+          <p:nvPr>
+            <p:ph type="subTitle" idx="1"/>
+          </p:nvPr>
+        </p:nvSpPr>
+        <p:spPr>
+          <a:xfrm>
+            <a:off x="1643645" y="2456298"/>
+            <a:ext cx="8791575" cy="3696236"/>
+          </a:xfrm>
+        </p:spPr>
+        <p:txBody>
+          <a:bodyPr>
+            <a:normAutofit/>
+          </a:bodyPr>
+          <a:lstStyle/>
+          <a:p>
+            <a:pPr algn="ctr"/>
+            <a:r>
+              <a:rPr lang="en-US" sz="2800" dirty="0" smtClean="0">
+                <a:solidFill>
+                  <a:srgbClr val="FF0000"/>
+                </a:solidFill>
+                <a:latin typeface="Calibri" panose="020F0502020204030204" pitchFamily="34" charset="0"/>
+              </a:rPr>
+              <a:t> </a:t>
+            </a:r>
+          </a:p>
+          <a:p>
+            <a:pPr algn="ctr"/>
+            <a:endParaRPr lang="en-US" sz="2400" dirty="0" smtClean="0">
+              <a:solidFill>
+                <a:srgbClr val="FFC000"/>
+              </a:solidFill>
+              <a:latin typeface="Calibri" panose="020F0502020204030204" pitchFamily="34" charset="0"/>
+            </a:endParaRPr>
+          </a:p>
+          <a:p>
+            <a:pPr algn="ctr"/>
+            <a:r>
+              <a:rPr lang="en-US" sz="2400" dirty="0" smtClean="0">
+                <a:solidFill>
+                  <a:srgbClr val="FFC000"/>
+                </a:solidFill>
+                <a:latin typeface="Calibri" panose="020F0502020204030204" pitchFamily="34" charset="0"/>
+              </a:rPr>
+              <a:t>Category 2 – Project with active research agenda</a:t>
+            </a:r>
+          </a:p>
+          <a:p>
+            <a:pPr algn="ctr"/>
+            <a:endParaRPr lang="en-US" sz="2800" dirty="0" smtClean="0">
+              <a:solidFill>
+                <a:srgbClr val="FFFF00"/>
+              </a:solidFill>
+            </a:endParaRPr>
+          </a:p>
+        </p:txBody>
+      </p:sp>
+      <p:sp>
+        <p:nvSpPr>
+          <p:cNvPr id="4" name="TextBox 3"/>
+          <p:cNvSpPr txBox="1"/>
+          <p:nvPr/>
+        </p:nvSpPr>
+        <p:spPr>
+          <a:xfrm>
+            <a:off x="0" y="4304416"/>
+            <a:ext cx="12192000" cy="2031325"/>
+          </a:xfrm>
+          <a:prstGeom prst="rect">
+            <a:avLst/>
+          </a:prstGeom>
+          <a:solidFill>
+            <a:schemeClr val="bg1">
+              <a:alpha val="60000"/>
+            </a:schemeClr>
+          </a:solidFill>
+          <a:effectLst>
+            <a:glow rad="228600">
+              <a:schemeClr val="accent5">
+                <a:satMod val="175000"/>
+                <a:alpha val="40000"/>
+              </a:schemeClr>
+            </a:glow>
+          </a:effectLst>
+        </p:spPr>
+        <p:style>
+          <a:lnRef idx="2">
+            <a:schemeClr val="accent2">
+              <a:shade val="50000"/>
+            </a:schemeClr>
+          </a:lnRef>
+          <a:fillRef idx="1">
+            <a:schemeClr val="accent2"/>
+          </a:fillRef>
+          <a:effectRef idx="0">
+            <a:schemeClr val="accent2"/>
+          </a:effectRef>
+          <a:fontRef idx="minor">
+            <a:schemeClr val="lt1"/>
+          </a:fontRef>
+        </p:style>
+        <p:txBody>
+          <a:bodyPr wrap="square" rtlCol="0">
+            <a:spAutoFit/>
+          </a:bodyPr>
+          <a:lstStyle/>
+          <a:p>
+            <a:pPr algn="ctr"/>
+            <a:r>
+              <a:rPr lang="en-US" b="1" dirty="0" smtClean="0">
+                <a:solidFill>
+                  <a:srgbClr val="FFFF00"/>
+                </a:solidFill>
+                <a:latin typeface="Calibri" panose="020F0502020204030204" pitchFamily="34" charset="0"/>
+              </a:rPr>
+              <a:t>SD1 </a:t>
+            </a:r>
+            <a:r>
+              <a:rPr lang="en-US" b="1" dirty="0">
+                <a:solidFill>
+                  <a:srgbClr val="FFFF00"/>
+                </a:solidFill>
+                <a:latin typeface="Calibri" panose="020F0502020204030204" pitchFamily="34" charset="0"/>
+              </a:rPr>
+              <a:t>Team:</a:t>
+            </a:r>
+          </a:p>
+          <a:p>
+            <a:pPr algn="ctr"/>
+            <a:r>
+              <a:rPr lang="en-US" dirty="0">
+                <a:solidFill>
+                  <a:schemeClr val="tx1"/>
+                </a:solidFill>
+                <a:latin typeface="Calibri" panose="020F0502020204030204" pitchFamily="34" charset="0"/>
+              </a:rPr>
+              <a:t>Brandon </a:t>
+            </a:r>
+            <a:r>
+              <a:rPr lang="en-US" dirty="0" smtClean="0">
+                <a:solidFill>
+                  <a:schemeClr val="tx1"/>
+                </a:solidFill>
+                <a:latin typeface="Calibri" panose="020F0502020204030204" pitchFamily="34" charset="0"/>
+              </a:rPr>
+              <a:t>Keith </a:t>
+            </a:r>
+            <a:r>
+              <a:rPr lang="en-US" dirty="0">
+                <a:solidFill>
+                  <a:schemeClr val="tx1"/>
+                </a:solidFill>
+                <a:latin typeface="Calibri" panose="020F0502020204030204" pitchFamily="34" charset="0"/>
+              </a:rPr>
+              <a:t>(ECE)</a:t>
+            </a:r>
+          </a:p>
+          <a:p>
+            <a:pPr algn="ctr"/>
+            <a:r>
+              <a:rPr lang="en-US" dirty="0">
+                <a:solidFill>
+                  <a:schemeClr val="tx1"/>
+                </a:solidFill>
+                <a:latin typeface="Calibri" panose="020F0502020204030204" pitchFamily="34" charset="0"/>
+              </a:rPr>
+              <a:t>Cedric Destin (EE)</a:t>
+            </a:r>
+          </a:p>
+          <a:p>
+            <a:pPr algn="ctr"/>
+            <a:r>
+              <a:rPr lang="en-US" dirty="0">
+                <a:solidFill>
+                  <a:schemeClr val="tx1"/>
+                </a:solidFill>
+                <a:latin typeface="Calibri" panose="020F0502020204030204" pitchFamily="34" charset="0"/>
+              </a:rPr>
+              <a:t>Brian </a:t>
+            </a:r>
+            <a:r>
+              <a:rPr lang="en-US" dirty="0" err="1">
+                <a:solidFill>
+                  <a:schemeClr val="tx1"/>
+                </a:solidFill>
+                <a:latin typeface="Calibri" panose="020F0502020204030204" pitchFamily="34" charset="0"/>
+              </a:rPr>
+              <a:t>Thibodeau</a:t>
+            </a:r>
+            <a:r>
+              <a:rPr lang="en-US" dirty="0">
+                <a:solidFill>
+                  <a:schemeClr val="tx1"/>
+                </a:solidFill>
+                <a:latin typeface="Calibri" panose="020F0502020204030204" pitchFamily="34" charset="0"/>
+              </a:rPr>
+              <a:t> (EE</a:t>
+            </a:r>
+            <a:r>
+              <a:rPr lang="en-US" dirty="0" smtClean="0">
+                <a:solidFill>
+                  <a:schemeClr val="tx1"/>
+                </a:solidFill>
+                <a:latin typeface="Calibri" panose="020F0502020204030204" pitchFamily="34" charset="0"/>
+              </a:rPr>
+              <a:t>)</a:t>
+            </a:r>
+          </a:p>
+          <a:p>
+            <a:pPr algn="ctr"/>
+            <a:endParaRPr lang="en-US" dirty="0">
+              <a:solidFill>
+                <a:schemeClr val="tx1"/>
+              </a:solidFill>
+              <a:latin typeface="Calibri" panose="020F0502020204030204" pitchFamily="34" charset="0"/>
+            </a:endParaRPr>
+          </a:p>
+          <a:p>
+            <a:pPr algn="ctr"/>
+            <a:r>
+              <a:rPr lang="en-US" b="1" dirty="0" smtClean="0">
+                <a:solidFill>
+                  <a:srgbClr val="FFFF00"/>
+                </a:solidFill>
+                <a:latin typeface="Calibri" panose="020F0502020204030204" pitchFamily="34" charset="0"/>
+              </a:rPr>
+              <a:t>SD1 Advisor</a:t>
+            </a:r>
+            <a:r>
+              <a:rPr lang="en-US" b="1" dirty="0">
+                <a:solidFill>
+                  <a:srgbClr val="FFFF00"/>
+                </a:solidFill>
+                <a:latin typeface="Calibri" panose="020F0502020204030204" pitchFamily="34" charset="0"/>
+              </a:rPr>
+              <a:t>:</a:t>
+            </a:r>
+          </a:p>
+          <a:p>
+            <a:pPr algn="ctr"/>
+            <a:r>
+              <a:rPr lang="en-US" dirty="0">
+                <a:solidFill>
+                  <a:schemeClr val="tx1"/>
+                </a:solidFill>
+                <a:latin typeface="Calibri" panose="020F0502020204030204" pitchFamily="34" charset="0"/>
+              </a:rPr>
+              <a:t>Professor Dennis Silage, PhD (ECE)</a:t>
+            </a:r>
+          </a:p>
+        </p:txBody>
+      </p:sp>
+    </p:spTree>
+    <p:extLst>
+      <p:ext uri="{BB962C8B-B14F-4D97-AF65-F5344CB8AC3E}">
+        <p14:creationId xmlns:p14="http://schemas.microsoft.com/office/powerpoint/2010/main" val="3779030335"/>
+      </p:ext>
+    </p:extLst>
+  </p:cSld>
+  <p:clrMapOvr>
+    <a:masterClrMapping/>
+  </p:clrMapOvr>
+  <p:timing>
+    <p:tnLst>
+      <p:par>
+        <p:cTn id="1" dur="indefinite" restart="never" nodeType="tmRoot"/>
+      </p:par>
+    </p:tnLst>
+  </p:timing>
 </p:sld>
 </file>
 
@@ -15348,15 +17525,7 @@
                   <a:srgbClr val="FFFF00"/>
                 </a:solidFill>
               </a:rPr>
-              <a:t>Proposed </a:t>
-            </a:r>
-            <a:r>
-              <a:rPr lang="en-US" dirty="0" smtClean="0">
-                <a:solidFill>
-                  <a:srgbClr val="FFFF00"/>
-                </a:solidFill>
-              </a:rPr>
-              <a:t>Solution</a:t>
+              <a:t>Proposed Solution</a:t>
             </a:r>
             <a:r>
               <a:rPr lang="en-US" sz="2400" dirty="0" smtClean="0">
@@ -15927,6 +18096,13 @@
   <p:clrMapOvr>
     <a:masterClrMapping/>
   </p:clrMapOvr>
+  <p:timing>
+    <p:tnLst>
+      <p:par>
+        <p:cTn id="1" dur="indefinite" restart="never" nodeType="tmRoot"/>
+      </p:par>
+    </p:tnLst>
+  </p:timing>
 </p:sld>
 </file>
 
